--- a/docs/diagrams/Diagrams.pptx
+++ b/docs/diagrams/Diagrams.pptx
@@ -5,7 +5,7 @@
     <p:sldMasterId id="2147483648" r:id="rId1"/>
   </p:sldMasterIdLst>
   <p:notesMasterIdLst>
-    <p:notesMasterId r:id="rId11"/>
+    <p:notesMasterId r:id="rId12"/>
   </p:notesMasterIdLst>
   <p:sldIdLst>
     <p:sldId id="256" r:id="rId2"/>
@@ -14,9 +14,10 @@
     <p:sldId id="260" r:id="rId5"/>
     <p:sldId id="261" r:id="rId6"/>
     <p:sldId id="267" r:id="rId7"/>
-    <p:sldId id="263" r:id="rId8"/>
-    <p:sldId id="264" r:id="rId9"/>
-    <p:sldId id="265" r:id="rId10"/>
+    <p:sldId id="268" r:id="rId8"/>
+    <p:sldId id="263" r:id="rId9"/>
+    <p:sldId id="264" r:id="rId10"/>
+    <p:sldId id="265" r:id="rId11"/>
   </p:sldIdLst>
   <p:sldSz cx="9144000" cy="6858000" type="screen4x3"/>
   <p:notesSz cx="6858000" cy="9144000"/>
@@ -115,6 +116,22 @@
       </a:defRPr>
     </a:lvl9pPr>
   </p:defaultTextStyle>
+  <p:extLst>
+    <p:ext uri="{EFAFB233-063F-42B5-8137-9DF3F51BA10A}">
+      <p15:sldGuideLst xmlns:p15="http://schemas.microsoft.com/office/powerpoint/2012/main">
+        <p15:guide id="1" orient="horz" pos="1488">
+          <p15:clr>
+            <a:srgbClr val="A4A3A4"/>
+          </p15:clr>
+        </p15:guide>
+        <p15:guide id="2" pos="2880">
+          <p15:clr>
+            <a:srgbClr val="A4A3A4"/>
+          </p15:clr>
+        </p15:guide>
+      </p15:sldGuideLst>
+    </p:ext>
+  </p:extLst>
 </p:presentation>
 </file>
 
@@ -200,7 +217,7 @@
           <a:p>
             <a:fld id="{F5CC4B3F-88C1-4FFA-B1B6-F41C21DC6924}" type="datetimeFigureOut">
               <a:rPr lang="en-US" smtClean="0"/>
-              <a:t>9/30/2016</a:t>
+              <a:t>10/29/2016</a:t>
             </a:fld>
             <a:endParaRPr lang="en-US"/>
           </a:p>
@@ -649,7 +666,7 @@
           <a:p>
             <a:fld id="{78C97017-6FC3-485B-9764-EAC9E56C1D49}" type="datetimeFigureOut">
               <a:rPr lang="en-US" smtClean="0"/>
-              <a:t>9/30/2016</a:t>
+              <a:t>10/29/2016</a:t>
             </a:fld>
             <a:endParaRPr lang="en-US"/>
           </a:p>
@@ -819,7 +836,7 @@
           <a:p>
             <a:fld id="{78C97017-6FC3-485B-9764-EAC9E56C1D49}" type="datetimeFigureOut">
               <a:rPr lang="en-US" smtClean="0"/>
-              <a:t>9/30/2016</a:t>
+              <a:t>10/29/2016</a:t>
             </a:fld>
             <a:endParaRPr lang="en-US"/>
           </a:p>
@@ -999,7 +1016,7 @@
           <a:p>
             <a:fld id="{78C97017-6FC3-485B-9764-EAC9E56C1D49}" type="datetimeFigureOut">
               <a:rPr lang="en-US" smtClean="0"/>
-              <a:t>9/30/2016</a:t>
+              <a:t>10/29/2016</a:t>
             </a:fld>
             <a:endParaRPr lang="en-US"/>
           </a:p>
@@ -1169,7 +1186,7 @@
           <a:p>
             <a:fld id="{78C97017-6FC3-485B-9764-EAC9E56C1D49}" type="datetimeFigureOut">
               <a:rPr lang="en-US" smtClean="0"/>
-              <a:t>9/30/2016</a:t>
+              <a:t>10/29/2016</a:t>
             </a:fld>
             <a:endParaRPr lang="en-US"/>
           </a:p>
@@ -1415,7 +1432,7 @@
           <a:p>
             <a:fld id="{78C97017-6FC3-485B-9764-EAC9E56C1D49}" type="datetimeFigureOut">
               <a:rPr lang="en-US" smtClean="0"/>
-              <a:t>9/30/2016</a:t>
+              <a:t>10/29/2016</a:t>
             </a:fld>
             <a:endParaRPr lang="en-US"/>
           </a:p>
@@ -1703,7 +1720,7 @@
           <a:p>
             <a:fld id="{78C97017-6FC3-485B-9764-EAC9E56C1D49}" type="datetimeFigureOut">
               <a:rPr lang="en-US" smtClean="0"/>
-              <a:t>9/30/2016</a:t>
+              <a:t>10/29/2016</a:t>
             </a:fld>
             <a:endParaRPr lang="en-US"/>
           </a:p>
@@ -2125,7 +2142,7 @@
           <a:p>
             <a:fld id="{78C97017-6FC3-485B-9764-EAC9E56C1D49}" type="datetimeFigureOut">
               <a:rPr lang="en-US" smtClean="0"/>
-              <a:t>9/30/2016</a:t>
+              <a:t>10/29/2016</a:t>
             </a:fld>
             <a:endParaRPr lang="en-US"/>
           </a:p>
@@ -2243,7 +2260,7 @@
           <a:p>
             <a:fld id="{78C97017-6FC3-485B-9764-EAC9E56C1D49}" type="datetimeFigureOut">
               <a:rPr lang="en-US" smtClean="0"/>
-              <a:t>9/30/2016</a:t>
+              <a:t>10/29/2016</a:t>
             </a:fld>
             <a:endParaRPr lang="en-US"/>
           </a:p>
@@ -2338,7 +2355,7 @@
           <a:p>
             <a:fld id="{78C97017-6FC3-485B-9764-EAC9E56C1D49}" type="datetimeFigureOut">
               <a:rPr lang="en-US" smtClean="0"/>
-              <a:t>9/30/2016</a:t>
+              <a:t>10/29/2016</a:t>
             </a:fld>
             <a:endParaRPr lang="en-US"/>
           </a:p>
@@ -2615,7 +2632,7 @@
           <a:p>
             <a:fld id="{78C97017-6FC3-485B-9764-EAC9E56C1D49}" type="datetimeFigureOut">
               <a:rPr lang="en-US" smtClean="0"/>
-              <a:t>9/30/2016</a:t>
+              <a:t>10/29/2016</a:t>
             </a:fld>
             <a:endParaRPr lang="en-US"/>
           </a:p>
@@ -2868,7 +2885,7 @@
           <a:p>
             <a:fld id="{78C97017-6FC3-485B-9764-EAC9E56C1D49}" type="datetimeFigureOut">
               <a:rPr lang="en-US" smtClean="0"/>
-              <a:t>9/30/2016</a:t>
+              <a:t>10/29/2016</a:t>
             </a:fld>
             <a:endParaRPr lang="en-US"/>
           </a:p>
@@ -3081,7 +3098,7 @@
           <a:p>
             <a:fld id="{78C97017-6FC3-485B-9764-EAC9E56C1D49}" type="datetimeFigureOut">
               <a:rPr lang="en-US" smtClean="0"/>
-              <a:t>9/30/2016</a:t>
+              <a:t>10/29/2016</a:t>
             </a:fld>
             <a:endParaRPr lang="en-US"/>
           </a:p>
@@ -3473,11 +3490,7 @@
           <a:p>
             <a:r>
               <a:rPr lang="en-US" dirty="0" err="1" smtClean="0"/>
-              <a:t>AddressBook</a:t>
-            </a:r>
-            <a:r>
-              <a:rPr lang="en-US" dirty="0" smtClean="0"/>
-              <a:t> – Level 4</a:t>
+              <a:t>Taskell</a:t>
             </a:r>
             <a:endParaRPr lang="en-US" dirty="0"/>
           </a:p>
@@ -3510,6 +3523,36 @@
     <p:extLst>
       <p:ext uri="{BB962C8B-B14F-4D97-AF65-F5344CB8AC3E}">
         <p14:creationId xmlns:p14="http://schemas.microsoft.com/office/powerpoint/2010/main" val="2960930635"/>
+      </p:ext>
+    </p:extLst>
+  </p:cSld>
+  <p:clrMapOvr>
+    <a:masterClrMapping/>
+  </p:clrMapOvr>
+</p:sld>
+</file>
+
+<file path=ppt/slides/slide10.xml><?xml version="1.0" encoding="utf-8"?>
+<p:sld xmlns:a="http://schemas.openxmlformats.org/drawingml/2006/main" xmlns:r="http://schemas.openxmlformats.org/officeDocument/2006/relationships" xmlns:p="http://schemas.openxmlformats.org/presentationml/2006/main">
+  <p:cSld>
+    <p:spTree>
+      <p:nvGrpSpPr>
+        <p:cNvPr id="1" name=""/>
+        <p:cNvGrpSpPr/>
+        <p:nvPr/>
+      </p:nvGrpSpPr>
+      <p:grpSpPr>
+        <a:xfrm>
+          <a:off x="0" y="0"/>
+          <a:ext cx="0" cy="0"/>
+          <a:chOff x="0" y="0"/>
+          <a:chExt cx="0" cy="0"/>
+        </a:xfrm>
+      </p:grpSpPr>
+    </p:spTree>
+    <p:extLst>
+      <p:ext uri="{BB962C8B-B14F-4D97-AF65-F5344CB8AC3E}">
+        <p14:creationId xmlns:p14="http://schemas.microsoft.com/office/powerpoint/2010/main" val="2978036214"/>
       </p:ext>
     </p:extLst>
   </p:cSld>
@@ -5753,7 +5796,7 @@
                   <a:srgbClr val="7030A0"/>
                 </a:solidFill>
               </a:rPr>
-              <a:t>deletePerson</a:t>
+              <a:t>deleteTask</a:t>
             </a:r>
             <a:r>
               <a:rPr lang="en-US" sz="1400" dirty="0" smtClean="0">
@@ -5761,7 +5804,7 @@
                   <a:srgbClr val="7030A0"/>
                 </a:solidFill>
               </a:rPr>
-              <a:t>(p)</a:t>
+              <a:t>(t)</a:t>
             </a:r>
             <a:endParaRPr lang="en-US" sz="1400" dirty="0">
               <a:solidFill>
@@ -5811,7 +5854,7 @@
                   </a:schemeClr>
                 </a:solidFill>
               </a:rPr>
-              <a:t>AddressBookChangedEvent</a:t>
+              <a:t>TaskManagerChangedEvent</a:t>
             </a:r>
             <a:r>
               <a:rPr lang="en-US" sz="1400" dirty="0" smtClean="0">
@@ -6385,7 +6428,7 @@
                   </a:schemeClr>
                 </a:solidFill>
               </a:rPr>
-              <a:t>AddressBookChangedEvent</a:t>
+              <a:t>TaskManagerChangedEvent</a:t>
             </a:r>
             <a:r>
               <a:rPr lang="en-US" sz="1400" dirty="0" smtClean="0">
@@ -6757,7 +6800,7 @@
                   </a:schemeClr>
                 </a:solidFill>
               </a:rPr>
-              <a:t>handleAddresssBookChangedEvent</a:t>
+              <a:t>handleTaskManagerChangedEvent</a:t>
             </a:r>
             <a:r>
               <a:rPr lang="en-US" sz="1400" dirty="0" smtClean="0">
@@ -7068,7 +7111,7 @@
                   <a:srgbClr val="00B050"/>
                 </a:solidFill>
               </a:rPr>
-              <a:t>handleAddresssBookChangedEvent</a:t>
+              <a:t>handleTaskManagerChangedEvent</a:t>
             </a:r>
             <a:r>
               <a:rPr lang="en-US" sz="1400" dirty="0" smtClean="0">
@@ -8014,14 +8057,14 @@
           <a:p>
             <a:pPr algn="ctr"/>
             <a:r>
-              <a:rPr lang="en-US" sz="1050" b="1" dirty="0" err="1">
+              <a:rPr lang="en-US" sz="1050" b="1" smtClean="0">
                 <a:solidFill>
                   <a:schemeClr val="accent3">
                     <a:lumMod val="75000"/>
                   </a:schemeClr>
                 </a:solidFill>
               </a:rPr>
-              <a:t>BrowserPanel</a:t>
+              <a:t>DisplayPanel</a:t>
             </a:r>
             <a:endParaRPr lang="en-SG" sz="1050" b="1" dirty="0">
               <a:solidFill>
@@ -8134,14 +8177,14 @@
           <a:p>
             <a:pPr algn="ctr"/>
             <a:r>
-              <a:rPr lang="en-US" sz="1050" b="1" dirty="0" err="1">
+              <a:rPr lang="en-US" sz="1050" b="1" dirty="0" err="1" smtClean="0">
                 <a:solidFill>
                   <a:schemeClr val="accent3">
                     <a:lumMod val="75000"/>
                   </a:schemeClr>
                 </a:solidFill>
               </a:rPr>
-              <a:t>PersonListPanel</a:t>
+              <a:t>TaskListPanel</a:t>
             </a:r>
             <a:endParaRPr lang="en-SG" sz="1050" b="1" dirty="0">
               <a:solidFill>
@@ -8194,14 +8237,14 @@
           <a:p>
             <a:pPr algn="ctr"/>
             <a:r>
-              <a:rPr lang="en-US" sz="1050" b="1" dirty="0" err="1">
+              <a:rPr lang="en-US" sz="1050" b="1" dirty="0" err="1" smtClean="0">
                 <a:solidFill>
                   <a:schemeClr val="accent3">
                     <a:lumMod val="75000"/>
                   </a:schemeClr>
                 </a:solidFill>
               </a:rPr>
-              <a:t>PersonCard</a:t>
+              <a:t>TaskCard</a:t>
             </a:r>
             <a:endParaRPr lang="en-SG" sz="1050" b="1" dirty="0">
               <a:solidFill>
@@ -9885,7 +9928,7 @@
           <a:p>
             <a:pPr algn="ctr"/>
             <a:r>
-              <a:rPr lang="en-US" sz="1050" dirty="0" err="1">
+              <a:rPr lang="en-US" sz="1050" dirty="0">
                 <a:solidFill>
                   <a:schemeClr val="bg1"/>
                 </a:solidFill>
@@ -10000,7 +10043,7 @@
           <a:p>
             <a:pPr algn="ctr"/>
             <a:r>
-              <a:rPr lang="en-US" sz="1050" dirty="0" err="1" smtClean="0">
+              <a:rPr lang="en-US" sz="1050" dirty="0" smtClean="0">
                 <a:solidFill>
                   <a:schemeClr val="bg1"/>
                 </a:solidFill>
@@ -11679,15 +11722,7 @@
                   <a:schemeClr val="bg1"/>
                 </a:solidFill>
               </a:rPr>
-              <a:t>:</a:t>
-            </a:r>
-            <a:r>
-              <a:rPr lang="en-US" sz="1600" dirty="0" err="1">
-                <a:solidFill>
-                  <a:schemeClr val="bg1"/>
-                </a:solidFill>
-              </a:rPr>
-              <a:t>LogicManager</a:t>
+              <a:t>:LogicManager</a:t>
             </a:r>
             <a:endParaRPr lang="en-SG" sz="1600" dirty="0">
               <a:solidFill>
@@ -12280,7 +12315,6 @@
               <a:rPr lang="en-US" dirty="0"/>
               <a:t>execute()</a:t>
             </a:r>
-            <a:endParaRPr lang="en-US" dirty="0"/>
           </a:p>
         </p:txBody>
       </p:sp>
@@ -12797,7 +12831,7 @@
                   <a:srgbClr val="7030A0"/>
                 </a:solidFill>
               </a:rPr>
-              <a:t>deletePerson</a:t>
+              <a:t>deleteTask</a:t>
             </a:r>
             <a:r>
               <a:rPr lang="en-US" dirty="0" smtClean="0">
@@ -13038,7 +13072,7 @@
               </a:rPr>
             </a:br>
             <a:r>
-              <a:rPr lang="en-US" sz="1600" dirty="0" err="1" smtClean="0">
+              <a:rPr lang="en-US" sz="1600" dirty="0" smtClean="0">
                 <a:solidFill>
                   <a:schemeClr val="bg1"/>
                 </a:solidFill>
@@ -13247,14 +13281,14 @@
       </p:grpSpPr>
       <p:sp>
         <p:nvSpPr>
-          <p:cNvPr id="118" name="Rectangle 65"/>
+          <p:cNvPr id="81" name="Rectangle 65"/>
           <p:cNvSpPr/>
           <p:nvPr/>
         </p:nvSpPr>
         <p:spPr>
           <a:xfrm>
-            <a:off x="1119865" y="1727200"/>
-            <a:ext cx="7490735" cy="2997200"/>
+            <a:off x="685800" y="2771775"/>
+            <a:ext cx="7086600" cy="4000286"/>
           </a:xfrm>
           <a:prstGeom prst="roundRect">
             <a:avLst>
@@ -13262,7 +13296,7 @@
             </a:avLst>
           </a:prstGeom>
           <a:solidFill>
-            <a:schemeClr val="accent4">
+            <a:schemeClr val="accent1">
               <a:lumMod val="20000"/>
               <a:lumOff val="80000"/>
             </a:schemeClr>
@@ -13293,12 +13327,1180 @@
             <a:r>
               <a:rPr lang="en-US" sz="1200" b="1" dirty="0" smtClean="0">
                 <a:solidFill>
+                  <a:srgbClr val="0070C0"/>
+                </a:solidFill>
+              </a:rPr>
+              <a:t>Logic</a:t>
+            </a:r>
+            <a:endParaRPr lang="en-SG" sz="1200" b="1" dirty="0">
+              <a:solidFill>
+                <a:srgbClr val="0070C0"/>
+              </a:solidFill>
+            </a:endParaRPr>
+          </a:p>
+        </p:txBody>
+      </p:sp>
+      <p:sp>
+        <p:nvSpPr>
+          <p:cNvPr id="2" name="Rectangle 62"/>
+          <p:cNvSpPr/>
+          <p:nvPr/>
+        </p:nvSpPr>
+        <p:spPr>
+          <a:xfrm>
+            <a:off x="1007063" y="3087121"/>
+            <a:ext cx="1455629" cy="346760"/>
+          </a:xfrm>
+          <a:prstGeom prst="rect">
+            <a:avLst/>
+          </a:prstGeom>
+          <a:solidFill>
+            <a:srgbClr val="0070C0"/>
+          </a:solidFill>
+          <a:ln w="19050">
+            <a:solidFill>
+              <a:srgbClr val="0070C0"/>
+            </a:solidFill>
+          </a:ln>
+          <a:effectLst/>
+        </p:spPr>
+        <p:style>
+          <a:lnRef idx="1">
+            <a:schemeClr val="accent2"/>
+          </a:lnRef>
+          <a:fillRef idx="2">
+            <a:schemeClr val="accent2"/>
+          </a:fillRef>
+          <a:effectRef idx="1">
+            <a:schemeClr val="accent2"/>
+          </a:effectRef>
+          <a:fontRef idx="minor">
+            <a:schemeClr val="dk1"/>
+          </a:fontRef>
+        </p:style>
+        <p:txBody>
+          <a:bodyPr rtlCol="0" anchor="ctr"/>
+          <a:lstStyle/>
+          <a:p>
+            <a:pPr algn="ctr"/>
+            <a:r>
+              <a:rPr lang="en-US" sz="1600" dirty="0">
+                <a:solidFill>
+                  <a:schemeClr val="bg1"/>
+                </a:solidFill>
+              </a:rPr>
+              <a:t>:LogicManager</a:t>
+            </a:r>
+            <a:endParaRPr lang="en-SG" sz="1600" dirty="0">
+              <a:solidFill>
+                <a:schemeClr val="bg1"/>
+              </a:solidFill>
+            </a:endParaRPr>
+          </a:p>
+        </p:txBody>
+      </p:sp>
+      <p:cxnSp>
+        <p:nvCxnSpPr>
+          <p:cNvPr id="5" name="Straight Connector 4"/>
+          <p:cNvCxnSpPr/>
+          <p:nvPr/>
+        </p:nvCxnSpPr>
+        <p:spPr>
+          <a:xfrm>
+            <a:off x="1734877" y="3450792"/>
+            <a:ext cx="0" cy="2597583"/>
+          </a:xfrm>
+          <a:prstGeom prst="line">
+            <a:avLst/>
+          </a:prstGeom>
+          <a:ln w="19050">
+            <a:solidFill>
+              <a:srgbClr val="0070C0"/>
+            </a:solidFill>
+            <a:prstDash val="sysDash"/>
+          </a:ln>
+          <a:effectLst/>
+        </p:spPr>
+        <p:style>
+          <a:lnRef idx="1">
+            <a:schemeClr val="accent1"/>
+          </a:lnRef>
+          <a:fillRef idx="2">
+            <a:schemeClr val="accent1"/>
+          </a:fillRef>
+          <a:effectRef idx="1">
+            <a:schemeClr val="accent1"/>
+          </a:effectRef>
+          <a:fontRef idx="minor">
+            <a:schemeClr val="dk1"/>
+          </a:fontRef>
+        </p:style>
+      </p:cxnSp>
+      <p:sp>
+        <p:nvSpPr>
+          <p:cNvPr id="6" name="Rectangle 5"/>
+          <p:cNvSpPr/>
+          <p:nvPr/>
+        </p:nvSpPr>
+        <p:spPr>
+          <a:xfrm>
+            <a:off x="1662869" y="3801486"/>
+            <a:ext cx="152400" cy="2780287"/>
+          </a:xfrm>
+          <a:prstGeom prst="rect">
+            <a:avLst/>
+          </a:prstGeom>
+          <a:solidFill>
+            <a:srgbClr val="0070C0"/>
+          </a:solidFill>
+          <a:ln>
+            <a:solidFill>
+              <a:srgbClr val="0070C0"/>
+            </a:solidFill>
+          </a:ln>
+          <a:effectLst/>
+        </p:spPr>
+        <p:style>
+          <a:lnRef idx="1">
+            <a:schemeClr val="accent3"/>
+          </a:lnRef>
+          <a:fillRef idx="2">
+            <a:schemeClr val="accent3"/>
+          </a:fillRef>
+          <a:effectRef idx="1">
+            <a:schemeClr val="accent3"/>
+          </a:effectRef>
+          <a:fontRef idx="minor">
+            <a:schemeClr val="dk1"/>
+          </a:fontRef>
+        </p:style>
+        <p:txBody>
+          <a:bodyPr rtlCol="0" anchor="ctr"/>
+          <a:lstStyle/>
+          <a:p>
+            <a:pPr algn="ctr"/>
+            <a:endParaRPr lang="en-SG" sz="1400"/>
+          </a:p>
+        </p:txBody>
+      </p:sp>
+      <p:sp>
+        <p:nvSpPr>
+          <p:cNvPr id="16" name="Rectangle 62"/>
+          <p:cNvSpPr/>
+          <p:nvPr/>
+        </p:nvSpPr>
+        <p:spPr>
+          <a:xfrm>
+            <a:off x="3411783" y="3090808"/>
+            <a:ext cx="1093635" cy="346760"/>
+          </a:xfrm>
+          <a:prstGeom prst="rect">
+            <a:avLst/>
+          </a:prstGeom>
+          <a:solidFill>
+            <a:srgbClr val="0070C0"/>
+          </a:solidFill>
+          <a:ln w="19050">
+            <a:solidFill>
+              <a:srgbClr val="0070C0"/>
+            </a:solidFill>
+          </a:ln>
+          <a:effectLst/>
+        </p:spPr>
+        <p:style>
+          <a:lnRef idx="1">
+            <a:schemeClr val="accent2"/>
+          </a:lnRef>
+          <a:fillRef idx="2">
+            <a:schemeClr val="accent2"/>
+          </a:fillRef>
+          <a:effectRef idx="1">
+            <a:schemeClr val="accent2"/>
+          </a:effectRef>
+          <a:fontRef idx="minor">
+            <a:schemeClr val="dk1"/>
+          </a:fontRef>
+        </p:style>
+        <p:txBody>
+          <a:bodyPr rtlCol="0" anchor="ctr"/>
+          <a:lstStyle/>
+          <a:p>
+            <a:pPr algn="ctr"/>
+            <a:r>
+              <a:rPr lang="en-US" sz="1600" dirty="0" smtClean="0">
+                <a:solidFill>
+                  <a:schemeClr val="bg1"/>
+                </a:solidFill>
+              </a:rPr>
+              <a:t>:Parser</a:t>
+            </a:r>
+            <a:endParaRPr lang="en-SG" sz="1600" dirty="0">
+              <a:solidFill>
+                <a:schemeClr val="bg1"/>
+              </a:solidFill>
+            </a:endParaRPr>
+          </a:p>
+        </p:txBody>
+      </p:sp>
+      <p:cxnSp>
+        <p:nvCxnSpPr>
+          <p:cNvPr id="17" name="Straight Connector 16"/>
+          <p:cNvCxnSpPr/>
+          <p:nvPr/>
+        </p:nvCxnSpPr>
+        <p:spPr>
+          <a:xfrm>
+            <a:off x="3958600" y="3454479"/>
+            <a:ext cx="0" cy="1587652"/>
+          </a:xfrm>
+          <a:prstGeom prst="line">
+            <a:avLst/>
+          </a:prstGeom>
+          <a:ln w="19050">
+            <a:solidFill>
+              <a:srgbClr val="0070C0"/>
+            </a:solidFill>
+            <a:prstDash val="sysDash"/>
+          </a:ln>
+          <a:effectLst/>
+        </p:spPr>
+        <p:style>
+          <a:lnRef idx="1">
+            <a:schemeClr val="accent1"/>
+          </a:lnRef>
+          <a:fillRef idx="2">
+            <a:schemeClr val="accent1"/>
+          </a:fillRef>
+          <a:effectRef idx="1">
+            <a:schemeClr val="accent1"/>
+          </a:effectRef>
+          <a:fontRef idx="minor">
+            <a:schemeClr val="dk1"/>
+          </a:fontRef>
+        </p:style>
+      </p:cxnSp>
+      <p:sp>
+        <p:nvSpPr>
+          <p:cNvPr id="18" name="Rectangle 17"/>
+          <p:cNvSpPr/>
+          <p:nvPr/>
+        </p:nvSpPr>
+        <p:spPr>
+          <a:xfrm>
+            <a:off x="3886592" y="3912672"/>
+            <a:ext cx="144016" cy="832525"/>
+          </a:xfrm>
+          <a:prstGeom prst="rect">
+            <a:avLst/>
+          </a:prstGeom>
+          <a:solidFill>
+            <a:srgbClr val="0070C0"/>
+          </a:solidFill>
+          <a:ln>
+            <a:solidFill>
+              <a:srgbClr val="0070C0"/>
+            </a:solidFill>
+          </a:ln>
+          <a:effectLst/>
+        </p:spPr>
+        <p:style>
+          <a:lnRef idx="1">
+            <a:schemeClr val="accent3"/>
+          </a:lnRef>
+          <a:fillRef idx="2">
+            <a:schemeClr val="accent3"/>
+          </a:fillRef>
+          <a:effectRef idx="1">
+            <a:schemeClr val="accent3"/>
+          </a:effectRef>
+          <a:fontRef idx="minor">
+            <a:schemeClr val="dk1"/>
+          </a:fontRef>
+        </p:style>
+        <p:txBody>
+          <a:bodyPr rtlCol="0" anchor="ctr"/>
+          <a:lstStyle/>
+          <a:p>
+            <a:pPr algn="ctr"/>
+            <a:endParaRPr lang="en-SG" sz="1400">
+              <a:solidFill>
+                <a:schemeClr val="dk1"/>
+              </a:solidFill>
+            </a:endParaRPr>
+          </a:p>
+        </p:txBody>
+      </p:sp>
+      <p:sp>
+        <p:nvSpPr>
+          <p:cNvPr id="19" name="Rectangle 62"/>
+          <p:cNvSpPr/>
+          <p:nvPr/>
+        </p:nvSpPr>
+        <p:spPr>
+          <a:xfrm>
+            <a:off x="4953000" y="3786834"/>
+            <a:ext cx="1093635" cy="461538"/>
+          </a:xfrm>
+          <a:prstGeom prst="rect">
+            <a:avLst/>
+          </a:prstGeom>
+          <a:solidFill>
+            <a:srgbClr val="0070C0"/>
+          </a:solidFill>
+          <a:ln w="19050">
+            <a:solidFill>
+              <a:srgbClr val="0070C0"/>
+            </a:solidFill>
+          </a:ln>
+          <a:effectLst/>
+        </p:spPr>
+        <p:style>
+          <a:lnRef idx="1">
+            <a:schemeClr val="accent2"/>
+          </a:lnRef>
+          <a:fillRef idx="2">
+            <a:schemeClr val="accent2"/>
+          </a:fillRef>
+          <a:effectRef idx="1">
+            <a:schemeClr val="accent2"/>
+          </a:effectRef>
+          <a:fontRef idx="minor">
+            <a:schemeClr val="dk1"/>
+          </a:fontRef>
+        </p:style>
+        <p:txBody>
+          <a:bodyPr rtlCol="0" anchor="ctr"/>
+          <a:lstStyle/>
+          <a:p>
+            <a:pPr algn="ctr"/>
+            <a:r>
+              <a:rPr lang="en-US" sz="1600" dirty="0" smtClean="0">
+                <a:solidFill>
+                  <a:schemeClr val="bg1"/>
+                </a:solidFill>
+              </a:rPr>
+              <a:t>a:Add</a:t>
+            </a:r>
+            <a:r>
+              <a:rPr lang="en-US" sz="1600" dirty="0">
+                <a:solidFill>
+                  <a:schemeClr val="bg1"/>
+                </a:solidFill>
+              </a:rPr>
+              <a:t/>
+            </a:r>
+            <a:br>
+              <a:rPr lang="en-US" sz="1600" dirty="0">
+                <a:solidFill>
+                  <a:schemeClr val="bg1"/>
+                </a:solidFill>
+              </a:rPr>
+            </a:br>
+            <a:r>
+              <a:rPr lang="en-US" sz="1600" dirty="0">
+                <a:solidFill>
+                  <a:schemeClr val="bg1"/>
+                </a:solidFill>
+              </a:rPr>
+              <a:t>Command</a:t>
+            </a:r>
+            <a:endParaRPr lang="en-SG" sz="1600" dirty="0">
+              <a:solidFill>
+                <a:schemeClr val="bg1"/>
+              </a:solidFill>
+            </a:endParaRPr>
+          </a:p>
+        </p:txBody>
+      </p:sp>
+      <p:cxnSp>
+        <p:nvCxnSpPr>
+          <p:cNvPr id="20" name="Straight Connector 19"/>
+          <p:cNvCxnSpPr/>
+          <p:nvPr/>
+        </p:nvCxnSpPr>
+        <p:spPr>
+          <a:xfrm>
+            <a:off x="5499817" y="4207894"/>
+            <a:ext cx="0" cy="2450081"/>
+          </a:xfrm>
+          <a:prstGeom prst="line">
+            <a:avLst/>
+          </a:prstGeom>
+          <a:ln w="19050">
+            <a:solidFill>
+              <a:srgbClr val="0070C0"/>
+            </a:solidFill>
+            <a:prstDash val="sysDash"/>
+          </a:ln>
+          <a:effectLst/>
+        </p:spPr>
+        <p:style>
+          <a:lnRef idx="1">
+            <a:schemeClr val="accent1"/>
+          </a:lnRef>
+          <a:fillRef idx="2">
+            <a:schemeClr val="accent1"/>
+          </a:fillRef>
+          <a:effectRef idx="1">
+            <a:schemeClr val="accent1"/>
+          </a:effectRef>
+          <a:fontRef idx="minor">
+            <a:schemeClr val="dk1"/>
+          </a:fontRef>
+        </p:style>
+      </p:cxnSp>
+      <p:sp>
+        <p:nvSpPr>
+          <p:cNvPr id="21" name="Rectangle 20"/>
+          <p:cNvSpPr/>
+          <p:nvPr/>
+        </p:nvSpPr>
+        <p:spPr>
+          <a:xfrm>
+            <a:off x="5427809" y="4248372"/>
+            <a:ext cx="152400" cy="276003"/>
+          </a:xfrm>
+          <a:prstGeom prst="rect">
+            <a:avLst/>
+          </a:prstGeom>
+          <a:solidFill>
+            <a:srgbClr val="0070C0"/>
+          </a:solidFill>
+          <a:ln>
+            <a:solidFill>
+              <a:srgbClr val="0070C0"/>
+            </a:solidFill>
+          </a:ln>
+          <a:effectLst/>
+        </p:spPr>
+        <p:style>
+          <a:lnRef idx="1">
+            <a:schemeClr val="accent3"/>
+          </a:lnRef>
+          <a:fillRef idx="2">
+            <a:schemeClr val="accent3"/>
+          </a:fillRef>
+          <a:effectRef idx="1">
+            <a:schemeClr val="accent3"/>
+          </a:effectRef>
+          <a:fontRef idx="minor">
+            <a:schemeClr val="dk1"/>
+          </a:fontRef>
+        </p:style>
+        <p:txBody>
+          <a:bodyPr rtlCol="0" anchor="ctr"/>
+          <a:lstStyle/>
+          <a:p>
+            <a:pPr algn="ctr"/>
+            <a:endParaRPr lang="en-SG" sz="1400"/>
+          </a:p>
+        </p:txBody>
+      </p:sp>
+      <p:cxnSp>
+        <p:nvCxnSpPr>
+          <p:cNvPr id="23" name="Straight Arrow Connector 22"/>
+          <p:cNvCxnSpPr/>
+          <p:nvPr/>
+        </p:nvCxnSpPr>
+        <p:spPr>
+          <a:xfrm>
+            <a:off x="543018" y="3805174"/>
+            <a:ext cx="1119851" cy="0"/>
+          </a:xfrm>
+          <a:prstGeom prst="straightConnector1">
+            <a:avLst/>
+          </a:prstGeom>
+          <a:ln w="19050">
+            <a:solidFill>
+              <a:srgbClr val="00B050"/>
+            </a:solidFill>
+            <a:tailEnd type="arrow"/>
+          </a:ln>
+        </p:spPr>
+        <p:style>
+          <a:lnRef idx="1">
+            <a:schemeClr val="accent1"/>
+          </a:lnRef>
+          <a:fillRef idx="0">
+            <a:schemeClr val="accent1"/>
+          </a:fillRef>
+          <a:effectRef idx="0">
+            <a:schemeClr val="accent1"/>
+          </a:effectRef>
+          <a:fontRef idx="minor">
+            <a:schemeClr val="tx1"/>
+          </a:fontRef>
+        </p:style>
+      </p:cxnSp>
+      <p:cxnSp>
+        <p:nvCxnSpPr>
+          <p:cNvPr id="25" name="Straight Arrow Connector 24"/>
+          <p:cNvCxnSpPr/>
+          <p:nvPr/>
+        </p:nvCxnSpPr>
+        <p:spPr>
+          <a:xfrm>
+            <a:off x="1815269" y="3912673"/>
+            <a:ext cx="2071323" cy="0"/>
+          </a:xfrm>
+          <a:prstGeom prst="straightConnector1">
+            <a:avLst/>
+          </a:prstGeom>
+          <a:ln w="19050">
+            <a:solidFill>
+              <a:srgbClr val="0070C0"/>
+            </a:solidFill>
+            <a:tailEnd type="arrow"/>
+          </a:ln>
+        </p:spPr>
+        <p:style>
+          <a:lnRef idx="1">
+            <a:schemeClr val="accent1"/>
+          </a:lnRef>
+          <a:fillRef idx="0">
+            <a:schemeClr val="accent1"/>
+          </a:fillRef>
+          <a:effectRef idx="0">
+            <a:schemeClr val="accent1"/>
+          </a:effectRef>
+          <a:fontRef idx="minor">
+            <a:schemeClr val="tx1"/>
+          </a:fontRef>
+        </p:style>
+      </p:cxnSp>
+      <p:sp>
+        <p:nvSpPr>
+          <p:cNvPr id="26" name="TextBox 25"/>
+          <p:cNvSpPr txBox="1"/>
+          <p:nvPr/>
+        </p:nvSpPr>
+        <p:spPr>
+          <a:xfrm>
+            <a:off x="152400" y="3533775"/>
+            <a:ext cx="1424846" cy="169277"/>
+          </a:xfrm>
+          <a:prstGeom prst="rect">
+            <a:avLst/>
+          </a:prstGeom>
+          <a:noFill/>
+        </p:spPr>
+        <p:txBody>
+          <a:bodyPr wrap="square" lIns="0" tIns="0" rIns="0" bIns="0" rtlCol="0">
+            <a:spAutoFit/>
+          </a:bodyPr>
+          <a:lstStyle/>
+          <a:p>
+            <a:pPr algn="r"/>
+            <a:r>
+              <a:rPr lang="en-US" sz="1100" dirty="0" smtClean="0">
+                <a:solidFill>
+                  <a:srgbClr val="0070C0"/>
+                </a:solidFill>
+              </a:rPr>
+              <a:t>execute(“add buy cake”)</a:t>
+            </a:r>
+            <a:endParaRPr lang="en-US" sz="1100" dirty="0">
+              <a:solidFill>
+                <a:srgbClr val="0070C0"/>
+              </a:solidFill>
+            </a:endParaRPr>
+          </a:p>
+        </p:txBody>
+      </p:sp>
+      <p:cxnSp>
+        <p:nvCxnSpPr>
+          <p:cNvPr id="28" name="Straight Arrow Connector 27"/>
+          <p:cNvCxnSpPr>
+            <a:endCxn id="19" idx="1"/>
+          </p:cNvCxnSpPr>
+          <p:nvPr/>
+        </p:nvCxnSpPr>
+        <p:spPr>
+          <a:xfrm flipV="1">
+            <a:off x="4030608" y="4017603"/>
+            <a:ext cx="922392" cy="1"/>
+          </a:xfrm>
+          <a:prstGeom prst="straightConnector1">
+            <a:avLst/>
+          </a:prstGeom>
+          <a:ln w="19050">
+            <a:solidFill>
+              <a:srgbClr val="0070C0"/>
+            </a:solidFill>
+            <a:tailEnd type="arrow"/>
+          </a:ln>
+        </p:spPr>
+        <p:style>
+          <a:lnRef idx="1">
+            <a:schemeClr val="accent1"/>
+          </a:lnRef>
+          <a:fillRef idx="0">
+            <a:schemeClr val="accent1"/>
+          </a:fillRef>
+          <a:effectRef idx="0">
+            <a:schemeClr val="accent1"/>
+          </a:effectRef>
+          <a:fontRef idx="minor">
+            <a:schemeClr val="tx1"/>
+          </a:fontRef>
+        </p:style>
+      </p:cxnSp>
+      <p:sp>
+        <p:nvSpPr>
+          <p:cNvPr id="29" name="TextBox 28"/>
+          <p:cNvSpPr txBox="1"/>
+          <p:nvPr/>
+        </p:nvSpPr>
+        <p:spPr>
+          <a:xfrm>
+            <a:off x="4419600" y="5042131"/>
+            <a:ext cx="855809" cy="215444"/>
+          </a:xfrm>
+          <a:prstGeom prst="rect">
+            <a:avLst/>
+          </a:prstGeom>
+          <a:noFill/>
+        </p:spPr>
+        <p:txBody>
+          <a:bodyPr wrap="square" lIns="0" tIns="0" rIns="0" bIns="0" rtlCol="0">
+            <a:spAutoFit/>
+          </a:bodyPr>
+          <a:lstStyle>
+            <a:defPPr>
+              <a:defRPr lang="en-US"/>
+            </a:defPPr>
+            <a:lvl1pPr algn="r">
+              <a:defRPr sz="1400">
+                <a:solidFill>
+                  <a:srgbClr val="0070C0"/>
+                </a:solidFill>
+              </a:defRPr>
+            </a:lvl1pPr>
+          </a:lstStyle>
+          <a:p>
+            <a:r>
+              <a:rPr lang="en-US" dirty="0"/>
+              <a:t>execute()</a:t>
+            </a:r>
+          </a:p>
+        </p:txBody>
+      </p:sp>
+      <p:cxnSp>
+        <p:nvCxnSpPr>
+          <p:cNvPr id="34" name="Straight Arrow Connector 33"/>
+          <p:cNvCxnSpPr/>
+          <p:nvPr/>
+        </p:nvCxnSpPr>
+        <p:spPr>
+          <a:xfrm>
+            <a:off x="4030608" y="4524375"/>
+            <a:ext cx="1406215" cy="0"/>
+          </a:xfrm>
+          <a:prstGeom prst="straightConnector1">
+            <a:avLst/>
+          </a:prstGeom>
+          <a:ln w="19050">
+            <a:solidFill>
+              <a:srgbClr val="0070C0"/>
+            </a:solidFill>
+            <a:prstDash val="sysDash"/>
+            <a:headEnd type="arrow" w="med" len="med"/>
+            <a:tailEnd type="none" w="med" len="med"/>
+          </a:ln>
+        </p:spPr>
+        <p:style>
+          <a:lnRef idx="1">
+            <a:schemeClr val="accent1"/>
+          </a:lnRef>
+          <a:fillRef idx="0">
+            <a:schemeClr val="accent1"/>
+          </a:fillRef>
+          <a:effectRef idx="0">
+            <a:schemeClr val="accent1"/>
+          </a:effectRef>
+          <a:fontRef idx="minor">
+            <a:schemeClr val="tx1"/>
+          </a:fontRef>
+        </p:style>
+      </p:cxnSp>
+      <p:cxnSp>
+        <p:nvCxnSpPr>
+          <p:cNvPr id="35" name="Straight Arrow Connector 34"/>
+          <p:cNvCxnSpPr/>
+          <p:nvPr/>
+        </p:nvCxnSpPr>
+        <p:spPr>
+          <a:xfrm>
+            <a:off x="1815269" y="4745197"/>
+            <a:ext cx="2058118" cy="0"/>
+          </a:xfrm>
+          <a:prstGeom prst="straightConnector1">
+            <a:avLst/>
+          </a:prstGeom>
+          <a:ln w="19050">
+            <a:solidFill>
+              <a:srgbClr val="0070C0"/>
+            </a:solidFill>
+            <a:prstDash val="sysDash"/>
+            <a:headEnd type="arrow" w="med" len="med"/>
+            <a:tailEnd type="none" w="med" len="med"/>
+          </a:ln>
+        </p:spPr>
+        <p:style>
+          <a:lnRef idx="1">
+            <a:schemeClr val="accent1"/>
+          </a:lnRef>
+          <a:fillRef idx="0">
+            <a:schemeClr val="accent1"/>
+          </a:fillRef>
+          <a:effectRef idx="0">
+            <a:schemeClr val="accent1"/>
+          </a:effectRef>
+          <a:fontRef idx="minor">
+            <a:schemeClr val="tx1"/>
+          </a:fontRef>
+        </p:style>
+      </p:cxnSp>
+      <p:cxnSp>
+        <p:nvCxnSpPr>
+          <p:cNvPr id="37" name="Straight Arrow Connector 36"/>
+          <p:cNvCxnSpPr/>
+          <p:nvPr/>
+        </p:nvCxnSpPr>
+        <p:spPr>
+          <a:xfrm>
+            <a:off x="466818" y="6581775"/>
+            <a:ext cx="1196051" cy="0"/>
+          </a:xfrm>
+          <a:prstGeom prst="straightConnector1">
+            <a:avLst/>
+          </a:prstGeom>
+          <a:ln w="19050">
+            <a:solidFill>
+              <a:schemeClr val="accent1"/>
+            </a:solidFill>
+            <a:prstDash val="sysDash"/>
+            <a:headEnd type="arrow" w="med" len="med"/>
+            <a:tailEnd type="none" w="med" len="med"/>
+          </a:ln>
+        </p:spPr>
+        <p:style>
+          <a:lnRef idx="1">
+            <a:schemeClr val="accent1"/>
+          </a:lnRef>
+          <a:fillRef idx="0">
+            <a:schemeClr val="accent1"/>
+          </a:fillRef>
+          <a:effectRef idx="0">
+            <a:schemeClr val="accent1"/>
+          </a:effectRef>
+          <a:fontRef idx="minor">
+            <a:schemeClr val="tx1"/>
+          </a:fontRef>
+        </p:style>
+      </p:cxnSp>
+      <p:sp>
+        <p:nvSpPr>
+          <p:cNvPr id="39" name="Rectangle 62"/>
+          <p:cNvSpPr/>
+          <p:nvPr/>
+        </p:nvSpPr>
+        <p:spPr>
+          <a:xfrm>
+            <a:off x="7938756" y="3107719"/>
+            <a:ext cx="1030504" cy="346760"/>
+          </a:xfrm>
+          <a:prstGeom prst="rect">
+            <a:avLst/>
+          </a:prstGeom>
+          <a:solidFill>
+            <a:schemeClr val="accent4">
+              <a:lumMod val="60000"/>
+              <a:lumOff val="40000"/>
+            </a:schemeClr>
+          </a:solidFill>
+          <a:ln w="19050">
+            <a:solidFill>
+              <a:schemeClr val="accent4">
+                <a:lumMod val="60000"/>
+                <a:lumOff val="40000"/>
+              </a:schemeClr>
+            </a:solidFill>
+          </a:ln>
+          <a:effectLst/>
+        </p:spPr>
+        <p:style>
+          <a:lnRef idx="1">
+            <a:schemeClr val="accent2"/>
+          </a:lnRef>
+          <a:fillRef idx="2">
+            <a:schemeClr val="accent2"/>
+          </a:fillRef>
+          <a:effectRef idx="1">
+            <a:schemeClr val="accent2"/>
+          </a:effectRef>
+          <a:fontRef idx="minor">
+            <a:schemeClr val="dk1"/>
+          </a:fontRef>
+        </p:style>
+        <p:txBody>
+          <a:bodyPr rtlCol="0" anchor="ctr"/>
+          <a:lstStyle/>
+          <a:p>
+            <a:pPr algn="ctr"/>
+            <a:r>
+              <a:rPr lang="en-US" sz="1600" dirty="0">
+                <a:solidFill>
+                  <a:schemeClr val="bg1"/>
+                </a:solidFill>
+              </a:rPr>
+              <a:t>:Model</a:t>
+            </a:r>
+            <a:endParaRPr lang="en-SG" sz="1600" dirty="0">
+              <a:solidFill>
+                <a:schemeClr val="bg1"/>
+              </a:solidFill>
+            </a:endParaRPr>
+          </a:p>
+        </p:txBody>
+      </p:sp>
+      <p:cxnSp>
+        <p:nvCxnSpPr>
+          <p:cNvPr id="64" name="Straight Arrow Connector 63"/>
+          <p:cNvCxnSpPr/>
+          <p:nvPr/>
+        </p:nvCxnSpPr>
+        <p:spPr>
+          <a:xfrm>
+            <a:off x="1815269" y="5285892"/>
+            <a:ext cx="3612540" cy="0"/>
+          </a:xfrm>
+          <a:prstGeom prst="straightConnector1">
+            <a:avLst/>
+          </a:prstGeom>
+          <a:ln w="19050">
+            <a:solidFill>
+              <a:srgbClr val="0070C0"/>
+            </a:solidFill>
+            <a:tailEnd type="arrow"/>
+          </a:ln>
+        </p:spPr>
+        <p:style>
+          <a:lnRef idx="1">
+            <a:schemeClr val="accent1"/>
+          </a:lnRef>
+          <a:fillRef idx="0">
+            <a:schemeClr val="accent1"/>
+          </a:fillRef>
+          <a:effectRef idx="0">
+            <a:schemeClr val="accent1"/>
+          </a:effectRef>
+          <a:fontRef idx="minor">
+            <a:schemeClr val="tx1"/>
+          </a:fontRef>
+        </p:style>
+      </p:cxnSp>
+      <p:sp>
+        <p:nvSpPr>
+          <p:cNvPr id="65" name="Rectangle 64"/>
+          <p:cNvSpPr/>
+          <p:nvPr/>
+        </p:nvSpPr>
+        <p:spPr>
+          <a:xfrm>
+            <a:off x="5427809" y="5285892"/>
+            <a:ext cx="152400" cy="1191256"/>
+          </a:xfrm>
+          <a:prstGeom prst="rect">
+            <a:avLst/>
+          </a:prstGeom>
+          <a:solidFill>
+            <a:srgbClr val="0070C0"/>
+          </a:solidFill>
+          <a:ln>
+            <a:solidFill>
+              <a:srgbClr val="0070C0"/>
+            </a:solidFill>
+          </a:ln>
+          <a:effectLst/>
+        </p:spPr>
+        <p:style>
+          <a:lnRef idx="1">
+            <a:schemeClr val="accent3"/>
+          </a:lnRef>
+          <a:fillRef idx="2">
+            <a:schemeClr val="accent3"/>
+          </a:fillRef>
+          <a:effectRef idx="1">
+            <a:schemeClr val="accent3"/>
+          </a:effectRef>
+          <a:fontRef idx="minor">
+            <a:schemeClr val="dk1"/>
+          </a:fontRef>
+        </p:style>
+        <p:txBody>
+          <a:bodyPr rtlCol="0" anchor="ctr"/>
+          <a:lstStyle/>
+          <a:p>
+            <a:pPr algn="ctr"/>
+            <a:endParaRPr lang="en-SG" sz="1400"/>
+          </a:p>
+        </p:txBody>
+      </p:sp>
+      <p:cxnSp>
+        <p:nvCxnSpPr>
+          <p:cNvPr id="71" name="Straight Connector 70"/>
+          <p:cNvCxnSpPr/>
+          <p:nvPr/>
+        </p:nvCxnSpPr>
+        <p:spPr>
+          <a:xfrm>
+            <a:off x="8454008" y="3446377"/>
+            <a:ext cx="0" cy="2830598"/>
+          </a:xfrm>
+          <a:prstGeom prst="line">
+            <a:avLst/>
+          </a:prstGeom>
+          <a:ln w="19050">
+            <a:solidFill>
+              <a:schemeClr val="accent4">
+                <a:lumMod val="60000"/>
+                <a:lumOff val="40000"/>
+              </a:schemeClr>
+            </a:solidFill>
+            <a:prstDash val="sysDash"/>
+          </a:ln>
+          <a:effectLst/>
+        </p:spPr>
+        <p:style>
+          <a:lnRef idx="1">
+            <a:schemeClr val="accent1"/>
+          </a:lnRef>
+          <a:fillRef idx="2">
+            <a:schemeClr val="accent1"/>
+          </a:fillRef>
+          <a:effectRef idx="1">
+            <a:schemeClr val="accent1"/>
+          </a:effectRef>
+          <a:fontRef idx="minor">
+            <a:schemeClr val="dk1"/>
+          </a:fontRef>
+        </p:style>
+      </p:cxnSp>
+      <p:sp>
+        <p:nvSpPr>
+          <p:cNvPr id="73" name="Rectangle 72"/>
+          <p:cNvSpPr/>
+          <p:nvPr/>
+        </p:nvSpPr>
+        <p:spPr>
+          <a:xfrm>
+            <a:off x="8382000" y="5315172"/>
+            <a:ext cx="152400" cy="276003"/>
+          </a:xfrm>
+          <a:prstGeom prst="rect">
+            <a:avLst/>
+          </a:prstGeom>
+          <a:solidFill>
+            <a:schemeClr val="accent4">
+              <a:lumMod val="60000"/>
+              <a:lumOff val="40000"/>
+            </a:schemeClr>
+          </a:solidFill>
+          <a:ln>
+            <a:solidFill>
+              <a:schemeClr val="accent4">
+                <a:lumMod val="60000"/>
+                <a:lumOff val="40000"/>
+              </a:schemeClr>
+            </a:solidFill>
+          </a:ln>
+          <a:effectLst/>
+        </p:spPr>
+        <p:style>
+          <a:lnRef idx="1">
+            <a:schemeClr val="accent3"/>
+          </a:lnRef>
+          <a:fillRef idx="2">
+            <a:schemeClr val="accent3"/>
+          </a:fillRef>
+          <a:effectRef idx="1">
+            <a:schemeClr val="accent3"/>
+          </a:effectRef>
+          <a:fontRef idx="minor">
+            <a:schemeClr val="dk1"/>
+          </a:fontRef>
+        </p:style>
+        <p:txBody>
+          <a:bodyPr rtlCol="0" anchor="ctr"/>
+          <a:lstStyle/>
+          <a:p>
+            <a:pPr algn="ctr"/>
+            <a:endParaRPr lang="en-SG" sz="1400">
+              <a:solidFill>
+                <a:schemeClr val="dk1"/>
+              </a:solidFill>
+            </a:endParaRPr>
+          </a:p>
+        </p:txBody>
+      </p:sp>
+      <p:cxnSp>
+        <p:nvCxnSpPr>
+          <p:cNvPr id="75" name="Straight Arrow Connector 74"/>
+          <p:cNvCxnSpPr/>
+          <p:nvPr/>
+        </p:nvCxnSpPr>
+        <p:spPr>
+          <a:xfrm>
+            <a:off x="5580209" y="5333334"/>
+            <a:ext cx="2787374" cy="0"/>
+          </a:xfrm>
+          <a:prstGeom prst="straightConnector1">
+            <a:avLst/>
+          </a:prstGeom>
+          <a:ln w="19050">
+            <a:solidFill>
+              <a:srgbClr val="0070C0"/>
+            </a:solidFill>
+            <a:tailEnd type="arrow"/>
+          </a:ln>
+        </p:spPr>
+        <p:style>
+          <a:lnRef idx="1">
+            <a:schemeClr val="accent1"/>
+          </a:lnRef>
+          <a:fillRef idx="0">
+            <a:schemeClr val="accent1"/>
+          </a:fillRef>
+          <a:effectRef idx="0">
+            <a:schemeClr val="accent1"/>
+          </a:effectRef>
+          <a:fontRef idx="minor">
+            <a:schemeClr val="tx1"/>
+          </a:fontRef>
+        </p:style>
+      </p:cxnSp>
+      <p:cxnSp>
+        <p:nvCxnSpPr>
+          <p:cNvPr id="76" name="Straight Arrow Connector 75"/>
+          <p:cNvCxnSpPr/>
+          <p:nvPr/>
+        </p:nvCxnSpPr>
+        <p:spPr>
+          <a:xfrm>
+            <a:off x="5580209" y="5591175"/>
+            <a:ext cx="2873799" cy="0"/>
+          </a:xfrm>
+          <a:prstGeom prst="straightConnector1">
+            <a:avLst/>
+          </a:prstGeom>
+          <a:ln w="19050">
+            <a:solidFill>
+              <a:schemeClr val="accent4">
+                <a:lumMod val="60000"/>
+                <a:lumOff val="40000"/>
+              </a:schemeClr>
+            </a:solidFill>
+            <a:prstDash val="sysDash"/>
+            <a:headEnd type="arrow" w="med" len="med"/>
+            <a:tailEnd type="none" w="med" len="med"/>
+          </a:ln>
+        </p:spPr>
+        <p:style>
+          <a:lnRef idx="1">
+            <a:schemeClr val="accent1"/>
+          </a:lnRef>
+          <a:fillRef idx="0">
+            <a:schemeClr val="accent1"/>
+          </a:fillRef>
+          <a:effectRef idx="0">
+            <a:schemeClr val="accent1"/>
+          </a:effectRef>
+          <a:fontRef idx="minor">
+            <a:schemeClr val="tx1"/>
+          </a:fontRef>
+        </p:style>
+      </p:cxnSp>
+      <p:cxnSp>
+        <p:nvCxnSpPr>
+          <p:cNvPr id="77" name="Straight Arrow Connector 76"/>
+          <p:cNvCxnSpPr/>
+          <p:nvPr/>
+        </p:nvCxnSpPr>
+        <p:spPr>
+          <a:xfrm>
+            <a:off x="1815269" y="6451748"/>
+            <a:ext cx="3651369" cy="0"/>
+          </a:xfrm>
+          <a:prstGeom prst="straightConnector1">
+            <a:avLst/>
+          </a:prstGeom>
+          <a:ln w="19050">
+            <a:solidFill>
+              <a:srgbClr val="0070C0"/>
+            </a:solidFill>
+            <a:prstDash val="sysDash"/>
+            <a:headEnd type="arrow" w="med" len="med"/>
+            <a:tailEnd type="none" w="med" len="med"/>
+          </a:ln>
+        </p:spPr>
+        <p:style>
+          <a:lnRef idx="1">
+            <a:schemeClr val="accent1"/>
+          </a:lnRef>
+          <a:fillRef idx="0">
+            <a:schemeClr val="accent1"/>
+          </a:fillRef>
+          <a:effectRef idx="0">
+            <a:schemeClr val="accent1"/>
+          </a:effectRef>
+          <a:fontRef idx="minor">
+            <a:schemeClr val="tx1"/>
+          </a:fontRef>
+        </p:style>
+      </p:cxnSp>
+      <p:sp>
+        <p:nvSpPr>
+          <p:cNvPr id="78" name="TextBox 77"/>
+          <p:cNvSpPr txBox="1"/>
+          <p:nvPr/>
+        </p:nvSpPr>
+        <p:spPr>
+          <a:xfrm>
+            <a:off x="6858000" y="5069423"/>
+            <a:ext cx="1424846" cy="215444"/>
+          </a:xfrm>
+          <a:prstGeom prst="rect">
+            <a:avLst/>
+          </a:prstGeom>
+          <a:noFill/>
+        </p:spPr>
+        <p:txBody>
+          <a:bodyPr wrap="square" lIns="0" tIns="0" rIns="0" bIns="0" rtlCol="0">
+            <a:spAutoFit/>
+          </a:bodyPr>
+          <a:lstStyle>
+            <a:defPPr>
+              <a:defRPr lang="en-US"/>
+            </a:defPPr>
+            <a:lvl1pPr algn="r">
+              <a:defRPr sz="1400">
+                <a:solidFill>
+                  <a:srgbClr val="0070C0"/>
+                </a:solidFill>
+              </a:defRPr>
+            </a:lvl1pPr>
+          </a:lstStyle>
+          <a:p>
+            <a:r>
+              <a:rPr lang="en-US" dirty="0" smtClean="0">
+                <a:solidFill>
                   <a:srgbClr val="7030A0"/>
                 </a:solidFill>
               </a:rPr>
-              <a:t>Model</a:t>
-            </a:r>
-            <a:endParaRPr lang="en-SG" sz="1200" b="1" dirty="0">
+              <a:t>addTask(t)</a:t>
+            </a:r>
+            <a:endParaRPr lang="en-US" dirty="0">
               <a:solidFill>
                 <a:srgbClr val="7030A0"/>
               </a:solidFill>
@@ -13308,24 +14510,188 @@
       </p:sp>
       <p:sp>
         <p:nvSpPr>
-          <p:cNvPr id="2" name="Rectangle 8"/>
+          <p:cNvPr id="79" name="TextBox 78"/>
+          <p:cNvSpPr txBox="1"/>
+          <p:nvPr/>
+        </p:nvSpPr>
+        <p:spPr>
+          <a:xfrm>
+            <a:off x="4191000" y="3786834"/>
+            <a:ext cx="640023" cy="215444"/>
+          </a:xfrm>
+          <a:prstGeom prst="rect">
+            <a:avLst/>
+          </a:prstGeom>
+          <a:noFill/>
+        </p:spPr>
+        <p:txBody>
+          <a:bodyPr wrap="square" lIns="0" tIns="0" rIns="0" bIns="0" rtlCol="0">
+            <a:spAutoFit/>
+          </a:bodyPr>
+          <a:lstStyle>
+            <a:defPPr>
+              <a:defRPr lang="en-US"/>
+            </a:defPPr>
+            <a:lvl1pPr algn="r">
+              <a:defRPr sz="1400">
+                <a:solidFill>
+                  <a:srgbClr val="0070C0"/>
+                </a:solidFill>
+              </a:defRPr>
+            </a:lvl1pPr>
+          </a:lstStyle>
+          <a:p>
+            <a:r>
+              <a:rPr lang="en-US" dirty="0" smtClean="0"/>
+              <a:t>create()</a:t>
+            </a:r>
+            <a:endParaRPr lang="en-US" dirty="0"/>
+          </a:p>
+        </p:txBody>
+      </p:sp>
+      <p:sp>
+        <p:nvSpPr>
+          <p:cNvPr id="80" name="TextBox 79"/>
+          <p:cNvSpPr txBox="1"/>
+          <p:nvPr/>
+        </p:nvSpPr>
+        <p:spPr>
+          <a:xfrm>
+            <a:off x="2131905" y="3641497"/>
+            <a:ext cx="1424846" cy="184666"/>
+          </a:xfrm>
+          <a:prstGeom prst="rect">
+            <a:avLst/>
+          </a:prstGeom>
+          <a:noFill/>
+        </p:spPr>
+        <p:txBody>
+          <a:bodyPr wrap="square" lIns="0" tIns="0" rIns="0" bIns="0" rtlCol="0">
+            <a:spAutoFit/>
+          </a:bodyPr>
+          <a:lstStyle>
+            <a:defPPr>
+              <a:defRPr lang="en-US"/>
+            </a:defPPr>
+            <a:lvl1pPr algn="r">
+              <a:defRPr sz="1400">
+                <a:solidFill>
+                  <a:srgbClr val="0070C0"/>
+                </a:solidFill>
+              </a:defRPr>
+            </a:lvl1pPr>
+          </a:lstStyle>
+          <a:p>
+            <a:r>
+              <a:rPr lang="en-US" sz="1200" dirty="0" smtClean="0"/>
+              <a:t>parse(“add buy cake”)</a:t>
+            </a:r>
+            <a:endParaRPr lang="en-US" sz="1200" dirty="0"/>
+          </a:p>
+        </p:txBody>
+      </p:sp>
+      <p:sp>
+        <p:nvSpPr>
+          <p:cNvPr id="82" name="TextBox 81"/>
+          <p:cNvSpPr txBox="1"/>
+          <p:nvPr/>
+        </p:nvSpPr>
+        <p:spPr>
+          <a:xfrm>
+            <a:off x="3101175" y="6220671"/>
+            <a:ext cx="621216" cy="215444"/>
+          </a:xfrm>
+          <a:prstGeom prst="rect">
+            <a:avLst/>
+          </a:prstGeom>
+          <a:noFill/>
+        </p:spPr>
+        <p:txBody>
+          <a:bodyPr wrap="square" lIns="0" tIns="0" rIns="0" bIns="0" rtlCol="0">
+            <a:spAutoFit/>
+          </a:bodyPr>
+          <a:lstStyle>
+            <a:defPPr>
+              <a:defRPr lang="en-US"/>
+            </a:defPPr>
+            <a:lvl1pPr algn="r">
+              <a:defRPr sz="1400">
+                <a:solidFill>
+                  <a:srgbClr val="0070C0"/>
+                </a:solidFill>
+              </a:defRPr>
+            </a:lvl1pPr>
+          </a:lstStyle>
+          <a:p>
+            <a:r>
+              <a:rPr lang="en-US" dirty="0" smtClean="0"/>
+              <a:t>result</a:t>
+            </a:r>
+            <a:endParaRPr lang="en-US" dirty="0"/>
+          </a:p>
+        </p:txBody>
+      </p:sp>
+      <p:sp>
+        <p:nvSpPr>
+          <p:cNvPr id="83" name="TextBox 82"/>
+          <p:cNvSpPr txBox="1"/>
+          <p:nvPr/>
+        </p:nvSpPr>
+        <p:spPr>
+          <a:xfrm>
+            <a:off x="762001" y="6329063"/>
+            <a:ext cx="762000" cy="215444"/>
+          </a:xfrm>
+          <a:prstGeom prst="rect">
+            <a:avLst/>
+          </a:prstGeom>
+          <a:noFill/>
+        </p:spPr>
+        <p:txBody>
+          <a:bodyPr wrap="square" lIns="0" tIns="0" rIns="0" bIns="0" rtlCol="0">
+            <a:spAutoFit/>
+          </a:bodyPr>
+          <a:lstStyle>
+            <a:defPPr>
+              <a:defRPr lang="en-US"/>
+            </a:defPPr>
+            <a:lvl1pPr algn="r">
+              <a:defRPr sz="1400">
+                <a:solidFill>
+                  <a:srgbClr val="0070C0"/>
+                </a:solidFill>
+              </a:defRPr>
+            </a:lvl1pPr>
+          </a:lstStyle>
+          <a:p>
+            <a:r>
+              <a:rPr lang="en-US" dirty="0" smtClean="0"/>
+              <a:t>result</a:t>
+            </a:r>
+            <a:endParaRPr lang="en-US" dirty="0"/>
+          </a:p>
+        </p:txBody>
+      </p:sp>
+      <p:sp>
+        <p:nvSpPr>
+          <p:cNvPr id="84" name="Rectangle 62"/>
           <p:cNvSpPr/>
           <p:nvPr/>
         </p:nvSpPr>
         <p:spPr>
           <a:xfrm>
-            <a:off x="2877180" y="3158440"/>
-            <a:ext cx="1093635" cy="346760"/>
+            <a:off x="6029646" y="5743575"/>
+            <a:ext cx="1666554" cy="461538"/>
           </a:xfrm>
           <a:prstGeom prst="rect">
             <a:avLst/>
           </a:prstGeom>
           <a:solidFill>
-            <a:srgbClr val="7030A0"/>
+            <a:srgbClr val="0070C0"/>
           </a:solidFill>
           <a:ln w="19050">
             <a:solidFill>
-              <a:srgbClr val="7030A0"/>
+              <a:srgbClr val="0070C0"/>
             </a:solidFill>
           </a:ln>
           <a:effectLst/>
@@ -13350,14 +14716,29 @@
           <a:p>
             <a:pPr algn="ctr"/>
             <a:r>
-              <a:rPr lang="en-US" sz="1050" dirty="0" err="1" smtClean="0">
+              <a:rPr lang="en-US" sz="1600" dirty="0" smtClean="0">
                 <a:solidFill>
                   <a:schemeClr val="bg1"/>
                 </a:solidFill>
               </a:rPr>
-              <a:t>UserPref</a:t>
-            </a:r>
-            <a:endParaRPr lang="en-SG" sz="1050" dirty="0">
+              <a:t>result:</a:t>
+            </a:r>
+            <a:br>
+              <a:rPr lang="en-US" sz="1600" dirty="0" smtClean="0">
+                <a:solidFill>
+                  <a:schemeClr val="bg1"/>
+                </a:solidFill>
+              </a:rPr>
+            </a:br>
+            <a:r>
+              <a:rPr lang="en-US" sz="1600" dirty="0" smtClean="0">
+                <a:solidFill>
+                  <a:schemeClr val="bg1"/>
+                </a:solidFill>
+              </a:rPr>
+              <a:t>CommandResult</a:t>
+            </a:r>
+            <a:endParaRPr lang="en-SG" sz="1600" dirty="0">
               <a:solidFill>
                 <a:schemeClr val="bg1"/>
               </a:solidFill>
@@ -13367,37 +14748,37 @@
       </p:sp>
       <p:sp>
         <p:nvSpPr>
-          <p:cNvPr id="9" name="Rectangle 62"/>
+          <p:cNvPr id="86" name="Rectangle 85"/>
           <p:cNvSpPr/>
           <p:nvPr/>
         </p:nvSpPr>
         <p:spPr>
-          <a:xfrm rot="16200000">
-            <a:off x="1683963" y="2868687"/>
-            <a:ext cx="1093635" cy="346760"/>
+          <a:xfrm>
+            <a:off x="6786723" y="6205113"/>
+            <a:ext cx="152400" cy="171376"/>
           </a:xfrm>
           <a:prstGeom prst="rect">
             <a:avLst/>
           </a:prstGeom>
           <a:solidFill>
-            <a:srgbClr val="7030A0"/>
+            <a:srgbClr val="0070C0"/>
           </a:solidFill>
-          <a:ln w="19050">
-            <a:solidFill>
-              <a:srgbClr val="7030A0"/>
-            </a:solidFill>
-          </a:ln>
-          <a:effectLst/>
-        </p:spPr>
-        <p:style>
-          <a:lnRef idx="1">
-            <a:schemeClr val="accent2"/>
-          </a:lnRef>
-          <a:fillRef idx="2">
-            <a:schemeClr val="accent2"/>
-          </a:fillRef>
-          <a:effectRef idx="1">
-            <a:schemeClr val="accent2"/>
+          <a:ln>
+            <a:solidFill>
+              <a:srgbClr val="0070C0"/>
+            </a:solidFill>
+          </a:ln>
+          <a:effectLst/>
+        </p:spPr>
+        <p:style>
+          <a:lnRef idx="1">
+            <a:schemeClr val="accent3"/>
+          </a:lnRef>
+          <a:fillRef idx="2">
+            <a:schemeClr val="accent3"/>
+          </a:fillRef>
+          <a:effectRef idx="1">
+            <a:schemeClr val="accent3"/>
           </a:effectRef>
           <a:fontRef idx="minor">
             <a:schemeClr val="dk1"/>
@@ -13408,15 +14789,176 @@
           <a:lstStyle/>
           <a:p>
             <a:pPr algn="ctr"/>
-            <a:r>
-              <a:rPr lang="en-US" sz="1050" dirty="0" err="1" smtClean="0">
+            <a:endParaRPr lang="en-SG" sz="1400" dirty="0"/>
+          </a:p>
+        </p:txBody>
+      </p:sp>
+      <p:cxnSp>
+        <p:nvCxnSpPr>
+          <p:cNvPr id="87" name="Straight Arrow Connector 86"/>
+          <p:cNvCxnSpPr/>
+          <p:nvPr/>
+        </p:nvCxnSpPr>
+        <p:spPr>
+          <a:xfrm>
+            <a:off x="5580209" y="5956250"/>
+            <a:ext cx="447975" cy="0"/>
+          </a:xfrm>
+          <a:prstGeom prst="straightConnector1">
+            <a:avLst/>
+          </a:prstGeom>
+          <a:ln w="19050">
+            <a:solidFill>
+              <a:srgbClr val="0070C0"/>
+            </a:solidFill>
+            <a:tailEnd type="arrow"/>
+          </a:ln>
+        </p:spPr>
+        <p:style>
+          <a:lnRef idx="1">
+            <a:schemeClr val="accent1"/>
+          </a:lnRef>
+          <a:fillRef idx="0">
+            <a:schemeClr val="accent1"/>
+          </a:fillRef>
+          <a:effectRef idx="0">
+            <a:schemeClr val="accent1"/>
+          </a:effectRef>
+          <a:fontRef idx="minor">
+            <a:schemeClr val="tx1"/>
+          </a:fontRef>
+        </p:style>
+      </p:cxnSp>
+      <p:cxnSp>
+        <p:nvCxnSpPr>
+          <p:cNvPr id="90" name="Straight Arrow Connector 89"/>
+          <p:cNvCxnSpPr/>
+          <p:nvPr/>
+        </p:nvCxnSpPr>
+        <p:spPr>
+          <a:xfrm>
+            <a:off x="5580209" y="6376489"/>
+            <a:ext cx="1253815" cy="0"/>
+          </a:xfrm>
+          <a:prstGeom prst="straightConnector1">
+            <a:avLst/>
+          </a:prstGeom>
+          <a:ln w="19050">
+            <a:solidFill>
+              <a:srgbClr val="0070C0"/>
+            </a:solidFill>
+            <a:prstDash val="sysDash"/>
+            <a:headEnd type="arrow" w="med" len="med"/>
+            <a:tailEnd type="none" w="med" len="med"/>
+          </a:ln>
+        </p:spPr>
+        <p:style>
+          <a:lnRef idx="1">
+            <a:schemeClr val="accent1"/>
+          </a:lnRef>
+          <a:fillRef idx="0">
+            <a:schemeClr val="accent1"/>
+          </a:fillRef>
+          <a:effectRef idx="0">
+            <a:schemeClr val="accent1"/>
+          </a:effectRef>
+          <a:fontRef idx="minor">
+            <a:schemeClr val="tx1"/>
+          </a:fontRef>
+        </p:style>
+      </p:cxnSp>
+      <p:sp>
+        <p:nvSpPr>
+          <p:cNvPr id="93" name="TextBox 92"/>
+          <p:cNvSpPr txBox="1"/>
+          <p:nvPr/>
+        </p:nvSpPr>
+        <p:spPr>
+          <a:xfrm>
+            <a:off x="2818928" y="4524375"/>
+            <a:ext cx="220343" cy="215444"/>
+          </a:xfrm>
+          <a:prstGeom prst="rect">
+            <a:avLst/>
+          </a:prstGeom>
+          <a:noFill/>
+        </p:spPr>
+        <p:txBody>
+          <a:bodyPr wrap="square" lIns="0" tIns="0" rIns="0" bIns="0" rtlCol="0">
+            <a:spAutoFit/>
+          </a:bodyPr>
+          <a:lstStyle>
+            <a:defPPr>
+              <a:defRPr lang="en-US"/>
+            </a:defPPr>
+            <a:lvl1pPr algn="r">
+              <a:defRPr sz="1400">
+                <a:solidFill>
+                  <a:srgbClr val="0070C0"/>
+                </a:solidFill>
+              </a:defRPr>
+            </a:lvl1pPr>
+          </a:lstStyle>
+          <a:p>
+            <a:r>
+              <a:rPr lang="en-US" dirty="0"/>
+              <a:t>a</a:t>
+            </a:r>
+          </a:p>
+        </p:txBody>
+      </p:sp>
+      <p:sp>
+        <p:nvSpPr>
+          <p:cNvPr id="38" name="Rectangle 62"/>
+          <p:cNvSpPr/>
+          <p:nvPr/>
+        </p:nvSpPr>
+        <p:spPr>
+          <a:xfrm>
+            <a:off x="6380673" y="3437568"/>
+            <a:ext cx="1315527" cy="461538"/>
+          </a:xfrm>
+          <a:prstGeom prst="rect">
+            <a:avLst/>
+          </a:prstGeom>
+          <a:solidFill>
+            <a:srgbClr val="0070C0"/>
+          </a:solidFill>
+          <a:ln w="19050">
+            <a:solidFill>
+              <a:srgbClr val="0070C0"/>
+            </a:solidFill>
+          </a:ln>
+          <a:effectLst/>
+        </p:spPr>
+        <p:style>
+          <a:lnRef idx="1">
+            <a:schemeClr val="accent2"/>
+          </a:lnRef>
+          <a:fillRef idx="2">
+            <a:schemeClr val="accent2"/>
+          </a:fillRef>
+          <a:effectRef idx="1">
+            <a:schemeClr val="accent2"/>
+          </a:effectRef>
+          <a:fontRef idx="minor">
+            <a:schemeClr val="dk1"/>
+          </a:fontRef>
+        </p:style>
+        <p:txBody>
+          <a:bodyPr rtlCol="0" anchor="ctr"/>
+          <a:lstStyle/>
+          <a:p>
+            <a:pPr algn="ctr"/>
+            <a:r>
+              <a:rPr lang="en-US" sz="1600" dirty="0" smtClean="0">
                 <a:solidFill>
                   <a:schemeClr val="bg1"/>
                 </a:solidFill>
               </a:rPr>
-              <a:t>ModelManager</a:t>
-            </a:r>
-            <a:endParaRPr lang="en-SG" sz="1050" dirty="0">
+              <a:t>:EventTask</a:t>
+            </a:r>
+            <a:endParaRPr lang="en-SG" sz="1600" dirty="0">
               <a:solidFill>
                 <a:schemeClr val="bg1"/>
               </a:solidFill>
@@ -13424,112 +14966,26 @@
           </a:p>
         </p:txBody>
       </p:sp>
-      <p:cxnSp>
-        <p:nvCxnSpPr>
-          <p:cNvPr id="53" name="Elbow Connector 63"/>
-          <p:cNvCxnSpPr>
-            <a:stCxn id="71" idx="3"/>
-            <a:endCxn id="62" idx="2"/>
-          </p:cNvCxnSpPr>
-          <p:nvPr/>
-        </p:nvCxnSpPr>
-        <p:spPr>
-          <a:xfrm flipV="1">
-            <a:off x="6477000" y="3204826"/>
-            <a:ext cx="190770" cy="405819"/>
-          </a:xfrm>
-          <a:prstGeom prst="bentConnector2">
-            <a:avLst/>
-          </a:prstGeom>
-          <a:ln w="19050">
-            <a:solidFill>
-              <a:srgbClr val="7030A0"/>
-            </a:solidFill>
-            <a:prstDash val="sysDot"/>
-            <a:headEnd type="none" w="med" len="med"/>
-            <a:tailEnd type="none" w="med" len="med"/>
-          </a:ln>
-          <a:effectLst/>
-        </p:spPr>
-        <p:style>
-          <a:lnRef idx="1">
-            <a:schemeClr val="accent2"/>
-          </a:lnRef>
-          <a:fillRef idx="2">
-            <a:schemeClr val="accent2"/>
-          </a:fillRef>
-          <a:effectRef idx="1">
-            <a:schemeClr val="accent2"/>
-          </a:effectRef>
-          <a:fontRef idx="minor">
-            <a:schemeClr val="dk1"/>
-          </a:fontRef>
-        </p:style>
-      </p:cxnSp>
-      <p:cxnSp>
-        <p:nvCxnSpPr>
-          <p:cNvPr id="107" name="Elbow Connector 106"/>
-          <p:cNvCxnSpPr>
-            <a:stCxn id="9" idx="1"/>
-          </p:cNvCxnSpPr>
-          <p:nvPr/>
-        </p:nvCxnSpPr>
-        <p:spPr>
-          <a:xfrm rot="5400000" flipH="1" flipV="1">
-            <a:off x="4360065" y="1080909"/>
-            <a:ext cx="378691" cy="4637261"/>
-          </a:xfrm>
-          <a:prstGeom prst="bentConnector4">
-            <a:avLst>
-              <a:gd name="adj1" fmla="val -101829"/>
-              <a:gd name="adj2" fmla="val 99976"/>
-            </a:avLst>
-          </a:prstGeom>
-          <a:ln w="19050">
-            <a:solidFill>
-              <a:srgbClr val="7030A0"/>
-            </a:solidFill>
-            <a:prstDash val="solid"/>
-            <a:headEnd type="none" w="med" len="med"/>
-            <a:tailEnd type="arrow" w="med" len="med"/>
-          </a:ln>
-          <a:effectLst/>
-        </p:spPr>
-        <p:style>
-          <a:lnRef idx="1">
-            <a:schemeClr val="accent2"/>
-          </a:lnRef>
-          <a:fillRef idx="2">
-            <a:schemeClr val="accent2"/>
-          </a:fillRef>
-          <a:effectRef idx="1">
-            <a:schemeClr val="accent2"/>
-          </a:effectRef>
-          <a:fontRef idx="minor">
-            <a:schemeClr val="dk1"/>
-          </a:fontRef>
-        </p:style>
-      </p:cxnSp>
-      <p:sp>
-        <p:nvSpPr>
-          <p:cNvPr id="119" name="Rectangle 62"/>
+      <p:sp>
+        <p:nvSpPr>
+          <p:cNvPr id="40" name="Rectangle 62"/>
           <p:cNvSpPr/>
           <p:nvPr/>
         </p:nvSpPr>
         <p:spPr>
-          <a:xfrm rot="16200000">
-            <a:off x="956202" y="2861202"/>
-            <a:ext cx="1093635" cy="346760"/>
+          <a:xfrm>
+            <a:off x="6380673" y="4031166"/>
+            <a:ext cx="1315527" cy="461538"/>
           </a:xfrm>
           <a:prstGeom prst="rect">
             <a:avLst/>
           </a:prstGeom>
           <a:solidFill>
-            <a:srgbClr val="7030A0"/>
+            <a:srgbClr val="0070C0"/>
           </a:solidFill>
           <a:ln w="19050">
             <a:solidFill>
-              <a:srgbClr val="7030A0"/>
+              <a:srgbClr val="0070C0"/>
             </a:solidFill>
           </a:ln>
           <a:effectLst/>
@@ -13554,25 +15010,14 @@
           <a:p>
             <a:pPr algn="ctr"/>
             <a:r>
-              <a:rPr lang="en-US" sz="1050" dirty="0">
+              <a:rPr lang="en-US" sz="1600" dirty="0" smtClean="0">
                 <a:solidFill>
                   <a:schemeClr val="bg1"/>
                 </a:solidFill>
               </a:rPr>
-              <a:t>&lt;&lt;interface&gt;&gt;</a:t>
-            </a:r>
-          </a:p>
-          <a:p>
-            <a:pPr algn="ctr"/>
-            <a:r>
-              <a:rPr lang="en-US" sz="1050" dirty="0" smtClean="0">
-                <a:solidFill>
-                  <a:schemeClr val="bg1"/>
-                </a:solidFill>
-              </a:rPr>
-              <a:t>Model</a:t>
-            </a:r>
-            <a:endParaRPr lang="en-SG" sz="1050" dirty="0">
+              <a:t>:FloatingTask</a:t>
+            </a:r>
+            <a:endParaRPr lang="en-SG" sz="1600" dirty="0">
               <a:solidFill>
                 <a:schemeClr val="bg1"/>
               </a:solidFill>
@@ -13580,1830 +15025,322 @@
           </a:p>
         </p:txBody>
       </p:sp>
-      <p:sp>
-        <p:nvSpPr>
-          <p:cNvPr id="120" name="Isosceles Triangle 102"/>
-          <p:cNvSpPr/>
-          <p:nvPr/>
-        </p:nvSpPr>
-        <p:spPr>
-          <a:xfrm rot="16200000">
-            <a:off x="1626910" y="2952291"/>
-            <a:ext cx="270504" cy="175523"/>
-          </a:xfrm>
-          <a:prstGeom prst="triangle">
-            <a:avLst/>
-          </a:prstGeom>
-          <a:solidFill>
-            <a:srgbClr val="7030A0"/>
-          </a:solidFill>
-          <a:ln w="19050">
-            <a:solidFill>
-              <a:srgbClr val="7030A0"/>
-            </a:solidFill>
-          </a:ln>
-          <a:effectLst/>
-        </p:spPr>
-        <p:style>
-          <a:lnRef idx="1">
-            <a:schemeClr val="accent6"/>
-          </a:lnRef>
-          <a:fillRef idx="2">
-            <a:schemeClr val="accent6"/>
-          </a:fillRef>
-          <a:effectRef idx="1">
-            <a:schemeClr val="accent6"/>
-          </a:effectRef>
-          <a:fontRef idx="minor">
-            <a:schemeClr val="dk1"/>
-          </a:fontRef>
-        </p:style>
-        <p:txBody>
-          <a:bodyPr rtlCol="0" anchor="ctr"/>
-          <a:lstStyle/>
-          <a:p>
-            <a:pPr algn="ctr"/>
-            <a:endParaRPr lang="en-SG" sz="1050"/>
-          </a:p>
-        </p:txBody>
-      </p:sp>
       <p:cxnSp>
         <p:nvCxnSpPr>
-          <p:cNvPr id="55" name="Straight Arrow Connector 54"/>
+          <p:cNvPr id="41" name="Straight Arrow Connector 40"/>
           <p:cNvCxnSpPr>
-            <a:stCxn id="62" idx="0"/>
-            <a:endCxn id="67" idx="2"/>
+            <a:stCxn id="19" idx="3"/>
+            <a:endCxn id="38" idx="1"/>
           </p:cNvCxnSpPr>
           <p:nvPr/>
         </p:nvCxnSpPr>
         <p:spPr>
           <a:xfrm flipV="1">
-            <a:off x="6667770" y="2632344"/>
-            <a:ext cx="1612" cy="225722"/>
+            <a:off x="6046635" y="3668337"/>
+            <a:ext cx="334038" cy="349266"/>
           </a:xfrm>
           <a:prstGeom prst="straightConnector1">
             <a:avLst/>
           </a:prstGeom>
           <a:ln w="19050">
             <a:solidFill>
-              <a:srgbClr val="7030A0"/>
-            </a:solidFill>
-            <a:prstDash val="sysDot"/>
-            <a:headEnd type="none" w="med" len="med"/>
-            <a:tailEnd type="arrow" w="med" len="med"/>
-          </a:ln>
-          <a:effectLst/>
-        </p:spPr>
-        <p:style>
-          <a:lnRef idx="1">
-            <a:schemeClr val="accent2"/>
-          </a:lnRef>
-          <a:fillRef idx="2">
-            <a:schemeClr val="accent2"/>
-          </a:fillRef>
-          <a:effectRef idx="1">
-            <a:schemeClr val="accent2"/>
-          </a:effectRef>
-          <a:fontRef idx="minor">
-            <a:schemeClr val="dk1"/>
+              <a:srgbClr val="0070C0"/>
+            </a:solidFill>
+            <a:tailEnd type="arrow"/>
+          </a:ln>
+        </p:spPr>
+        <p:style>
+          <a:lnRef idx="1">
+            <a:schemeClr val="accent1"/>
+          </a:lnRef>
+          <a:fillRef idx="0">
+            <a:schemeClr val="accent1"/>
+          </a:fillRef>
+          <a:effectRef idx="0">
+            <a:schemeClr val="accent1"/>
+          </a:effectRef>
+          <a:fontRef idx="minor">
+            <a:schemeClr val="tx1"/>
           </a:fontRef>
         </p:style>
       </p:cxnSp>
       <p:cxnSp>
         <p:nvCxnSpPr>
-          <p:cNvPr id="58" name="Straight Arrow Connector 57"/>
+          <p:cNvPr id="43" name="Straight Arrow Connector 42"/>
           <p:cNvCxnSpPr>
-            <a:stCxn id="42" idx="3"/>
-            <a:endCxn id="2" idx="1"/>
+            <a:stCxn id="19" idx="3"/>
+            <a:endCxn id="40" idx="1"/>
           </p:cNvCxnSpPr>
           <p:nvPr/>
         </p:nvCxnSpPr>
         <p:spPr>
           <a:xfrm>
-            <a:off x="2656370" y="3326536"/>
-            <a:ext cx="220810" cy="5284"/>
+            <a:off x="6046635" y="4017603"/>
+            <a:ext cx="334038" cy="244332"/>
           </a:xfrm>
           <a:prstGeom prst="straightConnector1">
             <a:avLst/>
           </a:prstGeom>
           <a:ln w="19050">
             <a:solidFill>
-              <a:srgbClr val="7030A0"/>
-            </a:solidFill>
-            <a:headEnd type="none" w="med" len="med"/>
-            <a:tailEnd type="arrow" w="med" len="med"/>
-          </a:ln>
-          <a:effectLst/>
-        </p:spPr>
-        <p:style>
-          <a:lnRef idx="1">
-            <a:schemeClr val="accent2"/>
-          </a:lnRef>
-          <a:fillRef idx="2">
-            <a:schemeClr val="accent2"/>
-          </a:fillRef>
-          <a:effectRef idx="1">
-            <a:schemeClr val="accent2"/>
-          </a:effectRef>
-          <a:fontRef idx="minor">
-            <a:schemeClr val="dk1"/>
-          </a:fontRef>
-        </p:style>
-      </p:cxnSp>
-      <p:sp>
-        <p:nvSpPr>
-          <p:cNvPr id="71" name="Isosceles Triangle 102"/>
-          <p:cNvSpPr/>
-          <p:nvPr/>
-        </p:nvSpPr>
-        <p:spPr>
-          <a:xfrm rot="5400000" flipV="1">
-            <a:off x="6253986" y="3522883"/>
-            <a:ext cx="270504" cy="175523"/>
-          </a:xfrm>
-          <a:prstGeom prst="triangle">
-            <a:avLst/>
-          </a:prstGeom>
-          <a:solidFill>
-            <a:srgbClr val="7030A0"/>
-          </a:solidFill>
-          <a:ln w="19050">
-            <a:solidFill>
-              <a:srgbClr val="7030A0"/>
-            </a:solidFill>
-          </a:ln>
-          <a:effectLst/>
-        </p:spPr>
-        <p:style>
-          <a:lnRef idx="1">
-            <a:schemeClr val="accent4"/>
-          </a:lnRef>
-          <a:fillRef idx="2">
-            <a:schemeClr val="accent4"/>
-          </a:fillRef>
-          <a:effectRef idx="1">
-            <a:schemeClr val="accent4"/>
-          </a:effectRef>
-          <a:fontRef idx="minor">
-            <a:schemeClr val="dk1"/>
-          </a:fontRef>
-        </p:style>
-        <p:txBody>
-          <a:bodyPr rtlCol="0" anchor="ctr"/>
-          <a:lstStyle/>
-          <a:p>
-            <a:pPr algn="ctr"/>
-            <a:endParaRPr lang="en-SG" sz="1050" b="1">
-              <a:solidFill>
-                <a:srgbClr val="92D050"/>
-              </a:solidFill>
-            </a:endParaRPr>
-          </a:p>
-        </p:txBody>
-      </p:sp>
-      <p:cxnSp>
-        <p:nvCxnSpPr>
-          <p:cNvPr id="75" name="Elbow Connector 122"/>
-          <p:cNvCxnSpPr/>
-          <p:nvPr/>
-        </p:nvCxnSpPr>
-        <p:spPr>
-          <a:xfrm>
-            <a:off x="910091" y="3040053"/>
-            <a:ext cx="419548" cy="2860"/>
-          </a:xfrm>
-          <a:prstGeom prst="bentConnector3">
-            <a:avLst>
-              <a:gd name="adj1" fmla="val 50000"/>
-            </a:avLst>
-          </a:prstGeom>
-          <a:ln w="19050">
-            <a:solidFill>
-              <a:schemeClr val="bg1">
-                <a:lumMod val="75000"/>
-              </a:schemeClr>
-            </a:solidFill>
-            <a:prstDash val="sysDot"/>
-            <a:headEnd type="none" w="med" len="med"/>
-            <a:tailEnd type="arrow" w="med" len="med"/>
-          </a:ln>
-          <a:effectLst/>
-        </p:spPr>
-        <p:style>
-          <a:lnRef idx="1">
-            <a:schemeClr val="accent2"/>
-          </a:lnRef>
-          <a:fillRef idx="2">
-            <a:schemeClr val="accent2"/>
-          </a:fillRef>
-          <a:effectRef idx="1">
-            <a:schemeClr val="accent2"/>
-          </a:effectRef>
-          <a:fontRef idx="minor">
-            <a:schemeClr val="dk1"/>
+              <a:srgbClr val="0070C0"/>
+            </a:solidFill>
+            <a:tailEnd type="arrow"/>
+          </a:ln>
+        </p:spPr>
+        <p:style>
+          <a:lnRef idx="1">
+            <a:schemeClr val="accent1"/>
+          </a:lnRef>
+          <a:fillRef idx="0">
+            <a:schemeClr val="accent1"/>
+          </a:fillRef>
+          <a:effectRef idx="0">
+            <a:schemeClr val="accent1"/>
+          </a:effectRef>
+          <a:fontRef idx="minor">
+            <a:schemeClr val="tx1"/>
           </a:fontRef>
         </p:style>
       </p:cxnSp>
       <p:cxnSp>
         <p:nvCxnSpPr>
-          <p:cNvPr id="21" name="Straight Connector 20"/>
-          <p:cNvCxnSpPr>
-            <a:stCxn id="120" idx="3"/>
-          </p:cNvCxnSpPr>
+          <p:cNvPr id="42" name="Straight Arrow Connector 41"/>
+          <p:cNvCxnSpPr/>
           <p:nvPr/>
         </p:nvCxnSpPr>
         <p:spPr>
-          <a:xfrm flipV="1">
-            <a:off x="1849924" y="3040052"/>
-            <a:ext cx="216105" cy="1"/>
-          </a:xfrm>
-          <a:prstGeom prst="line">
-            <a:avLst/>
-          </a:prstGeom>
-          <a:ln w="19050">
-            <a:solidFill>
-              <a:srgbClr val="7030A0"/>
-            </a:solidFill>
-            <a:prstDash val="sysDot"/>
+          <a:xfrm>
+            <a:off x="7696200" y="3668337"/>
+            <a:ext cx="457200" cy="0"/>
+          </a:xfrm>
+          <a:prstGeom prst="straightConnector1">
+            <a:avLst/>
+          </a:prstGeom>
+          <a:ln w="19050">
+            <a:solidFill>
+              <a:srgbClr val="0070C0"/>
+            </a:solidFill>
+            <a:prstDash val="sysDash"/>
             <a:headEnd type="none" w="med" len="med"/>
             <a:tailEnd type="none" w="med" len="med"/>
           </a:ln>
-          <a:effectLst/>
-        </p:spPr>
-        <p:style>
-          <a:lnRef idx="1">
-            <a:schemeClr val="accent2"/>
-          </a:lnRef>
-          <a:fillRef idx="2">
-            <a:schemeClr val="accent2"/>
-          </a:fillRef>
-          <a:effectRef idx="1">
-            <a:schemeClr val="accent2"/>
-          </a:effectRef>
-          <a:fontRef idx="minor">
-            <a:schemeClr val="dk1"/>
-          </a:fontRef>
-        </p:style>
-      </p:cxnSp>
-      <p:sp>
-        <p:nvSpPr>
-          <p:cNvPr id="42" name="Flowchart: Decision 96"/>
-          <p:cNvSpPr/>
-          <p:nvPr/>
-        </p:nvSpPr>
-        <p:spPr>
-          <a:xfrm>
-            <a:off x="2420322" y="3239846"/>
-            <a:ext cx="236048" cy="173380"/>
-          </a:xfrm>
-          <a:prstGeom prst="flowChartDecision">
-            <a:avLst/>
-          </a:prstGeom>
-          <a:noFill/>
-          <a:ln w="19050">
-            <a:solidFill>
-              <a:srgbClr val="7030A0"/>
-            </a:solidFill>
-          </a:ln>
-          <a:effectLst/>
-        </p:spPr>
-        <p:style>
-          <a:lnRef idx="1">
-            <a:schemeClr val="accent6"/>
-          </a:lnRef>
-          <a:fillRef idx="2">
-            <a:schemeClr val="accent6"/>
-          </a:fillRef>
-          <a:effectRef idx="1">
-            <a:schemeClr val="accent6"/>
-          </a:effectRef>
-          <a:fontRef idx="minor">
-            <a:schemeClr val="dk1"/>
-          </a:fontRef>
-        </p:style>
-        <p:txBody>
-          <a:bodyPr rtlCol="0" anchor="ctr"/>
-          <a:lstStyle/>
-          <a:p>
-            <a:pPr algn="ctr"/>
-            <a:endParaRPr lang="en-US" sz="1050"/>
-          </a:p>
-        </p:txBody>
-      </p:sp>
-      <p:sp>
-        <p:nvSpPr>
-          <p:cNvPr id="46" name="Rectangle 8"/>
-          <p:cNvSpPr/>
-          <p:nvPr/>
-        </p:nvSpPr>
-        <p:spPr>
-          <a:xfrm>
-            <a:off x="2879490" y="2627420"/>
-            <a:ext cx="1093635" cy="346760"/>
-          </a:xfrm>
-          <a:prstGeom prst="rect">
-            <a:avLst/>
-          </a:prstGeom>
-          <a:ln w="19050">
-            <a:solidFill>
-              <a:srgbClr val="7030A0"/>
-            </a:solidFill>
-          </a:ln>
-          <a:effectLst/>
-        </p:spPr>
-        <p:style>
-          <a:lnRef idx="1">
-            <a:schemeClr val="accent4"/>
-          </a:lnRef>
-          <a:fillRef idx="2">
-            <a:schemeClr val="accent4"/>
-          </a:fillRef>
-          <a:effectRef idx="1">
-            <a:schemeClr val="accent4"/>
-          </a:effectRef>
-          <a:fontRef idx="minor">
-            <a:schemeClr val="dk1"/>
-          </a:fontRef>
-        </p:style>
-        <p:txBody>
-          <a:bodyPr rtlCol="0" anchor="ctr"/>
-          <a:lstStyle/>
-          <a:p>
-            <a:pPr algn="ctr"/>
-            <a:r>
-              <a:rPr lang="en-US" sz="1050" dirty="0" err="1" smtClean="0">
-                <a:solidFill>
-                  <a:srgbClr val="7030A0"/>
-                </a:solidFill>
-              </a:rPr>
-              <a:t>AddressBook</a:t>
-            </a:r>
-            <a:endParaRPr lang="en-SG" sz="1050" dirty="0">
-              <a:solidFill>
-                <a:srgbClr val="7030A0"/>
-              </a:solidFill>
-            </a:endParaRPr>
-          </a:p>
-        </p:txBody>
-      </p:sp>
-      <p:cxnSp>
-        <p:nvCxnSpPr>
-          <p:cNvPr id="47" name="Straight Arrow Connector 46"/>
-          <p:cNvCxnSpPr>
-            <a:stCxn id="48" idx="3"/>
-            <a:endCxn id="46" idx="1"/>
-          </p:cNvCxnSpPr>
-          <p:nvPr/>
-        </p:nvCxnSpPr>
-        <p:spPr>
-          <a:xfrm>
-            <a:off x="2658680" y="2795516"/>
-            <a:ext cx="220810" cy="5284"/>
-          </a:xfrm>
-          <a:prstGeom prst="straightConnector1">
-            <a:avLst/>
-          </a:prstGeom>
-          <a:ln w="19050">
-            <a:solidFill>
-              <a:srgbClr val="7030A0"/>
-            </a:solidFill>
-            <a:headEnd type="none" w="med" len="med"/>
-            <a:tailEnd type="arrow" w="med" len="med"/>
-          </a:ln>
-          <a:effectLst/>
-        </p:spPr>
-        <p:style>
-          <a:lnRef idx="1">
-            <a:schemeClr val="accent2"/>
-          </a:lnRef>
-          <a:fillRef idx="2">
-            <a:schemeClr val="accent2"/>
-          </a:fillRef>
-          <a:effectRef idx="1">
-            <a:schemeClr val="accent2"/>
-          </a:effectRef>
-          <a:fontRef idx="minor">
-            <a:schemeClr val="dk1"/>
-          </a:fontRef>
-        </p:style>
-      </p:cxnSp>
-      <p:sp>
-        <p:nvSpPr>
-          <p:cNvPr id="48" name="Flowchart: Decision 96"/>
-          <p:cNvSpPr/>
-          <p:nvPr/>
-        </p:nvSpPr>
-        <p:spPr>
-          <a:xfrm>
-            <a:off x="2422632" y="2708826"/>
-            <a:ext cx="236048" cy="173380"/>
-          </a:xfrm>
-          <a:prstGeom prst="flowChartDecision">
-            <a:avLst/>
-          </a:prstGeom>
-          <a:noFill/>
-          <a:ln w="19050">
-            <a:solidFill>
-              <a:srgbClr val="7030A0"/>
-            </a:solidFill>
-          </a:ln>
-          <a:effectLst/>
-        </p:spPr>
-        <p:style>
-          <a:lnRef idx="1">
-            <a:schemeClr val="accent6"/>
-          </a:lnRef>
-          <a:fillRef idx="2">
-            <a:schemeClr val="accent6"/>
-          </a:fillRef>
-          <a:effectRef idx="1">
-            <a:schemeClr val="accent6"/>
-          </a:effectRef>
-          <a:fontRef idx="minor">
-            <a:schemeClr val="dk1"/>
-          </a:fontRef>
-        </p:style>
-        <p:txBody>
-          <a:bodyPr rtlCol="0" anchor="ctr"/>
-          <a:lstStyle/>
-          <a:p>
-            <a:pPr algn="ctr"/>
-            <a:endParaRPr lang="en-US" sz="1050"/>
-          </a:p>
-        </p:txBody>
-      </p:sp>
-      <p:sp>
-        <p:nvSpPr>
-          <p:cNvPr id="49" name="Rectangle 8"/>
-          <p:cNvSpPr/>
-          <p:nvPr/>
-        </p:nvSpPr>
-        <p:spPr>
-          <a:xfrm>
-            <a:off x="4487017" y="2847371"/>
-            <a:ext cx="1156969" cy="346760"/>
-          </a:xfrm>
-          <a:prstGeom prst="rect">
-            <a:avLst/>
-          </a:prstGeom>
-          <a:ln w="19050">
-            <a:solidFill>
-              <a:srgbClr val="7030A0"/>
-            </a:solidFill>
-          </a:ln>
-          <a:effectLst/>
-        </p:spPr>
-        <p:style>
-          <a:lnRef idx="1">
-            <a:schemeClr val="accent4"/>
-          </a:lnRef>
-          <a:fillRef idx="2">
-            <a:schemeClr val="accent4"/>
-          </a:fillRef>
-          <a:effectRef idx="1">
-            <a:schemeClr val="accent4"/>
-          </a:effectRef>
-          <a:fontRef idx="minor">
-            <a:schemeClr val="dk1"/>
-          </a:fontRef>
-        </p:style>
-        <p:txBody>
-          <a:bodyPr rtlCol="0" anchor="ctr"/>
-          <a:lstStyle/>
-          <a:p>
-            <a:pPr algn="ctr"/>
-            <a:r>
-              <a:rPr lang="en-US" sz="1050" dirty="0" err="1" smtClean="0">
-                <a:solidFill>
-                  <a:srgbClr val="7030A0"/>
-                </a:solidFill>
-              </a:rPr>
-              <a:t>UniquePersonList</a:t>
-            </a:r>
-            <a:endParaRPr lang="en-SG" sz="1050" dirty="0">
-              <a:solidFill>
-                <a:srgbClr val="7030A0"/>
-              </a:solidFill>
-            </a:endParaRPr>
-          </a:p>
-        </p:txBody>
-      </p:sp>
-      <p:sp>
-        <p:nvSpPr>
-          <p:cNvPr id="51" name="Flowchart: Decision 96"/>
-          <p:cNvSpPr/>
-          <p:nvPr/>
-        </p:nvSpPr>
-        <p:spPr>
-          <a:xfrm>
-            <a:off x="3984303" y="2673991"/>
-            <a:ext cx="236048" cy="173380"/>
-          </a:xfrm>
-          <a:prstGeom prst="flowChartDecision">
-            <a:avLst/>
-          </a:prstGeom>
-          <a:solidFill>
-            <a:srgbClr val="7030A0"/>
-          </a:solidFill>
-          <a:ln w="19050">
-            <a:solidFill>
-              <a:srgbClr val="7030A0"/>
-            </a:solidFill>
-          </a:ln>
-          <a:effectLst/>
-        </p:spPr>
-        <p:style>
-          <a:lnRef idx="1">
-            <a:schemeClr val="accent6"/>
-          </a:lnRef>
-          <a:fillRef idx="2">
-            <a:schemeClr val="accent6"/>
-          </a:fillRef>
-          <a:effectRef idx="1">
-            <a:schemeClr val="accent6"/>
-          </a:effectRef>
-          <a:fontRef idx="minor">
-            <a:schemeClr val="dk1"/>
-          </a:fontRef>
-        </p:style>
-        <p:txBody>
-          <a:bodyPr rtlCol="0" anchor="ctr"/>
-          <a:lstStyle/>
-          <a:p>
-            <a:pPr algn="ctr"/>
-            <a:endParaRPr lang="en-US" sz="1050"/>
-          </a:p>
-        </p:txBody>
-      </p:sp>
-      <p:cxnSp>
-        <p:nvCxnSpPr>
-          <p:cNvPr id="30" name="Elbow Connector 29"/>
-          <p:cNvCxnSpPr>
-            <a:stCxn id="51" idx="3"/>
-            <a:endCxn id="49" idx="1"/>
-          </p:cNvCxnSpPr>
-          <p:nvPr/>
-        </p:nvCxnSpPr>
-        <p:spPr>
-          <a:xfrm>
-            <a:off x="4220351" y="2760681"/>
-            <a:ext cx="266666" cy="260070"/>
-          </a:xfrm>
-          <a:prstGeom prst="bentConnector3">
-            <a:avLst/>
-          </a:prstGeom>
-          <a:ln w="19050">
-            <a:solidFill>
-              <a:srgbClr val="7030A0"/>
-            </a:solidFill>
-            <a:headEnd type="none" w="med" len="med"/>
-            <a:tailEnd type="arrow" w="med" len="med"/>
-          </a:ln>
-          <a:effectLst/>
-        </p:spPr>
-        <p:style>
-          <a:lnRef idx="1">
-            <a:schemeClr val="accent2"/>
-          </a:lnRef>
-          <a:fillRef idx="2">
-            <a:schemeClr val="accent2"/>
-          </a:fillRef>
-          <a:effectRef idx="1">
-            <a:schemeClr val="accent2"/>
-          </a:effectRef>
-          <a:fontRef idx="minor">
-            <a:schemeClr val="dk1"/>
-          </a:fontRef>
-        </p:style>
-      </p:cxnSp>
-      <p:sp>
-        <p:nvSpPr>
-          <p:cNvPr id="57" name="Rectangle 8"/>
-          <p:cNvSpPr/>
-          <p:nvPr/>
-        </p:nvSpPr>
-        <p:spPr>
-          <a:xfrm>
-            <a:off x="4503204" y="2280569"/>
-            <a:ext cx="1156969" cy="346760"/>
-          </a:xfrm>
-          <a:prstGeom prst="rect">
-            <a:avLst/>
-          </a:prstGeom>
-          <a:ln w="19050">
-            <a:solidFill>
-              <a:srgbClr val="7030A0"/>
-            </a:solidFill>
-          </a:ln>
-          <a:effectLst/>
-        </p:spPr>
-        <p:style>
-          <a:lnRef idx="1">
-            <a:schemeClr val="accent4"/>
-          </a:lnRef>
-          <a:fillRef idx="2">
-            <a:schemeClr val="accent4"/>
-          </a:fillRef>
-          <a:effectRef idx="1">
-            <a:schemeClr val="accent4"/>
-          </a:effectRef>
-          <a:fontRef idx="minor">
-            <a:schemeClr val="dk1"/>
-          </a:fontRef>
-        </p:style>
-        <p:txBody>
-          <a:bodyPr rtlCol="0" anchor="ctr"/>
-          <a:lstStyle/>
-          <a:p>
-            <a:pPr algn="ctr"/>
-            <a:r>
-              <a:rPr lang="en-US" sz="1050" dirty="0" err="1" smtClean="0">
-                <a:solidFill>
-                  <a:srgbClr val="7030A0"/>
-                </a:solidFill>
-              </a:rPr>
-              <a:t>UniqueTagList</a:t>
-            </a:r>
-            <a:endParaRPr lang="en-SG" sz="1050" dirty="0">
-              <a:solidFill>
-                <a:srgbClr val="7030A0"/>
-              </a:solidFill>
-            </a:endParaRPr>
-          </a:p>
-        </p:txBody>
-      </p:sp>
-      <p:cxnSp>
-        <p:nvCxnSpPr>
-          <p:cNvPr id="59" name="Elbow Connector 58"/>
-          <p:cNvCxnSpPr>
-            <a:stCxn id="51" idx="3"/>
-            <a:endCxn id="57" idx="1"/>
-          </p:cNvCxnSpPr>
-          <p:nvPr/>
-        </p:nvCxnSpPr>
-        <p:spPr>
-          <a:xfrm flipV="1">
-            <a:off x="4220351" y="2453949"/>
-            <a:ext cx="282853" cy="306732"/>
-          </a:xfrm>
-          <a:prstGeom prst="bentConnector3">
-            <a:avLst>
-              <a:gd name="adj1" fmla="val 50000"/>
-            </a:avLst>
-          </a:prstGeom>
-          <a:ln w="19050">
-            <a:solidFill>
-              <a:srgbClr val="7030A0"/>
-            </a:solidFill>
-            <a:headEnd type="none" w="med" len="med"/>
-            <a:tailEnd type="arrow" w="med" len="med"/>
-          </a:ln>
-          <a:effectLst/>
-        </p:spPr>
-        <p:style>
-          <a:lnRef idx="1">
-            <a:schemeClr val="accent2"/>
-          </a:lnRef>
-          <a:fillRef idx="2">
-            <a:schemeClr val="accent2"/>
-          </a:fillRef>
-          <a:effectRef idx="1">
-            <a:schemeClr val="accent2"/>
-          </a:effectRef>
-          <a:fontRef idx="minor">
-            <a:schemeClr val="dk1"/>
-          </a:fontRef>
-        </p:style>
-      </p:cxnSp>
-      <p:sp>
-        <p:nvSpPr>
-          <p:cNvPr id="62" name="Rectangle 8"/>
-          <p:cNvSpPr/>
-          <p:nvPr/>
-        </p:nvSpPr>
-        <p:spPr>
-          <a:xfrm>
-            <a:off x="6313677" y="2858066"/>
-            <a:ext cx="708186" cy="346760"/>
-          </a:xfrm>
-          <a:prstGeom prst="rect">
-            <a:avLst/>
-          </a:prstGeom>
-          <a:ln w="19050">
-            <a:solidFill>
-              <a:srgbClr val="7030A0"/>
-            </a:solidFill>
-          </a:ln>
-          <a:effectLst/>
-        </p:spPr>
-        <p:style>
-          <a:lnRef idx="1">
-            <a:schemeClr val="accent4"/>
-          </a:lnRef>
-          <a:fillRef idx="2">
-            <a:schemeClr val="accent4"/>
-          </a:fillRef>
-          <a:effectRef idx="1">
-            <a:schemeClr val="accent4"/>
-          </a:effectRef>
-          <a:fontRef idx="minor">
-            <a:schemeClr val="dk1"/>
-          </a:fontRef>
-        </p:style>
-        <p:txBody>
-          <a:bodyPr rtlCol="0" anchor="ctr"/>
-          <a:lstStyle/>
-          <a:p>
-            <a:pPr algn="ctr"/>
-            <a:r>
-              <a:rPr lang="en-US" sz="1050" dirty="0" smtClean="0">
-                <a:solidFill>
-                  <a:srgbClr val="7030A0"/>
-                </a:solidFill>
-              </a:rPr>
-              <a:t>Person</a:t>
-            </a:r>
-            <a:endParaRPr lang="en-SG" sz="1050" dirty="0">
-              <a:solidFill>
-                <a:srgbClr val="7030A0"/>
-              </a:solidFill>
-            </a:endParaRPr>
-          </a:p>
-        </p:txBody>
-      </p:sp>
-      <p:sp>
-        <p:nvSpPr>
-          <p:cNvPr id="63" name="Flowchart: Decision 96"/>
-          <p:cNvSpPr/>
-          <p:nvPr/>
-        </p:nvSpPr>
-        <p:spPr>
-          <a:xfrm>
-            <a:off x="5643227" y="2943979"/>
-            <a:ext cx="236048" cy="173380"/>
-          </a:xfrm>
-          <a:prstGeom prst="flowChartDecision">
-            <a:avLst/>
-          </a:prstGeom>
-          <a:noFill/>
-          <a:ln w="19050">
-            <a:solidFill>
-              <a:srgbClr val="7030A0"/>
-            </a:solidFill>
-          </a:ln>
-          <a:effectLst/>
-        </p:spPr>
-        <p:style>
-          <a:lnRef idx="1">
-            <a:schemeClr val="accent6"/>
-          </a:lnRef>
-          <a:fillRef idx="2">
-            <a:schemeClr val="accent6"/>
-          </a:fillRef>
-          <a:effectRef idx="1">
-            <a:schemeClr val="accent6"/>
-          </a:effectRef>
-          <a:fontRef idx="minor">
-            <a:schemeClr val="dk1"/>
-          </a:fontRef>
-        </p:style>
-        <p:txBody>
-          <a:bodyPr rtlCol="0" anchor="ctr"/>
-          <a:lstStyle/>
-          <a:p>
-            <a:pPr algn="ctr"/>
-            <a:endParaRPr lang="en-US" sz="1050"/>
-          </a:p>
-        </p:txBody>
-      </p:sp>
-      <p:cxnSp>
-        <p:nvCxnSpPr>
-          <p:cNvPr id="64" name="Elbow Connector 63"/>
-          <p:cNvCxnSpPr>
-            <a:stCxn id="63" idx="3"/>
-            <a:endCxn id="62" idx="1"/>
-          </p:cNvCxnSpPr>
-          <p:nvPr/>
-        </p:nvCxnSpPr>
-        <p:spPr>
-          <a:xfrm>
-            <a:off x="5879275" y="3030669"/>
-            <a:ext cx="434402" cy="777"/>
-          </a:xfrm>
-          <a:prstGeom prst="bentConnector3">
-            <a:avLst/>
-          </a:prstGeom>
-          <a:ln w="19050">
-            <a:solidFill>
-              <a:srgbClr val="7030A0"/>
-            </a:solidFill>
-            <a:headEnd type="none" w="med" len="med"/>
-            <a:tailEnd type="arrow" w="med" len="med"/>
-          </a:ln>
-          <a:effectLst/>
-        </p:spPr>
-        <p:style>
-          <a:lnRef idx="1">
-            <a:schemeClr val="accent2"/>
-          </a:lnRef>
-          <a:fillRef idx="2">
-            <a:schemeClr val="accent2"/>
-          </a:fillRef>
-          <a:effectRef idx="1">
-            <a:schemeClr val="accent2"/>
-          </a:effectRef>
-          <a:fontRef idx="minor">
-            <a:schemeClr val="dk1"/>
-          </a:fontRef>
-        </p:style>
-      </p:cxnSp>
-      <p:sp>
-        <p:nvSpPr>
-          <p:cNvPr id="67" name="Rectangle 8"/>
-          <p:cNvSpPr/>
-          <p:nvPr/>
-        </p:nvSpPr>
-        <p:spPr>
-          <a:xfrm>
-            <a:off x="6315289" y="2285584"/>
-            <a:ext cx="708186" cy="346760"/>
-          </a:xfrm>
-          <a:prstGeom prst="rect">
-            <a:avLst/>
-          </a:prstGeom>
-          <a:ln w="19050">
-            <a:solidFill>
-              <a:srgbClr val="7030A0"/>
-            </a:solidFill>
-          </a:ln>
-          <a:effectLst/>
-        </p:spPr>
-        <p:style>
-          <a:lnRef idx="1">
-            <a:schemeClr val="accent4"/>
-          </a:lnRef>
-          <a:fillRef idx="2">
-            <a:schemeClr val="accent4"/>
-          </a:fillRef>
-          <a:effectRef idx="1">
-            <a:schemeClr val="accent4"/>
-          </a:effectRef>
-          <a:fontRef idx="minor">
-            <a:schemeClr val="dk1"/>
-          </a:fontRef>
-        </p:style>
-        <p:txBody>
-          <a:bodyPr rtlCol="0" anchor="ctr"/>
-          <a:lstStyle/>
-          <a:p>
-            <a:pPr algn="ctr"/>
-            <a:r>
-              <a:rPr lang="en-US" sz="1050" dirty="0" smtClean="0">
-                <a:solidFill>
-                  <a:srgbClr val="7030A0"/>
-                </a:solidFill>
-              </a:rPr>
-              <a:t>Tag</a:t>
-            </a:r>
-            <a:endParaRPr lang="en-SG" sz="1050" dirty="0">
-              <a:solidFill>
-                <a:srgbClr val="7030A0"/>
-              </a:solidFill>
-            </a:endParaRPr>
-          </a:p>
-        </p:txBody>
-      </p:sp>
-      <p:sp>
-        <p:nvSpPr>
-          <p:cNvPr id="68" name="Flowchart: Decision 96"/>
-          <p:cNvSpPr/>
-          <p:nvPr/>
-        </p:nvSpPr>
-        <p:spPr>
-          <a:xfrm>
-            <a:off x="5672547" y="2371497"/>
-            <a:ext cx="236048" cy="173380"/>
-          </a:xfrm>
-          <a:prstGeom prst="flowChartDecision">
-            <a:avLst/>
-          </a:prstGeom>
-          <a:noFill/>
-          <a:ln w="19050">
-            <a:solidFill>
-              <a:srgbClr val="7030A0"/>
-            </a:solidFill>
-          </a:ln>
-          <a:effectLst/>
-        </p:spPr>
-        <p:style>
-          <a:lnRef idx="1">
-            <a:schemeClr val="accent6"/>
-          </a:lnRef>
-          <a:fillRef idx="2">
-            <a:schemeClr val="accent6"/>
-          </a:fillRef>
-          <a:effectRef idx="1">
-            <a:schemeClr val="accent6"/>
-          </a:effectRef>
-          <a:fontRef idx="minor">
-            <a:schemeClr val="dk1"/>
-          </a:fontRef>
-        </p:style>
-        <p:txBody>
-          <a:bodyPr rtlCol="0" anchor="ctr"/>
-          <a:lstStyle/>
-          <a:p>
-            <a:pPr algn="ctr"/>
-            <a:endParaRPr lang="en-US" sz="1050"/>
-          </a:p>
-        </p:txBody>
-      </p:sp>
-      <p:cxnSp>
-        <p:nvCxnSpPr>
-          <p:cNvPr id="69" name="Elbow Connector 68"/>
-          <p:cNvCxnSpPr>
-            <a:stCxn id="68" idx="3"/>
-            <a:endCxn id="67" idx="1"/>
-          </p:cNvCxnSpPr>
-          <p:nvPr/>
-        </p:nvCxnSpPr>
-        <p:spPr>
-          <a:xfrm>
-            <a:off x="5908595" y="2458187"/>
-            <a:ext cx="406694" cy="777"/>
-          </a:xfrm>
-          <a:prstGeom prst="bentConnector3">
-            <a:avLst/>
-          </a:prstGeom>
-          <a:ln w="19050">
-            <a:solidFill>
-              <a:srgbClr val="7030A0"/>
-            </a:solidFill>
-            <a:headEnd type="none" w="med" len="med"/>
-            <a:tailEnd type="arrow" w="med" len="med"/>
-          </a:ln>
-          <a:effectLst/>
-        </p:spPr>
-        <p:style>
-          <a:lnRef idx="1">
-            <a:schemeClr val="accent2"/>
-          </a:lnRef>
-          <a:fillRef idx="2">
-            <a:schemeClr val="accent2"/>
-          </a:fillRef>
-          <a:effectRef idx="1">
-            <a:schemeClr val="accent2"/>
-          </a:effectRef>
-          <a:fontRef idx="minor">
-            <a:schemeClr val="dk1"/>
-          </a:fontRef>
-        </p:style>
-      </p:cxnSp>
-      <p:sp>
-        <p:nvSpPr>
-          <p:cNvPr id="72" name="Rectangle 8"/>
-          <p:cNvSpPr/>
-          <p:nvPr/>
-        </p:nvSpPr>
-        <p:spPr>
-          <a:xfrm>
-            <a:off x="5128257" y="3429000"/>
-            <a:ext cx="1156969" cy="346760"/>
-          </a:xfrm>
-          <a:prstGeom prst="rect">
-            <a:avLst/>
-          </a:prstGeom>
-          <a:ln w="19050">
-            <a:solidFill>
-              <a:srgbClr val="7030A0"/>
-            </a:solidFill>
-          </a:ln>
-          <a:effectLst/>
-        </p:spPr>
-        <p:style>
-          <a:lnRef idx="1">
-            <a:schemeClr val="accent4"/>
-          </a:lnRef>
-          <a:fillRef idx="2">
-            <a:schemeClr val="accent4"/>
-          </a:fillRef>
-          <a:effectRef idx="1">
-            <a:schemeClr val="accent4"/>
-          </a:effectRef>
-          <a:fontRef idx="minor">
-            <a:schemeClr val="dk1"/>
-          </a:fontRef>
-        </p:style>
-        <p:txBody>
-          <a:bodyPr rtlCol="0" anchor="ctr"/>
-          <a:lstStyle/>
-          <a:p>
-            <a:pPr algn="ctr"/>
-            <a:r>
-              <a:rPr lang="en-US" sz="1050" dirty="0" smtClean="0">
-                <a:solidFill>
-                  <a:srgbClr val="7030A0"/>
-                </a:solidFill>
-              </a:rPr>
-              <a:t>&lt;&lt;interface&gt;&gt;</a:t>
-            </a:r>
-            <a:br>
-              <a:rPr lang="en-US" sz="1050" dirty="0" smtClean="0">
-                <a:solidFill>
-                  <a:srgbClr val="7030A0"/>
-                </a:solidFill>
-              </a:rPr>
-            </a:br>
-            <a:r>
-              <a:rPr lang="en-US" sz="1050" dirty="0" err="1" smtClean="0">
-                <a:solidFill>
-                  <a:srgbClr val="7030A0"/>
-                </a:solidFill>
-              </a:rPr>
-              <a:t>ReadOnlyPerson</a:t>
-            </a:r>
-            <a:endParaRPr lang="en-SG" sz="1050" dirty="0">
-              <a:solidFill>
-                <a:srgbClr val="7030A0"/>
-              </a:solidFill>
-            </a:endParaRPr>
-          </a:p>
-        </p:txBody>
-      </p:sp>
-      <p:sp>
-        <p:nvSpPr>
-          <p:cNvPr id="76" name="Rectangle 8"/>
-          <p:cNvSpPr/>
-          <p:nvPr/>
-        </p:nvSpPr>
-        <p:spPr>
-          <a:xfrm>
-            <a:off x="7712397" y="2564238"/>
-            <a:ext cx="708186" cy="285783"/>
-          </a:xfrm>
-          <a:prstGeom prst="rect">
-            <a:avLst/>
-          </a:prstGeom>
-          <a:ln w="19050">
-            <a:solidFill>
-              <a:srgbClr val="7030A0"/>
-            </a:solidFill>
-          </a:ln>
-          <a:effectLst/>
-        </p:spPr>
-        <p:style>
-          <a:lnRef idx="1">
-            <a:schemeClr val="accent4"/>
-          </a:lnRef>
-          <a:fillRef idx="2">
-            <a:schemeClr val="accent4"/>
-          </a:fillRef>
-          <a:effectRef idx="1">
-            <a:schemeClr val="accent4"/>
-          </a:effectRef>
-          <a:fontRef idx="minor">
-            <a:schemeClr val="dk1"/>
-          </a:fontRef>
-        </p:style>
-        <p:txBody>
-          <a:bodyPr rtlCol="0" anchor="ctr"/>
-          <a:lstStyle/>
-          <a:p>
-            <a:pPr algn="ctr"/>
-            <a:r>
-              <a:rPr lang="en-US" sz="1050" dirty="0" smtClean="0">
-                <a:solidFill>
-                  <a:srgbClr val="7030A0"/>
-                </a:solidFill>
-              </a:rPr>
-              <a:t>Name</a:t>
-            </a:r>
-            <a:endParaRPr lang="en-SG" sz="1050" dirty="0">
-              <a:solidFill>
-                <a:srgbClr val="7030A0"/>
-              </a:solidFill>
-            </a:endParaRPr>
-          </a:p>
-        </p:txBody>
-      </p:sp>
-      <p:sp>
-        <p:nvSpPr>
-          <p:cNvPr id="78" name="Flowchart: Decision 96"/>
-          <p:cNvSpPr/>
-          <p:nvPr/>
-        </p:nvSpPr>
-        <p:spPr>
-          <a:xfrm>
-            <a:off x="7041947" y="2948201"/>
-            <a:ext cx="236048" cy="173380"/>
-          </a:xfrm>
-          <a:prstGeom prst="flowChartDecision">
-            <a:avLst/>
-          </a:prstGeom>
-          <a:solidFill>
-            <a:srgbClr val="7030A0"/>
-          </a:solidFill>
-          <a:ln w="19050">
-            <a:solidFill>
-              <a:srgbClr val="7030A0"/>
-            </a:solidFill>
-          </a:ln>
-          <a:effectLst/>
-        </p:spPr>
-        <p:style>
-          <a:lnRef idx="1">
-            <a:schemeClr val="accent6"/>
-          </a:lnRef>
-          <a:fillRef idx="2">
-            <a:schemeClr val="accent6"/>
-          </a:fillRef>
-          <a:effectRef idx="1">
-            <a:schemeClr val="accent6"/>
-          </a:effectRef>
-          <a:fontRef idx="minor">
-            <a:schemeClr val="dk1"/>
-          </a:fontRef>
-        </p:style>
-        <p:txBody>
-          <a:bodyPr rtlCol="0" anchor="ctr"/>
-          <a:lstStyle/>
-          <a:p>
-            <a:pPr algn="ctr"/>
-            <a:endParaRPr lang="en-US" sz="1050"/>
-          </a:p>
-        </p:txBody>
-      </p:sp>
-      <p:cxnSp>
-        <p:nvCxnSpPr>
-          <p:cNvPr id="79" name="Elbow Connector 78"/>
-          <p:cNvCxnSpPr>
-            <a:stCxn id="78" idx="3"/>
-            <a:endCxn id="76" idx="1"/>
-          </p:cNvCxnSpPr>
-          <p:nvPr/>
-        </p:nvCxnSpPr>
-        <p:spPr>
-          <a:xfrm flipV="1">
-            <a:off x="7277995" y="2707130"/>
-            <a:ext cx="434402" cy="327761"/>
-          </a:xfrm>
-          <a:prstGeom prst="bentConnector3">
-            <a:avLst/>
-          </a:prstGeom>
-          <a:ln w="19050">
-            <a:solidFill>
-              <a:srgbClr val="7030A0"/>
-            </a:solidFill>
-            <a:headEnd type="none" w="med" len="med"/>
-            <a:tailEnd type="arrow" w="med" len="med"/>
-          </a:ln>
-          <a:effectLst/>
-        </p:spPr>
-        <p:style>
-          <a:lnRef idx="1">
-            <a:schemeClr val="accent2"/>
-          </a:lnRef>
-          <a:fillRef idx="2">
-            <a:schemeClr val="accent2"/>
-          </a:fillRef>
-          <a:effectRef idx="1">
-            <a:schemeClr val="accent2"/>
-          </a:effectRef>
-          <a:fontRef idx="minor">
-            <a:schemeClr val="dk1"/>
-          </a:fontRef>
-        </p:style>
-      </p:cxnSp>
-      <p:sp>
-        <p:nvSpPr>
-          <p:cNvPr id="80" name="Rectangle 8"/>
-          <p:cNvSpPr/>
-          <p:nvPr/>
-        </p:nvSpPr>
-        <p:spPr>
-          <a:xfrm>
-            <a:off x="7712397" y="2887216"/>
-            <a:ext cx="708186" cy="285783"/>
-          </a:xfrm>
-          <a:prstGeom prst="rect">
-            <a:avLst/>
-          </a:prstGeom>
-          <a:ln w="19050">
-            <a:solidFill>
-              <a:srgbClr val="7030A0"/>
-            </a:solidFill>
-          </a:ln>
-          <a:effectLst/>
-        </p:spPr>
-        <p:style>
-          <a:lnRef idx="1">
-            <a:schemeClr val="accent4"/>
-          </a:lnRef>
-          <a:fillRef idx="2">
-            <a:schemeClr val="accent4"/>
-          </a:fillRef>
-          <a:effectRef idx="1">
-            <a:schemeClr val="accent4"/>
-          </a:effectRef>
-          <a:fontRef idx="minor">
-            <a:schemeClr val="dk1"/>
-          </a:fontRef>
-        </p:style>
-        <p:txBody>
-          <a:bodyPr rtlCol="0" anchor="ctr"/>
-          <a:lstStyle/>
-          <a:p>
-            <a:pPr algn="ctr"/>
-            <a:r>
-              <a:rPr lang="en-US" sz="1050" dirty="0" smtClean="0">
-                <a:solidFill>
-                  <a:srgbClr val="7030A0"/>
-                </a:solidFill>
-              </a:rPr>
-              <a:t>Phone</a:t>
-            </a:r>
-            <a:endParaRPr lang="en-SG" sz="1050" dirty="0">
-              <a:solidFill>
-                <a:srgbClr val="7030A0"/>
-              </a:solidFill>
-            </a:endParaRPr>
-          </a:p>
-        </p:txBody>
-      </p:sp>
-      <p:cxnSp>
-        <p:nvCxnSpPr>
-          <p:cNvPr id="81" name="Elbow Connector 80"/>
-          <p:cNvCxnSpPr>
-            <a:stCxn id="78" idx="3"/>
-            <a:endCxn id="80" idx="1"/>
-          </p:cNvCxnSpPr>
-          <p:nvPr/>
-        </p:nvCxnSpPr>
-        <p:spPr>
-          <a:xfrm flipV="1">
-            <a:off x="7277995" y="3030108"/>
-            <a:ext cx="434402" cy="4783"/>
-          </a:xfrm>
-          <a:prstGeom prst="bentConnector3">
-            <a:avLst/>
-          </a:prstGeom>
-          <a:ln w="19050">
-            <a:solidFill>
-              <a:srgbClr val="7030A0"/>
-            </a:solidFill>
-            <a:headEnd type="none" w="med" len="med"/>
-            <a:tailEnd type="arrow" w="med" len="med"/>
-          </a:ln>
-          <a:effectLst/>
-        </p:spPr>
-        <p:style>
-          <a:lnRef idx="1">
-            <a:schemeClr val="accent2"/>
-          </a:lnRef>
-          <a:fillRef idx="2">
-            <a:schemeClr val="accent2"/>
-          </a:fillRef>
-          <a:effectRef idx="1">
-            <a:schemeClr val="accent2"/>
-          </a:effectRef>
-          <a:fontRef idx="minor">
-            <a:schemeClr val="dk1"/>
-          </a:fontRef>
-        </p:style>
-      </p:cxnSp>
-      <p:sp>
-        <p:nvSpPr>
-          <p:cNvPr id="83" name="Rectangle 8"/>
-          <p:cNvSpPr/>
-          <p:nvPr/>
-        </p:nvSpPr>
-        <p:spPr>
-          <a:xfrm>
-            <a:off x="7712397" y="3210194"/>
-            <a:ext cx="708186" cy="285783"/>
-          </a:xfrm>
-          <a:prstGeom prst="rect">
-            <a:avLst/>
-          </a:prstGeom>
-          <a:ln w="19050">
-            <a:solidFill>
-              <a:srgbClr val="7030A0"/>
-            </a:solidFill>
-          </a:ln>
-          <a:effectLst/>
-        </p:spPr>
-        <p:style>
-          <a:lnRef idx="1">
-            <a:schemeClr val="accent4"/>
-          </a:lnRef>
-          <a:fillRef idx="2">
-            <a:schemeClr val="accent4"/>
-          </a:fillRef>
-          <a:effectRef idx="1">
-            <a:schemeClr val="accent4"/>
-          </a:effectRef>
-          <a:fontRef idx="minor">
-            <a:schemeClr val="dk1"/>
-          </a:fontRef>
-        </p:style>
-        <p:txBody>
-          <a:bodyPr rtlCol="0" anchor="ctr"/>
-          <a:lstStyle/>
-          <a:p>
-            <a:pPr algn="ctr"/>
-            <a:r>
-              <a:rPr lang="en-US" sz="1050" dirty="0" smtClean="0">
-                <a:solidFill>
-                  <a:srgbClr val="7030A0"/>
-                </a:solidFill>
-              </a:rPr>
-              <a:t>Email</a:t>
-            </a:r>
-            <a:endParaRPr lang="en-SG" sz="1050" dirty="0">
-              <a:solidFill>
-                <a:srgbClr val="7030A0"/>
-              </a:solidFill>
-            </a:endParaRPr>
-          </a:p>
-        </p:txBody>
-      </p:sp>
-      <p:cxnSp>
-        <p:nvCxnSpPr>
-          <p:cNvPr id="84" name="Elbow Connector 83"/>
-          <p:cNvCxnSpPr>
-            <a:stCxn id="78" idx="3"/>
-            <a:endCxn id="83" idx="1"/>
-          </p:cNvCxnSpPr>
-          <p:nvPr/>
-        </p:nvCxnSpPr>
-        <p:spPr>
-          <a:xfrm>
-            <a:off x="7277995" y="3034891"/>
-            <a:ext cx="434402" cy="318195"/>
-          </a:xfrm>
-          <a:prstGeom prst="bentConnector3">
-            <a:avLst/>
-          </a:prstGeom>
-          <a:ln w="19050">
-            <a:solidFill>
-              <a:srgbClr val="7030A0"/>
-            </a:solidFill>
-            <a:headEnd type="none" w="med" len="med"/>
-            <a:tailEnd type="arrow" w="med" len="med"/>
-          </a:ln>
-          <a:effectLst/>
-        </p:spPr>
-        <p:style>
-          <a:lnRef idx="1">
-            <a:schemeClr val="accent2"/>
-          </a:lnRef>
-          <a:fillRef idx="2">
-            <a:schemeClr val="accent2"/>
-          </a:fillRef>
-          <a:effectRef idx="1">
-            <a:schemeClr val="accent2"/>
-          </a:effectRef>
-          <a:fontRef idx="minor">
-            <a:schemeClr val="dk1"/>
-          </a:fontRef>
-        </p:style>
-      </p:cxnSp>
-      <p:sp>
-        <p:nvSpPr>
-          <p:cNvPr id="85" name="Rectangle 8"/>
-          <p:cNvSpPr/>
-          <p:nvPr/>
-        </p:nvSpPr>
-        <p:spPr>
-          <a:xfrm>
-            <a:off x="7712397" y="3533171"/>
-            <a:ext cx="708186" cy="285783"/>
-          </a:xfrm>
-          <a:prstGeom prst="rect">
-            <a:avLst/>
-          </a:prstGeom>
-          <a:ln w="19050">
-            <a:solidFill>
-              <a:srgbClr val="7030A0"/>
-            </a:solidFill>
-          </a:ln>
-          <a:effectLst/>
-        </p:spPr>
-        <p:style>
-          <a:lnRef idx="1">
-            <a:schemeClr val="accent4"/>
-          </a:lnRef>
-          <a:fillRef idx="2">
-            <a:schemeClr val="accent4"/>
-          </a:fillRef>
-          <a:effectRef idx="1">
-            <a:schemeClr val="accent4"/>
-          </a:effectRef>
-          <a:fontRef idx="minor">
-            <a:schemeClr val="dk1"/>
-          </a:fontRef>
-        </p:style>
-        <p:txBody>
-          <a:bodyPr rtlCol="0" anchor="ctr"/>
-          <a:lstStyle/>
-          <a:p>
-            <a:pPr algn="ctr"/>
-            <a:r>
-              <a:rPr lang="en-US" sz="1050" dirty="0" smtClean="0">
-                <a:solidFill>
-                  <a:srgbClr val="7030A0"/>
-                </a:solidFill>
-              </a:rPr>
-              <a:t>Address</a:t>
-            </a:r>
-            <a:endParaRPr lang="en-SG" sz="1050" dirty="0">
-              <a:solidFill>
-                <a:srgbClr val="7030A0"/>
-              </a:solidFill>
-            </a:endParaRPr>
-          </a:p>
-        </p:txBody>
-      </p:sp>
-      <p:cxnSp>
-        <p:nvCxnSpPr>
-          <p:cNvPr id="86" name="Elbow Connector 85"/>
-          <p:cNvCxnSpPr>
-            <a:stCxn id="78" idx="3"/>
-            <a:endCxn id="85" idx="1"/>
-          </p:cNvCxnSpPr>
-          <p:nvPr/>
-        </p:nvCxnSpPr>
-        <p:spPr>
-          <a:xfrm>
-            <a:off x="7277995" y="3034891"/>
-            <a:ext cx="434402" cy="641172"/>
-          </a:xfrm>
-          <a:prstGeom prst="bentConnector3">
-            <a:avLst/>
-          </a:prstGeom>
-          <a:ln w="19050">
-            <a:solidFill>
-              <a:srgbClr val="7030A0"/>
-            </a:solidFill>
-            <a:headEnd type="none" w="med" len="med"/>
-            <a:tailEnd type="arrow" w="med" len="med"/>
-          </a:ln>
-          <a:effectLst/>
-        </p:spPr>
-        <p:style>
-          <a:lnRef idx="1">
-            <a:schemeClr val="accent2"/>
-          </a:lnRef>
-          <a:fillRef idx="2">
-            <a:schemeClr val="accent2"/>
-          </a:fillRef>
-          <a:effectRef idx="1">
-            <a:schemeClr val="accent2"/>
-          </a:effectRef>
-          <a:fontRef idx="minor">
-            <a:schemeClr val="dk1"/>
+        </p:spPr>
+        <p:style>
+          <a:lnRef idx="1">
+            <a:schemeClr val="accent1"/>
+          </a:lnRef>
+          <a:fillRef idx="0">
+            <a:schemeClr val="accent1"/>
+          </a:fillRef>
+          <a:effectRef idx="0">
+            <a:schemeClr val="accent1"/>
+          </a:effectRef>
+          <a:fontRef idx="minor">
+            <a:schemeClr val="tx1"/>
           </a:fontRef>
         </p:style>
       </p:cxnSp>
       <p:cxnSp>
         <p:nvCxnSpPr>
-          <p:cNvPr id="97" name="Elbow Connector 63"/>
-          <p:cNvCxnSpPr>
-            <a:stCxn id="99" idx="3"/>
-          </p:cNvCxnSpPr>
+          <p:cNvPr id="45" name="Straight Arrow Connector 44"/>
+          <p:cNvCxnSpPr/>
           <p:nvPr/>
         </p:nvCxnSpPr>
         <p:spPr>
-          <a:xfrm rot="16200000" flipH="1">
-            <a:off x="3279321" y="2485431"/>
-            <a:ext cx="293825" cy="1"/>
-          </a:xfrm>
-          <a:prstGeom prst="bentConnector3">
-            <a:avLst>
-              <a:gd name="adj1" fmla="val 50000"/>
-            </a:avLst>
-          </a:prstGeom>
-          <a:ln w="19050">
-            <a:solidFill>
-              <a:srgbClr val="7030A0"/>
-            </a:solidFill>
-            <a:prstDash val="sysDot"/>
+          <a:xfrm flipV="1">
+            <a:off x="8153400" y="3668339"/>
+            <a:ext cx="0" cy="963758"/>
+          </a:xfrm>
+          <a:prstGeom prst="straightConnector1">
+            <a:avLst/>
+          </a:prstGeom>
+          <a:ln w="19050">
+            <a:solidFill>
+              <a:srgbClr val="0070C0"/>
+            </a:solidFill>
+            <a:prstDash val="sysDash"/>
             <a:headEnd type="none" w="med" len="med"/>
             <a:tailEnd type="none" w="med" len="med"/>
           </a:ln>
-          <a:effectLst/>
-        </p:spPr>
-        <p:style>
-          <a:lnRef idx="1">
-            <a:schemeClr val="accent2"/>
-          </a:lnRef>
-          <a:fillRef idx="2">
-            <a:schemeClr val="accent2"/>
-          </a:fillRef>
-          <a:effectRef idx="1">
-            <a:schemeClr val="accent2"/>
-          </a:effectRef>
-          <a:fontRef idx="minor">
-            <a:schemeClr val="dk1"/>
+        </p:spPr>
+        <p:style>
+          <a:lnRef idx="1">
+            <a:schemeClr val="accent1"/>
+          </a:lnRef>
+          <a:fillRef idx="0">
+            <a:schemeClr val="accent1"/>
+          </a:fillRef>
+          <a:effectRef idx="0">
+            <a:schemeClr val="accent1"/>
+          </a:effectRef>
+          <a:fontRef idx="minor">
+            <a:schemeClr val="tx1"/>
           </a:fontRef>
         </p:style>
       </p:cxnSp>
-      <p:sp>
-        <p:nvSpPr>
-          <p:cNvPr id="99" name="Isosceles Triangle 102"/>
-          <p:cNvSpPr/>
-          <p:nvPr/>
-        </p:nvSpPr>
-        <p:spPr>
-          <a:xfrm rot="10800000" flipV="1">
-            <a:off x="3290981" y="2162997"/>
-            <a:ext cx="270504" cy="175523"/>
-          </a:xfrm>
-          <a:prstGeom prst="triangle">
-            <a:avLst/>
-          </a:prstGeom>
-          <a:ln w="19050">
-            <a:solidFill>
-              <a:srgbClr val="7030A0"/>
-            </a:solidFill>
-          </a:ln>
-          <a:effectLst/>
-        </p:spPr>
-        <p:style>
-          <a:lnRef idx="1">
-            <a:schemeClr val="accent4"/>
-          </a:lnRef>
-          <a:fillRef idx="2">
-            <a:schemeClr val="accent4"/>
-          </a:fillRef>
-          <a:effectRef idx="1">
-            <a:schemeClr val="accent4"/>
-          </a:effectRef>
-          <a:fontRef idx="minor">
-            <a:schemeClr val="dk1"/>
-          </a:fontRef>
-        </p:style>
-        <p:txBody>
-          <a:bodyPr rtlCol="0" anchor="ctr"/>
-          <a:lstStyle/>
-          <a:p>
-            <a:pPr algn="ctr"/>
-            <a:endParaRPr lang="en-SG" sz="1050" b="1">
-              <a:solidFill>
-                <a:srgbClr val="92D050"/>
-              </a:solidFill>
-            </a:endParaRPr>
-          </a:p>
-        </p:txBody>
-      </p:sp>
-      <p:sp>
-        <p:nvSpPr>
-          <p:cNvPr id="100" name="Rectangle 8"/>
-          <p:cNvSpPr/>
-          <p:nvPr/>
-        </p:nvSpPr>
-        <p:spPr>
-          <a:xfrm>
-            <a:off x="2660303" y="1806470"/>
-            <a:ext cx="1539926" cy="346760"/>
-          </a:xfrm>
-          <a:prstGeom prst="rect">
-            <a:avLst/>
-          </a:prstGeom>
-          <a:ln w="19050">
-            <a:solidFill>
-              <a:srgbClr val="7030A0"/>
-            </a:solidFill>
-          </a:ln>
-          <a:effectLst/>
-        </p:spPr>
-        <p:style>
-          <a:lnRef idx="1">
-            <a:schemeClr val="accent4"/>
-          </a:lnRef>
-          <a:fillRef idx="2">
-            <a:schemeClr val="accent4"/>
-          </a:fillRef>
-          <a:effectRef idx="1">
-            <a:schemeClr val="accent4"/>
-          </a:effectRef>
-          <a:fontRef idx="minor">
-            <a:schemeClr val="dk1"/>
-          </a:fontRef>
-        </p:style>
-        <p:txBody>
-          <a:bodyPr rtlCol="0" anchor="ctr"/>
-          <a:lstStyle/>
-          <a:p>
-            <a:pPr algn="ctr"/>
-            <a:r>
-              <a:rPr lang="en-US" sz="1050" dirty="0" smtClean="0">
-                <a:solidFill>
-                  <a:srgbClr val="7030A0"/>
-                </a:solidFill>
-              </a:rPr>
-              <a:t>&lt;&lt;interface&gt;&gt;</a:t>
-            </a:r>
-            <a:br>
-              <a:rPr lang="en-US" sz="1050" dirty="0" smtClean="0">
-                <a:solidFill>
-                  <a:srgbClr val="7030A0"/>
-                </a:solidFill>
-              </a:rPr>
-            </a:br>
-            <a:r>
-              <a:rPr lang="en-US" sz="1050" dirty="0" err="1" smtClean="0">
-                <a:solidFill>
-                  <a:srgbClr val="7030A0"/>
-                </a:solidFill>
-              </a:rPr>
-              <a:t>ReadOnlyAddressBook</a:t>
-            </a:r>
-            <a:endParaRPr lang="en-SG" sz="1050" dirty="0">
-              <a:solidFill>
-                <a:srgbClr val="7030A0"/>
-              </a:solidFill>
-            </a:endParaRPr>
-          </a:p>
-        </p:txBody>
-      </p:sp>
-      <p:sp>
-        <p:nvSpPr>
-          <p:cNvPr id="114" name="TextBox 113"/>
-          <p:cNvSpPr txBox="1"/>
-          <p:nvPr/>
-        </p:nvSpPr>
-        <p:spPr>
-          <a:xfrm rot="16200000">
-            <a:off x="6581354" y="3514530"/>
-            <a:ext cx="881018" cy="261610"/>
-          </a:xfrm>
-          <a:prstGeom prst="rect">
-            <a:avLst/>
-          </a:prstGeom>
-          <a:noFill/>
-        </p:spPr>
-        <p:txBody>
-          <a:bodyPr wrap="square" rtlCol="0">
-            <a:spAutoFit/>
-          </a:bodyPr>
-          <a:lstStyle/>
-          <a:p>
-            <a:pPr algn="r"/>
-            <a:r>
-              <a:rPr lang="en-US" sz="1100" dirty="0" smtClean="0">
-                <a:solidFill>
-                  <a:srgbClr val="7030A0"/>
-                </a:solidFill>
-              </a:rPr>
-              <a:t>filtered list</a:t>
-            </a:r>
-            <a:endParaRPr lang="en-SG" sz="1100" dirty="0">
-              <a:solidFill>
-                <a:srgbClr val="7030A0"/>
-              </a:solidFill>
-            </a:endParaRPr>
-          </a:p>
-        </p:txBody>
-      </p:sp>
-      <p:sp>
-        <p:nvSpPr>
-          <p:cNvPr id="122" name="Rectangle 8"/>
-          <p:cNvSpPr/>
-          <p:nvPr/>
-        </p:nvSpPr>
-        <p:spPr>
-          <a:xfrm>
-            <a:off x="2057400" y="4239491"/>
-            <a:ext cx="1775949" cy="346760"/>
-          </a:xfrm>
-          <a:prstGeom prst="rect">
-            <a:avLst/>
-          </a:prstGeom>
-          <a:ln w="19050">
-            <a:solidFill>
-              <a:srgbClr val="7030A0"/>
-            </a:solidFill>
-          </a:ln>
-          <a:effectLst/>
-        </p:spPr>
-        <p:style>
-          <a:lnRef idx="1">
-            <a:schemeClr val="accent4"/>
-          </a:lnRef>
-          <a:fillRef idx="2">
-            <a:schemeClr val="accent4"/>
-          </a:fillRef>
-          <a:effectRef idx="1">
-            <a:schemeClr val="accent4"/>
-          </a:effectRef>
-          <a:fontRef idx="minor">
-            <a:schemeClr val="dk1"/>
-          </a:fontRef>
-        </p:style>
-        <p:txBody>
-          <a:bodyPr rtlCol="0" anchor="ctr"/>
-          <a:lstStyle/>
-          <a:p>
-            <a:pPr algn="ctr"/>
-            <a:r>
-              <a:rPr lang="en-US" sz="1050" dirty="0" smtClean="0">
-                <a:solidFill>
-                  <a:srgbClr val="7030A0"/>
-                </a:solidFill>
-              </a:rPr>
-              <a:t>&lt;&lt;interface&gt;&gt;</a:t>
-            </a:r>
-            <a:r>
-              <a:rPr lang="en-US" sz="1050" dirty="0">
-                <a:solidFill>
-                  <a:srgbClr val="7030A0"/>
-                </a:solidFill>
-              </a:rPr>
-              <a:t/>
-            </a:r>
-            <a:br>
-              <a:rPr lang="en-US" sz="1050" dirty="0">
-                <a:solidFill>
-                  <a:srgbClr val="7030A0"/>
-                </a:solidFill>
-              </a:rPr>
-            </a:br>
-            <a:r>
-              <a:rPr lang="en-US" sz="1050" dirty="0" err="1" smtClean="0">
-                <a:solidFill>
-                  <a:srgbClr val="7030A0"/>
-                </a:solidFill>
-              </a:rPr>
-              <a:t>UnmodifiableObservableList</a:t>
-            </a:r>
-            <a:endParaRPr lang="en-SG" sz="1050" dirty="0">
-              <a:solidFill>
-                <a:srgbClr val="7030A0"/>
-              </a:solidFill>
-            </a:endParaRPr>
-          </a:p>
-        </p:txBody>
-      </p:sp>
       <p:cxnSp>
         <p:nvCxnSpPr>
-          <p:cNvPr id="124" name="Elbow Connector 122"/>
-          <p:cNvCxnSpPr>
-            <a:stCxn id="119" idx="1"/>
-            <a:endCxn id="122" idx="1"/>
-          </p:cNvCxnSpPr>
+          <p:cNvPr id="49" name="Straight Arrow Connector 48"/>
+          <p:cNvCxnSpPr/>
           <p:nvPr/>
         </p:nvCxnSpPr>
         <p:spPr>
-          <a:xfrm rot="16200000" flipH="1">
-            <a:off x="1364475" y="3719945"/>
-            <a:ext cx="831471" cy="554380"/>
-          </a:xfrm>
-          <a:prstGeom prst="bentConnector2">
-            <a:avLst/>
-          </a:prstGeom>
-          <a:ln w="19050">
-            <a:solidFill>
-              <a:srgbClr val="7030A0"/>
-            </a:solidFill>
-            <a:prstDash val="sysDot"/>
+          <a:xfrm>
+            <a:off x="7710156" y="4272672"/>
+            <a:ext cx="457200" cy="0"/>
+          </a:xfrm>
+          <a:prstGeom prst="straightConnector1">
+            <a:avLst/>
+          </a:prstGeom>
+          <a:ln w="19050">
+            <a:solidFill>
+              <a:srgbClr val="0070C0"/>
+            </a:solidFill>
+            <a:prstDash val="sysDash"/>
             <a:headEnd type="none" w="med" len="med"/>
-            <a:tailEnd type="arrow" w="med" len="med"/>
-          </a:ln>
-          <a:effectLst/>
-        </p:spPr>
-        <p:style>
-          <a:lnRef idx="1">
-            <a:schemeClr val="accent2"/>
-          </a:lnRef>
-          <a:fillRef idx="2">
-            <a:schemeClr val="accent2"/>
-          </a:fillRef>
-          <a:effectRef idx="1">
-            <a:schemeClr val="accent2"/>
-          </a:effectRef>
-          <a:fontRef idx="minor">
-            <a:schemeClr val="dk1"/>
+            <a:tailEnd type="none" w="med" len="med"/>
+          </a:ln>
+        </p:spPr>
+        <p:style>
+          <a:lnRef idx="1">
+            <a:schemeClr val="accent1"/>
+          </a:lnRef>
+          <a:fillRef idx="0">
+            <a:schemeClr val="accent1"/>
+          </a:fillRef>
+          <a:effectRef idx="0">
+            <a:schemeClr val="accent1"/>
+          </a:effectRef>
+          <a:fontRef idx="minor">
+            <a:schemeClr val="tx1"/>
+          </a:fontRef>
+        </p:style>
+      </p:cxnSp>
+      <p:cxnSp>
+        <p:nvCxnSpPr>
+          <p:cNvPr id="50" name="Straight Arrow Connector 49"/>
+          <p:cNvCxnSpPr/>
+          <p:nvPr/>
+        </p:nvCxnSpPr>
+        <p:spPr>
+          <a:xfrm>
+            <a:off x="6028184" y="4632097"/>
+            <a:ext cx="2125216" cy="0"/>
+          </a:xfrm>
+          <a:prstGeom prst="straightConnector1">
+            <a:avLst/>
+          </a:prstGeom>
+          <a:ln w="19050">
+            <a:solidFill>
+              <a:srgbClr val="0070C0"/>
+            </a:solidFill>
+            <a:prstDash val="sysDash"/>
+            <a:headEnd type="none" w="med" len="med"/>
+            <a:tailEnd type="none" w="med" len="med"/>
+          </a:ln>
+        </p:spPr>
+        <p:style>
+          <a:lnRef idx="1">
+            <a:schemeClr val="accent1"/>
+          </a:lnRef>
+          <a:fillRef idx="0">
+            <a:schemeClr val="accent1"/>
+          </a:fillRef>
+          <a:effectRef idx="0">
+            <a:schemeClr val="accent1"/>
+          </a:effectRef>
+          <a:fontRef idx="minor">
+            <a:schemeClr val="tx1"/>
+          </a:fontRef>
+        </p:style>
+      </p:cxnSp>
+      <p:cxnSp>
+        <p:nvCxnSpPr>
+          <p:cNvPr id="52" name="Straight Arrow Connector 51"/>
+          <p:cNvCxnSpPr/>
+          <p:nvPr/>
+        </p:nvCxnSpPr>
+        <p:spPr>
+          <a:xfrm flipV="1">
+            <a:off x="6028184" y="4386373"/>
+            <a:ext cx="0" cy="245725"/>
+          </a:xfrm>
+          <a:prstGeom prst="straightConnector1">
+            <a:avLst/>
+          </a:prstGeom>
+          <a:ln w="19050">
+            <a:solidFill>
+              <a:srgbClr val="0070C0"/>
+            </a:solidFill>
+            <a:prstDash val="sysDash"/>
+            <a:headEnd type="none" w="med" len="med"/>
+            <a:tailEnd type="none" w="med" len="med"/>
+          </a:ln>
+        </p:spPr>
+        <p:style>
+          <a:lnRef idx="1">
+            <a:schemeClr val="accent1"/>
+          </a:lnRef>
+          <a:fillRef idx="0">
+            <a:schemeClr val="accent1"/>
+          </a:fillRef>
+          <a:effectRef idx="0">
+            <a:schemeClr val="accent1"/>
+          </a:effectRef>
+          <a:fontRef idx="minor">
+            <a:schemeClr val="tx1"/>
+          </a:fontRef>
+        </p:style>
+      </p:cxnSp>
+      <p:cxnSp>
+        <p:nvCxnSpPr>
+          <p:cNvPr id="54" name="Straight Arrow Connector 53"/>
+          <p:cNvCxnSpPr/>
+          <p:nvPr/>
+        </p:nvCxnSpPr>
+        <p:spPr>
+          <a:xfrm>
+            <a:off x="5567681" y="4386373"/>
+            <a:ext cx="461965" cy="0"/>
+          </a:xfrm>
+          <a:prstGeom prst="straightConnector1">
+            <a:avLst/>
+          </a:prstGeom>
+          <a:ln w="19050">
+            <a:solidFill>
+              <a:srgbClr val="0070C0"/>
+            </a:solidFill>
+            <a:prstDash val="sysDash"/>
+            <a:headEnd type="arrow" w="med" len="med"/>
+            <a:tailEnd type="none" w="med" len="med"/>
+          </a:ln>
+        </p:spPr>
+        <p:style>
+          <a:lnRef idx="1">
+            <a:schemeClr val="accent1"/>
+          </a:lnRef>
+          <a:fillRef idx="0">
+            <a:schemeClr val="accent1"/>
+          </a:fillRef>
+          <a:effectRef idx="0">
+            <a:schemeClr val="accent1"/>
+          </a:effectRef>
+          <a:fontRef idx="minor">
+            <a:schemeClr val="tx1"/>
           </a:fontRef>
         </p:style>
       </p:cxnSp>
     </p:spTree>
     <p:extLst>
       <p:ext uri="{BB962C8B-B14F-4D97-AF65-F5344CB8AC3E}">
-        <p14:creationId xmlns:p14="http://schemas.microsoft.com/office/powerpoint/2010/main" val="2396968029"/>
+        <p14:creationId xmlns:p14="http://schemas.microsoft.com/office/powerpoint/2010/main" val="1142058483"/>
       </p:ext>
     </p:extLst>
   </p:cSld>
   <p:clrMapOvr>
     <a:masterClrMapping/>
   </p:clrMapOvr>
-  <p:timing>
-    <p:tnLst>
-      <p:par>
-        <p:cTn id="1" dur="indefinite" restart="never" nodeType="tmRoot"/>
-      </p:par>
-    </p:tnLst>
-  </p:timing>
 </p:sld>
 </file>
 
@@ -15432,8 +15369,8 @@
         </p:nvSpPr>
         <p:spPr>
           <a:xfrm>
-            <a:off x="1119865" y="2086382"/>
-            <a:ext cx="7871735" cy="1723618"/>
+            <a:off x="1119865" y="1727200"/>
+            <a:ext cx="7490735" cy="2997200"/>
           </a:xfrm>
           <a:prstGeom prst="roundRect">
             <a:avLst>
@@ -15441,7 +15378,7 @@
             </a:avLst>
           </a:prstGeom>
           <a:solidFill>
-            <a:schemeClr val="accent6">
+            <a:schemeClr val="accent4">
               <a:lumMod val="20000"/>
               <a:lumOff val="80000"/>
             </a:schemeClr>
@@ -15472,18 +15409,14 @@
             <a:r>
               <a:rPr lang="en-US" sz="1200" b="1" dirty="0" smtClean="0">
                 <a:solidFill>
-                  <a:schemeClr val="accent6">
-                    <a:lumMod val="75000"/>
-                  </a:schemeClr>
+                  <a:srgbClr val="7030A0"/>
                 </a:solidFill>
               </a:rPr>
-              <a:t>Storage</a:t>
+              <a:t>Model</a:t>
             </a:r>
             <a:endParaRPr lang="en-SG" sz="1200" b="1" dirty="0">
               <a:solidFill>
-                <a:schemeClr val="accent6">
-                  <a:lumMod val="75000"/>
-                </a:schemeClr>
+                <a:srgbClr val="7030A0"/>
               </a:solidFill>
             </a:endParaRPr>
           </a:p>
@@ -15498,21 +15431,17 @@
         <p:spPr>
           <a:xfrm>
             <a:off x="2877180" y="3158440"/>
-            <a:ext cx="1323049" cy="346760"/>
+            <a:ext cx="1093635" cy="346760"/>
           </a:xfrm>
           <a:prstGeom prst="rect">
             <a:avLst/>
           </a:prstGeom>
           <a:solidFill>
-            <a:schemeClr val="accent6">
-              <a:lumMod val="75000"/>
-            </a:schemeClr>
+            <a:srgbClr val="7030A0"/>
           </a:solidFill>
           <a:ln w="19050">
             <a:solidFill>
-              <a:schemeClr val="accent6">
-                <a:lumMod val="75000"/>
-              </a:schemeClr>
+              <a:srgbClr val="7030A0"/>
             </a:solidFill>
           </a:ln>
           <a:effectLst/>
@@ -15542,22 +15471,66 @@
                   <a:schemeClr val="bg1"/>
                 </a:solidFill>
               </a:rPr>
-              <a:t>&lt;&lt;interface&gt;&gt;</a:t>
-            </a:r>
-            <a:br>
+              <a:t>UserPref</a:t>
+            </a:r>
+            <a:endParaRPr lang="en-SG" sz="1050" dirty="0">
+              <a:solidFill>
+                <a:schemeClr val="bg1"/>
+              </a:solidFill>
+            </a:endParaRPr>
+          </a:p>
+        </p:txBody>
+      </p:sp>
+      <p:sp>
+        <p:nvSpPr>
+          <p:cNvPr id="9" name="Rectangle 62"/>
+          <p:cNvSpPr/>
+          <p:nvPr/>
+        </p:nvSpPr>
+        <p:spPr>
+          <a:xfrm rot="16200000">
+            <a:off x="1683963" y="2868687"/>
+            <a:ext cx="1093635" cy="346760"/>
+          </a:xfrm>
+          <a:prstGeom prst="rect">
+            <a:avLst/>
+          </a:prstGeom>
+          <a:solidFill>
+            <a:srgbClr val="7030A0"/>
+          </a:solidFill>
+          <a:ln w="19050">
+            <a:solidFill>
+              <a:srgbClr val="7030A0"/>
+            </a:solidFill>
+          </a:ln>
+          <a:effectLst/>
+        </p:spPr>
+        <p:style>
+          <a:lnRef idx="1">
+            <a:schemeClr val="accent2"/>
+          </a:lnRef>
+          <a:fillRef idx="2">
+            <a:schemeClr val="accent2"/>
+          </a:fillRef>
+          <a:effectRef idx="1">
+            <a:schemeClr val="accent2"/>
+          </a:effectRef>
+          <a:fontRef idx="minor">
+            <a:schemeClr val="dk1"/>
+          </a:fontRef>
+        </p:style>
+        <p:txBody>
+          <a:bodyPr rtlCol="0" anchor="ctr"/>
+          <a:lstStyle/>
+          <a:p>
+            <a:pPr algn="ctr"/>
+            <a:r>
               <a:rPr lang="en-US" sz="1050" dirty="0" smtClean="0">
                 <a:solidFill>
                   <a:schemeClr val="bg1"/>
                 </a:solidFill>
               </a:rPr>
-            </a:br>
-            <a:r>
-              <a:rPr lang="en-US" sz="1050" dirty="0" err="1" smtClean="0">
-                <a:solidFill>
-                  <a:schemeClr val="bg1"/>
-                </a:solidFill>
-              </a:rPr>
-              <a:t>AddressBookStorage</a:t>
+              <a:t>ModelManager</a:t>
             </a:r>
             <a:endParaRPr lang="en-SG" sz="1050" dirty="0">
               <a:solidFill>
@@ -15567,69 +15540,88 @@
           </a:p>
         </p:txBody>
       </p:sp>
-      <p:sp>
-        <p:nvSpPr>
-          <p:cNvPr id="9" name="Rectangle 62"/>
-          <p:cNvSpPr/>
-          <p:nvPr/>
-        </p:nvSpPr>
-        <p:spPr>
-          <a:xfrm rot="16200000">
-            <a:off x="1683963" y="2868687"/>
-            <a:ext cx="1093635" cy="346760"/>
-          </a:xfrm>
-          <a:prstGeom prst="rect">
-            <a:avLst/>
-          </a:prstGeom>
-          <a:solidFill>
-            <a:schemeClr val="accent6">
-              <a:lumMod val="75000"/>
-            </a:schemeClr>
-          </a:solidFill>
-          <a:ln w="19050">
-            <a:solidFill>
-              <a:schemeClr val="accent6">
-                <a:lumMod val="75000"/>
-              </a:schemeClr>
-            </a:solidFill>
-          </a:ln>
-          <a:effectLst/>
-        </p:spPr>
-        <p:style>
-          <a:lnRef idx="1">
-            <a:schemeClr val="accent2"/>
-          </a:lnRef>
-          <a:fillRef idx="2">
-            <a:schemeClr val="accent2"/>
-          </a:fillRef>
-          <a:effectRef idx="1">
-            <a:schemeClr val="accent2"/>
-          </a:effectRef>
-          <a:fontRef idx="minor">
-            <a:schemeClr val="dk1"/>
-          </a:fontRef>
-        </p:style>
-        <p:txBody>
-          <a:bodyPr rtlCol="0" anchor="ctr"/>
-          <a:lstStyle/>
-          <a:p>
-            <a:pPr algn="ctr"/>
-            <a:r>
-              <a:rPr lang="en-US" sz="1050" dirty="0" err="1" smtClean="0">
-                <a:solidFill>
-                  <a:schemeClr val="bg1"/>
-                </a:solidFill>
-              </a:rPr>
-              <a:t>StorageManager</a:t>
-            </a:r>
-            <a:endParaRPr lang="en-SG" sz="1050" dirty="0">
-              <a:solidFill>
-                <a:schemeClr val="bg1"/>
-              </a:solidFill>
-            </a:endParaRPr>
-          </a:p>
-        </p:txBody>
-      </p:sp>
+      <p:cxnSp>
+        <p:nvCxnSpPr>
+          <p:cNvPr id="53" name="Elbow Connector 63"/>
+          <p:cNvCxnSpPr>
+            <a:stCxn id="71" idx="3"/>
+          </p:cNvCxnSpPr>
+          <p:nvPr/>
+        </p:nvCxnSpPr>
+        <p:spPr>
+          <a:xfrm flipV="1">
+            <a:off x="5835001" y="3117359"/>
+            <a:ext cx="184799" cy="493287"/>
+          </a:xfrm>
+          <a:prstGeom prst="bentConnector2">
+            <a:avLst/>
+          </a:prstGeom>
+          <a:ln w="19050">
+            <a:solidFill>
+              <a:srgbClr val="7030A0"/>
+            </a:solidFill>
+            <a:prstDash val="sysDot"/>
+            <a:headEnd type="none" w="med" len="med"/>
+            <a:tailEnd type="none" w="med" len="med"/>
+          </a:ln>
+          <a:effectLst/>
+        </p:spPr>
+        <p:style>
+          <a:lnRef idx="1">
+            <a:schemeClr val="accent2"/>
+          </a:lnRef>
+          <a:fillRef idx="2">
+            <a:schemeClr val="accent2"/>
+          </a:fillRef>
+          <a:effectRef idx="1">
+            <a:schemeClr val="accent2"/>
+          </a:effectRef>
+          <a:fontRef idx="minor">
+            <a:schemeClr val="dk1"/>
+          </a:fontRef>
+        </p:style>
+      </p:cxnSp>
+      <p:cxnSp>
+        <p:nvCxnSpPr>
+          <p:cNvPr id="107" name="Elbow Connector 106"/>
+          <p:cNvCxnSpPr>
+            <a:stCxn id="9" idx="1"/>
+          </p:cNvCxnSpPr>
+          <p:nvPr/>
+        </p:nvCxnSpPr>
+        <p:spPr>
+          <a:xfrm rot="16200000" flipH="1">
+            <a:off x="4129033" y="1690632"/>
+            <a:ext cx="373515" cy="4170019"/>
+          </a:xfrm>
+          <a:prstGeom prst="bentConnector2">
+            <a:avLst/>
+          </a:prstGeom>
+          <a:ln w="19050">
+            <a:solidFill>
+              <a:srgbClr val="7030A0"/>
+            </a:solidFill>
+            <a:prstDash val="solid"/>
+            <a:headEnd type="none" w="med" len="med"/>
+            <a:tailEnd type="none" w="med" len="med"/>
+          </a:ln>
+          <a:effectLst/>
+        </p:spPr>
+        <p:style>
+          <a:lnRef idx="1">
+            <a:schemeClr val="accent2"/>
+          </a:lnRef>
+          <a:fillRef idx="2">
+            <a:schemeClr val="accent2"/>
+          </a:fillRef>
+          <a:effectRef idx="1">
+            <a:schemeClr val="accent2"/>
+          </a:effectRef>
+          <a:fontRef idx="minor">
+            <a:schemeClr val="dk1"/>
+          </a:fontRef>
+        </p:style>
+      </p:cxnSp>
       <p:sp>
         <p:nvSpPr>
           <p:cNvPr id="119" name="Rectangle 62"/>
@@ -15645,15 +15637,11 @@
             <a:avLst/>
           </a:prstGeom>
           <a:solidFill>
-            <a:schemeClr val="accent6">
-              <a:lumMod val="75000"/>
-            </a:schemeClr>
+            <a:srgbClr val="7030A0"/>
           </a:solidFill>
           <a:ln w="19050">
             <a:solidFill>
-              <a:schemeClr val="accent6">
-                <a:lumMod val="75000"/>
-              </a:schemeClr>
+              <a:srgbClr val="7030A0"/>
             </a:solidFill>
           </a:ln>
           <a:effectLst/>
@@ -15694,7 +15682,7 @@
                   <a:schemeClr val="bg1"/>
                 </a:solidFill>
               </a:rPr>
-              <a:t>Storage</a:t>
+              <a:t>Model</a:t>
             </a:r>
             <a:endParaRPr lang="en-SG" sz="1050" dirty="0">
               <a:solidFill>
@@ -15719,28 +15707,24 @@
             <a:avLst/>
           </a:prstGeom>
           <a:solidFill>
-            <a:schemeClr val="accent6">
-              <a:lumMod val="75000"/>
-            </a:schemeClr>
+            <a:srgbClr val="7030A0"/>
           </a:solidFill>
           <a:ln w="19050">
             <a:solidFill>
-              <a:schemeClr val="accent6">
-                <a:lumMod val="75000"/>
-              </a:schemeClr>
-            </a:solidFill>
-          </a:ln>
-          <a:effectLst/>
-        </p:spPr>
-        <p:style>
-          <a:lnRef idx="1">
-            <a:schemeClr val="accent2"/>
-          </a:lnRef>
-          <a:fillRef idx="2">
-            <a:schemeClr val="accent2"/>
-          </a:fillRef>
-          <a:effectRef idx="1">
-            <a:schemeClr val="accent2"/>
+              <a:srgbClr val="7030A0"/>
+            </a:solidFill>
+          </a:ln>
+          <a:effectLst/>
+        </p:spPr>
+        <p:style>
+          <a:lnRef idx="1">
+            <a:schemeClr val="accent6"/>
+          </a:lnRef>
+          <a:fillRef idx="2">
+            <a:schemeClr val="accent6"/>
+          </a:fillRef>
+          <a:effectRef idx="1">
+            <a:schemeClr val="accent6"/>
           </a:effectRef>
           <a:fontRef idx="minor">
             <a:schemeClr val="dk1"/>
@@ -15751,14 +15735,52 @@
           <a:lstStyle/>
           <a:p>
             <a:pPr algn="ctr"/>
-            <a:endParaRPr lang="en-SG" sz="1050">
-              <a:solidFill>
-                <a:schemeClr val="bg1"/>
-              </a:solidFill>
-            </a:endParaRPr>
-          </a:p>
-        </p:txBody>
-      </p:sp>
+            <a:endParaRPr lang="en-SG" sz="1050" dirty="0"/>
+          </a:p>
+        </p:txBody>
+      </p:sp>
+      <p:cxnSp>
+        <p:nvCxnSpPr>
+          <p:cNvPr id="55" name="Straight Arrow Connector 54"/>
+          <p:cNvCxnSpPr>
+            <a:stCxn id="62" idx="0"/>
+            <a:endCxn id="67" idx="2"/>
+          </p:cNvCxnSpPr>
+          <p:nvPr/>
+        </p:nvCxnSpPr>
+        <p:spPr>
+          <a:xfrm flipV="1">
+            <a:off x="6667770" y="2632344"/>
+            <a:ext cx="1612" cy="225722"/>
+          </a:xfrm>
+          <a:prstGeom prst="straightConnector1">
+            <a:avLst/>
+          </a:prstGeom>
+          <a:ln w="19050">
+            <a:solidFill>
+              <a:srgbClr val="7030A0"/>
+            </a:solidFill>
+            <a:prstDash val="sysDot"/>
+            <a:headEnd type="none" w="med" len="med"/>
+            <a:tailEnd type="arrow" w="med" len="med"/>
+          </a:ln>
+          <a:effectLst/>
+        </p:spPr>
+        <p:style>
+          <a:lnRef idx="1">
+            <a:schemeClr val="accent2"/>
+          </a:lnRef>
+          <a:fillRef idx="2">
+            <a:schemeClr val="accent2"/>
+          </a:fillRef>
+          <a:effectRef idx="1">
+            <a:schemeClr val="accent2"/>
+          </a:effectRef>
+          <a:fontRef idx="minor">
+            <a:schemeClr val="dk1"/>
+          </a:fontRef>
+        </p:style>
+      </p:cxnSp>
       <p:cxnSp>
         <p:nvCxnSpPr>
           <p:cNvPr id="58" name="Straight Arrow Connector 57"/>
@@ -15778,9 +15800,7 @@
           </a:prstGeom>
           <a:ln w="19050">
             <a:solidFill>
-              <a:schemeClr val="accent6">
-                <a:lumMod val="75000"/>
-              </a:schemeClr>
+              <a:srgbClr val="7030A0"/>
             </a:solidFill>
             <a:headEnd type="none" w="med" len="med"/>
             <a:tailEnd type="arrow" w="med" len="med"/>
@@ -15802,6 +15822,57 @@
           </a:fontRef>
         </p:style>
       </p:cxnSp>
+      <p:sp>
+        <p:nvSpPr>
+          <p:cNvPr id="71" name="Isosceles Triangle 102"/>
+          <p:cNvSpPr/>
+          <p:nvPr/>
+        </p:nvSpPr>
+        <p:spPr>
+          <a:xfrm rot="5400000" flipV="1">
+            <a:off x="5611987" y="3522884"/>
+            <a:ext cx="270504" cy="175523"/>
+          </a:xfrm>
+          <a:prstGeom prst="triangle">
+            <a:avLst/>
+          </a:prstGeom>
+          <a:solidFill>
+            <a:srgbClr val="7030A0"/>
+          </a:solidFill>
+          <a:ln w="19050">
+            <a:solidFill>
+              <a:srgbClr val="7030A0"/>
+            </a:solidFill>
+          </a:ln>
+          <a:effectLst/>
+        </p:spPr>
+        <p:style>
+          <a:lnRef idx="1">
+            <a:schemeClr val="accent4"/>
+          </a:lnRef>
+          <a:fillRef idx="2">
+            <a:schemeClr val="accent4"/>
+          </a:fillRef>
+          <a:effectRef idx="1">
+            <a:schemeClr val="accent4"/>
+          </a:effectRef>
+          <a:fontRef idx="minor">
+            <a:schemeClr val="dk1"/>
+          </a:fontRef>
+        </p:style>
+        <p:txBody>
+          <a:bodyPr rtlCol="0" anchor="ctr"/>
+          <a:lstStyle/>
+          <a:p>
+            <a:pPr algn="ctr"/>
+            <a:endParaRPr lang="en-SG" sz="1050" b="1" dirty="0">
+              <a:solidFill>
+                <a:srgbClr val="92D050"/>
+              </a:solidFill>
+            </a:endParaRPr>
+          </a:p>
+        </p:txBody>
+      </p:sp>
       <p:cxnSp>
         <p:nvCxnSpPr>
           <p:cNvPr id="75" name="Elbow Connector 122"/>
@@ -15863,9 +15934,7 @@
           </a:prstGeom>
           <a:ln w="19050">
             <a:solidFill>
-              <a:schemeClr val="accent6">
-                <a:lumMod val="75000"/>
-              </a:schemeClr>
+              <a:srgbClr val="7030A0"/>
             </a:solidFill>
             <a:prstDash val="sysDot"/>
             <a:headEnd type="none" w="med" len="med"/>
@@ -15905,22 +15974,20 @@
           <a:noFill/>
           <a:ln w="19050">
             <a:solidFill>
-              <a:schemeClr val="accent6">
-                <a:lumMod val="75000"/>
-              </a:schemeClr>
-            </a:solidFill>
-          </a:ln>
-          <a:effectLst/>
-        </p:spPr>
-        <p:style>
-          <a:lnRef idx="1">
-            <a:schemeClr val="accent2"/>
-          </a:lnRef>
-          <a:fillRef idx="2">
-            <a:schemeClr val="accent2"/>
-          </a:fillRef>
-          <a:effectRef idx="1">
-            <a:schemeClr val="accent2"/>
+              <a:srgbClr val="7030A0"/>
+            </a:solidFill>
+          </a:ln>
+          <a:effectLst/>
+        </p:spPr>
+        <p:style>
+          <a:lnRef idx="1">
+            <a:schemeClr val="accent6"/>
+          </a:lnRef>
+          <a:fillRef idx="2">
+            <a:schemeClr val="accent6"/>
+          </a:fillRef>
+          <a:effectRef idx="1">
+            <a:schemeClr val="accent6"/>
           </a:effectRef>
           <a:fontRef idx="minor">
             <a:schemeClr val="dk1"/>
@@ -15931,27 +15998,1197 @@
           <a:lstStyle/>
           <a:p>
             <a:pPr algn="ctr"/>
-            <a:endParaRPr lang="en-US" sz="1050">
+            <a:endParaRPr lang="en-US" sz="1050" dirty="0"/>
+          </a:p>
+        </p:txBody>
+      </p:sp>
+      <p:sp>
+        <p:nvSpPr>
+          <p:cNvPr id="46" name="Rectangle 8"/>
+          <p:cNvSpPr/>
+          <p:nvPr/>
+        </p:nvSpPr>
+        <p:spPr>
+          <a:xfrm>
+            <a:off x="2879490" y="2627420"/>
+            <a:ext cx="1093635" cy="346760"/>
+          </a:xfrm>
+          <a:prstGeom prst="rect">
+            <a:avLst/>
+          </a:prstGeom>
+          <a:ln w="19050">
+            <a:solidFill>
+              <a:srgbClr val="7030A0"/>
+            </a:solidFill>
+          </a:ln>
+          <a:effectLst/>
+        </p:spPr>
+        <p:style>
+          <a:lnRef idx="1">
+            <a:schemeClr val="accent4"/>
+          </a:lnRef>
+          <a:fillRef idx="2">
+            <a:schemeClr val="accent4"/>
+          </a:fillRef>
+          <a:effectRef idx="1">
+            <a:schemeClr val="accent4"/>
+          </a:effectRef>
+          <a:fontRef idx="minor">
+            <a:schemeClr val="dk1"/>
+          </a:fontRef>
+        </p:style>
+        <p:txBody>
+          <a:bodyPr rtlCol="0" anchor="ctr"/>
+          <a:lstStyle/>
+          <a:p>
+            <a:pPr algn="ctr"/>
+            <a:r>
+              <a:rPr lang="en-US" sz="1050" dirty="0" smtClean="0">
+                <a:solidFill>
+                  <a:srgbClr val="7030A0"/>
+                </a:solidFill>
+              </a:rPr>
+              <a:t>TaskManager</a:t>
+            </a:r>
+            <a:endParaRPr lang="en-SG" sz="1050" dirty="0">
               <a:solidFill>
-                <a:schemeClr val="bg1"/>
+                <a:srgbClr val="7030A0"/>
               </a:solidFill>
             </a:endParaRPr>
           </a:p>
         </p:txBody>
       </p:sp>
+      <p:cxnSp>
+        <p:nvCxnSpPr>
+          <p:cNvPr id="47" name="Straight Arrow Connector 46"/>
+          <p:cNvCxnSpPr>
+            <a:stCxn id="48" idx="3"/>
+            <a:endCxn id="46" idx="1"/>
+          </p:cNvCxnSpPr>
+          <p:nvPr/>
+        </p:nvCxnSpPr>
+        <p:spPr>
+          <a:xfrm>
+            <a:off x="2658680" y="2795516"/>
+            <a:ext cx="220810" cy="5284"/>
+          </a:xfrm>
+          <a:prstGeom prst="straightConnector1">
+            <a:avLst/>
+          </a:prstGeom>
+          <a:ln w="19050">
+            <a:solidFill>
+              <a:srgbClr val="7030A0"/>
+            </a:solidFill>
+            <a:headEnd type="none" w="med" len="med"/>
+            <a:tailEnd type="arrow" w="med" len="med"/>
+          </a:ln>
+          <a:effectLst/>
+        </p:spPr>
+        <p:style>
+          <a:lnRef idx="1">
+            <a:schemeClr val="accent2"/>
+          </a:lnRef>
+          <a:fillRef idx="2">
+            <a:schemeClr val="accent2"/>
+          </a:fillRef>
+          <a:effectRef idx="1">
+            <a:schemeClr val="accent2"/>
+          </a:effectRef>
+          <a:fontRef idx="minor">
+            <a:schemeClr val="dk1"/>
+          </a:fontRef>
+        </p:style>
+      </p:cxnSp>
+      <p:sp>
+        <p:nvSpPr>
+          <p:cNvPr id="48" name="Flowchart: Decision 96"/>
+          <p:cNvSpPr/>
+          <p:nvPr/>
+        </p:nvSpPr>
+        <p:spPr>
+          <a:xfrm>
+            <a:off x="2422632" y="2708826"/>
+            <a:ext cx="236048" cy="173380"/>
+          </a:xfrm>
+          <a:prstGeom prst="flowChartDecision">
+            <a:avLst/>
+          </a:prstGeom>
+          <a:noFill/>
+          <a:ln w="19050">
+            <a:solidFill>
+              <a:srgbClr val="7030A0"/>
+            </a:solidFill>
+          </a:ln>
+          <a:effectLst/>
+        </p:spPr>
+        <p:style>
+          <a:lnRef idx="1">
+            <a:schemeClr val="accent6"/>
+          </a:lnRef>
+          <a:fillRef idx="2">
+            <a:schemeClr val="accent6"/>
+          </a:fillRef>
+          <a:effectRef idx="1">
+            <a:schemeClr val="accent6"/>
+          </a:effectRef>
+          <a:fontRef idx="minor">
+            <a:schemeClr val="dk1"/>
+          </a:fontRef>
+        </p:style>
+        <p:txBody>
+          <a:bodyPr rtlCol="0" anchor="ctr"/>
+          <a:lstStyle/>
+          <a:p>
+            <a:pPr algn="ctr"/>
+            <a:endParaRPr lang="en-US" sz="1050" dirty="0"/>
+          </a:p>
+        </p:txBody>
+      </p:sp>
+      <p:sp>
+        <p:nvSpPr>
+          <p:cNvPr id="49" name="Rectangle 8"/>
+          <p:cNvSpPr/>
+          <p:nvPr/>
+        </p:nvSpPr>
+        <p:spPr>
+          <a:xfrm>
+            <a:off x="4487017" y="2847371"/>
+            <a:ext cx="1156969" cy="346760"/>
+          </a:xfrm>
+          <a:prstGeom prst="rect">
+            <a:avLst/>
+          </a:prstGeom>
+          <a:ln w="19050">
+            <a:solidFill>
+              <a:srgbClr val="7030A0"/>
+            </a:solidFill>
+          </a:ln>
+          <a:effectLst/>
+        </p:spPr>
+        <p:style>
+          <a:lnRef idx="1">
+            <a:schemeClr val="accent4"/>
+          </a:lnRef>
+          <a:fillRef idx="2">
+            <a:schemeClr val="accent4"/>
+          </a:fillRef>
+          <a:effectRef idx="1">
+            <a:schemeClr val="accent4"/>
+          </a:effectRef>
+          <a:fontRef idx="minor">
+            <a:schemeClr val="dk1"/>
+          </a:fontRef>
+        </p:style>
+        <p:txBody>
+          <a:bodyPr rtlCol="0" anchor="ctr"/>
+          <a:lstStyle/>
+          <a:p>
+            <a:pPr algn="ctr"/>
+            <a:r>
+              <a:rPr lang="en-US" sz="1050" dirty="0" smtClean="0">
+                <a:solidFill>
+                  <a:srgbClr val="7030A0"/>
+                </a:solidFill>
+              </a:rPr>
+              <a:t>UniqueTaskList</a:t>
+            </a:r>
+            <a:endParaRPr lang="en-SG" sz="1050" dirty="0">
+              <a:solidFill>
+                <a:srgbClr val="7030A0"/>
+              </a:solidFill>
+            </a:endParaRPr>
+          </a:p>
+        </p:txBody>
+      </p:sp>
+      <p:sp>
+        <p:nvSpPr>
+          <p:cNvPr id="51" name="Flowchart: Decision 96"/>
+          <p:cNvSpPr/>
+          <p:nvPr/>
+        </p:nvSpPr>
+        <p:spPr>
+          <a:xfrm>
+            <a:off x="3984303" y="2673991"/>
+            <a:ext cx="236048" cy="173380"/>
+          </a:xfrm>
+          <a:prstGeom prst="flowChartDecision">
+            <a:avLst/>
+          </a:prstGeom>
+          <a:solidFill>
+            <a:srgbClr val="7030A0"/>
+          </a:solidFill>
+          <a:ln w="19050">
+            <a:solidFill>
+              <a:srgbClr val="7030A0"/>
+            </a:solidFill>
+          </a:ln>
+          <a:effectLst/>
+        </p:spPr>
+        <p:style>
+          <a:lnRef idx="1">
+            <a:schemeClr val="accent6"/>
+          </a:lnRef>
+          <a:fillRef idx="2">
+            <a:schemeClr val="accent6"/>
+          </a:fillRef>
+          <a:effectRef idx="1">
+            <a:schemeClr val="accent6"/>
+          </a:effectRef>
+          <a:fontRef idx="minor">
+            <a:schemeClr val="dk1"/>
+          </a:fontRef>
+        </p:style>
+        <p:txBody>
+          <a:bodyPr rtlCol="0" anchor="ctr"/>
+          <a:lstStyle/>
+          <a:p>
+            <a:pPr algn="ctr"/>
+            <a:endParaRPr lang="en-US" sz="1050" dirty="0"/>
+          </a:p>
+        </p:txBody>
+      </p:sp>
+      <p:cxnSp>
+        <p:nvCxnSpPr>
+          <p:cNvPr id="30" name="Elbow Connector 29"/>
+          <p:cNvCxnSpPr>
+            <a:stCxn id="51" idx="3"/>
+            <a:endCxn id="49" idx="1"/>
+          </p:cNvCxnSpPr>
+          <p:nvPr/>
+        </p:nvCxnSpPr>
+        <p:spPr>
+          <a:xfrm>
+            <a:off x="4220351" y="2760681"/>
+            <a:ext cx="266666" cy="260070"/>
+          </a:xfrm>
+          <a:prstGeom prst="bentConnector3">
+            <a:avLst/>
+          </a:prstGeom>
+          <a:ln w="19050">
+            <a:solidFill>
+              <a:srgbClr val="7030A0"/>
+            </a:solidFill>
+            <a:headEnd type="none" w="med" len="med"/>
+            <a:tailEnd type="arrow" w="med" len="med"/>
+          </a:ln>
+          <a:effectLst/>
+        </p:spPr>
+        <p:style>
+          <a:lnRef idx="1">
+            <a:schemeClr val="accent2"/>
+          </a:lnRef>
+          <a:fillRef idx="2">
+            <a:schemeClr val="accent2"/>
+          </a:fillRef>
+          <a:effectRef idx="1">
+            <a:schemeClr val="accent2"/>
+          </a:effectRef>
+          <a:fontRef idx="minor">
+            <a:schemeClr val="dk1"/>
+          </a:fontRef>
+        </p:style>
+      </p:cxnSp>
+      <p:sp>
+        <p:nvSpPr>
+          <p:cNvPr id="57" name="Rectangle 8"/>
+          <p:cNvSpPr/>
+          <p:nvPr/>
+        </p:nvSpPr>
+        <p:spPr>
+          <a:xfrm>
+            <a:off x="4503204" y="2280569"/>
+            <a:ext cx="1156969" cy="346760"/>
+          </a:xfrm>
+          <a:prstGeom prst="rect">
+            <a:avLst/>
+          </a:prstGeom>
+          <a:ln w="19050">
+            <a:solidFill>
+              <a:srgbClr val="7030A0"/>
+            </a:solidFill>
+          </a:ln>
+          <a:effectLst/>
+        </p:spPr>
+        <p:style>
+          <a:lnRef idx="1">
+            <a:schemeClr val="accent4"/>
+          </a:lnRef>
+          <a:fillRef idx="2">
+            <a:schemeClr val="accent4"/>
+          </a:fillRef>
+          <a:effectRef idx="1">
+            <a:schemeClr val="accent4"/>
+          </a:effectRef>
+          <a:fontRef idx="minor">
+            <a:schemeClr val="dk1"/>
+          </a:fontRef>
+        </p:style>
+        <p:txBody>
+          <a:bodyPr rtlCol="0" anchor="ctr"/>
+          <a:lstStyle/>
+          <a:p>
+            <a:pPr algn="ctr"/>
+            <a:r>
+              <a:rPr lang="en-US" sz="1050" dirty="0" smtClean="0">
+                <a:solidFill>
+                  <a:srgbClr val="7030A0"/>
+                </a:solidFill>
+              </a:rPr>
+              <a:t>UniqueTagList</a:t>
+            </a:r>
+            <a:endParaRPr lang="en-SG" sz="1050" dirty="0">
+              <a:solidFill>
+                <a:srgbClr val="7030A0"/>
+              </a:solidFill>
+            </a:endParaRPr>
+          </a:p>
+        </p:txBody>
+      </p:sp>
+      <p:cxnSp>
+        <p:nvCxnSpPr>
+          <p:cNvPr id="59" name="Elbow Connector 58"/>
+          <p:cNvCxnSpPr>
+            <a:stCxn id="51" idx="3"/>
+            <a:endCxn id="57" idx="1"/>
+          </p:cNvCxnSpPr>
+          <p:nvPr/>
+        </p:nvCxnSpPr>
+        <p:spPr>
+          <a:xfrm flipV="1">
+            <a:off x="4220351" y="2453949"/>
+            <a:ext cx="282853" cy="306732"/>
+          </a:xfrm>
+          <a:prstGeom prst="bentConnector3">
+            <a:avLst>
+              <a:gd name="adj1" fmla="val 50000"/>
+            </a:avLst>
+          </a:prstGeom>
+          <a:ln w="19050">
+            <a:solidFill>
+              <a:srgbClr val="7030A0"/>
+            </a:solidFill>
+            <a:headEnd type="none" w="med" len="med"/>
+            <a:tailEnd type="arrow" w="med" len="med"/>
+          </a:ln>
+          <a:effectLst/>
+        </p:spPr>
+        <p:style>
+          <a:lnRef idx="1">
+            <a:schemeClr val="accent2"/>
+          </a:lnRef>
+          <a:fillRef idx="2">
+            <a:schemeClr val="accent2"/>
+          </a:fillRef>
+          <a:effectRef idx="1">
+            <a:schemeClr val="accent2"/>
+          </a:effectRef>
+          <a:fontRef idx="minor">
+            <a:schemeClr val="dk1"/>
+          </a:fontRef>
+        </p:style>
+      </p:cxnSp>
+      <p:sp>
+        <p:nvSpPr>
+          <p:cNvPr id="62" name="Rectangle 8"/>
+          <p:cNvSpPr/>
+          <p:nvPr/>
+        </p:nvSpPr>
+        <p:spPr>
+          <a:xfrm>
+            <a:off x="6313677" y="2858066"/>
+            <a:ext cx="708186" cy="346760"/>
+          </a:xfrm>
+          <a:prstGeom prst="rect">
+            <a:avLst/>
+          </a:prstGeom>
+          <a:ln w="19050">
+            <a:solidFill>
+              <a:srgbClr val="7030A0"/>
+            </a:solidFill>
+          </a:ln>
+          <a:effectLst/>
+        </p:spPr>
+        <p:style>
+          <a:lnRef idx="1">
+            <a:schemeClr val="accent4"/>
+          </a:lnRef>
+          <a:fillRef idx="2">
+            <a:schemeClr val="accent4"/>
+          </a:fillRef>
+          <a:effectRef idx="1">
+            <a:schemeClr val="accent4"/>
+          </a:effectRef>
+          <a:fontRef idx="minor">
+            <a:schemeClr val="dk1"/>
+          </a:fontRef>
+        </p:style>
+        <p:txBody>
+          <a:bodyPr rtlCol="0" anchor="ctr"/>
+          <a:lstStyle/>
+          <a:p>
+            <a:pPr algn="ctr"/>
+            <a:r>
+              <a:rPr lang="en-US" sz="1050" dirty="0" smtClean="0">
+                <a:solidFill>
+                  <a:srgbClr val="7030A0"/>
+                </a:solidFill>
+              </a:rPr>
+              <a:t>Task</a:t>
+            </a:r>
+            <a:endParaRPr lang="en-SG" sz="1050" dirty="0">
+              <a:solidFill>
+                <a:srgbClr val="7030A0"/>
+              </a:solidFill>
+            </a:endParaRPr>
+          </a:p>
+        </p:txBody>
+      </p:sp>
+      <p:sp>
+        <p:nvSpPr>
+          <p:cNvPr id="63" name="Flowchart: Decision 96"/>
+          <p:cNvSpPr/>
+          <p:nvPr/>
+        </p:nvSpPr>
+        <p:spPr>
+          <a:xfrm>
+            <a:off x="5643227" y="2943979"/>
+            <a:ext cx="236048" cy="173380"/>
+          </a:xfrm>
+          <a:prstGeom prst="flowChartDecision">
+            <a:avLst/>
+          </a:prstGeom>
+          <a:noFill/>
+          <a:ln w="19050">
+            <a:solidFill>
+              <a:srgbClr val="7030A0"/>
+            </a:solidFill>
+          </a:ln>
+          <a:effectLst/>
+        </p:spPr>
+        <p:style>
+          <a:lnRef idx="1">
+            <a:schemeClr val="accent6"/>
+          </a:lnRef>
+          <a:fillRef idx="2">
+            <a:schemeClr val="accent6"/>
+          </a:fillRef>
+          <a:effectRef idx="1">
+            <a:schemeClr val="accent6"/>
+          </a:effectRef>
+          <a:fontRef idx="minor">
+            <a:schemeClr val="dk1"/>
+          </a:fontRef>
+        </p:style>
+        <p:txBody>
+          <a:bodyPr rtlCol="0" anchor="ctr"/>
+          <a:lstStyle/>
+          <a:p>
+            <a:pPr algn="ctr"/>
+            <a:endParaRPr lang="en-US" sz="1050" dirty="0"/>
+          </a:p>
+        </p:txBody>
+      </p:sp>
+      <p:cxnSp>
+        <p:nvCxnSpPr>
+          <p:cNvPr id="64" name="Elbow Connector 63"/>
+          <p:cNvCxnSpPr>
+            <a:stCxn id="63" idx="3"/>
+            <a:endCxn id="62" idx="1"/>
+          </p:cNvCxnSpPr>
+          <p:nvPr/>
+        </p:nvCxnSpPr>
+        <p:spPr>
+          <a:xfrm>
+            <a:off x="5879275" y="3030669"/>
+            <a:ext cx="434402" cy="777"/>
+          </a:xfrm>
+          <a:prstGeom prst="bentConnector3">
+            <a:avLst/>
+          </a:prstGeom>
+          <a:ln w="19050">
+            <a:solidFill>
+              <a:srgbClr val="7030A0"/>
+            </a:solidFill>
+            <a:headEnd type="none" w="med" len="med"/>
+            <a:tailEnd type="arrow" w="med" len="med"/>
+          </a:ln>
+          <a:effectLst/>
+        </p:spPr>
+        <p:style>
+          <a:lnRef idx="1">
+            <a:schemeClr val="accent2"/>
+          </a:lnRef>
+          <a:fillRef idx="2">
+            <a:schemeClr val="accent2"/>
+          </a:fillRef>
+          <a:effectRef idx="1">
+            <a:schemeClr val="accent2"/>
+          </a:effectRef>
+          <a:fontRef idx="minor">
+            <a:schemeClr val="dk1"/>
+          </a:fontRef>
+        </p:style>
+      </p:cxnSp>
+      <p:sp>
+        <p:nvSpPr>
+          <p:cNvPr id="67" name="Rectangle 8"/>
+          <p:cNvSpPr/>
+          <p:nvPr/>
+        </p:nvSpPr>
+        <p:spPr>
+          <a:xfrm>
+            <a:off x="6315289" y="2285584"/>
+            <a:ext cx="708186" cy="346760"/>
+          </a:xfrm>
+          <a:prstGeom prst="rect">
+            <a:avLst/>
+          </a:prstGeom>
+          <a:ln w="19050">
+            <a:solidFill>
+              <a:srgbClr val="7030A0"/>
+            </a:solidFill>
+          </a:ln>
+          <a:effectLst/>
+        </p:spPr>
+        <p:style>
+          <a:lnRef idx="1">
+            <a:schemeClr val="accent4"/>
+          </a:lnRef>
+          <a:fillRef idx="2">
+            <a:schemeClr val="accent4"/>
+          </a:fillRef>
+          <a:effectRef idx="1">
+            <a:schemeClr val="accent4"/>
+          </a:effectRef>
+          <a:fontRef idx="minor">
+            <a:schemeClr val="dk1"/>
+          </a:fontRef>
+        </p:style>
+        <p:txBody>
+          <a:bodyPr rtlCol="0" anchor="ctr"/>
+          <a:lstStyle/>
+          <a:p>
+            <a:pPr algn="ctr"/>
+            <a:r>
+              <a:rPr lang="en-US" sz="1050" dirty="0" smtClean="0">
+                <a:solidFill>
+                  <a:srgbClr val="7030A0"/>
+                </a:solidFill>
+              </a:rPr>
+              <a:t>Tag</a:t>
+            </a:r>
+            <a:endParaRPr lang="en-SG" sz="1050" dirty="0">
+              <a:solidFill>
+                <a:srgbClr val="7030A0"/>
+              </a:solidFill>
+            </a:endParaRPr>
+          </a:p>
+        </p:txBody>
+      </p:sp>
+      <p:sp>
+        <p:nvSpPr>
+          <p:cNvPr id="68" name="Flowchart: Decision 96"/>
+          <p:cNvSpPr/>
+          <p:nvPr/>
+        </p:nvSpPr>
+        <p:spPr>
+          <a:xfrm>
+            <a:off x="5672547" y="2371497"/>
+            <a:ext cx="236048" cy="173380"/>
+          </a:xfrm>
+          <a:prstGeom prst="flowChartDecision">
+            <a:avLst/>
+          </a:prstGeom>
+          <a:noFill/>
+          <a:ln w="19050">
+            <a:solidFill>
+              <a:srgbClr val="7030A0"/>
+            </a:solidFill>
+          </a:ln>
+          <a:effectLst/>
+        </p:spPr>
+        <p:style>
+          <a:lnRef idx="1">
+            <a:schemeClr val="accent6"/>
+          </a:lnRef>
+          <a:fillRef idx="2">
+            <a:schemeClr val="accent6"/>
+          </a:fillRef>
+          <a:effectRef idx="1">
+            <a:schemeClr val="accent6"/>
+          </a:effectRef>
+          <a:fontRef idx="minor">
+            <a:schemeClr val="dk1"/>
+          </a:fontRef>
+        </p:style>
+        <p:txBody>
+          <a:bodyPr rtlCol="0" anchor="ctr"/>
+          <a:lstStyle/>
+          <a:p>
+            <a:pPr algn="ctr"/>
+            <a:endParaRPr lang="en-US" sz="1050" dirty="0"/>
+          </a:p>
+        </p:txBody>
+      </p:sp>
+      <p:cxnSp>
+        <p:nvCxnSpPr>
+          <p:cNvPr id="69" name="Elbow Connector 68"/>
+          <p:cNvCxnSpPr>
+            <a:stCxn id="68" idx="3"/>
+            <a:endCxn id="67" idx="1"/>
+          </p:cNvCxnSpPr>
+          <p:nvPr/>
+        </p:nvCxnSpPr>
+        <p:spPr>
+          <a:xfrm>
+            <a:off x="5908595" y="2458187"/>
+            <a:ext cx="406694" cy="777"/>
+          </a:xfrm>
+          <a:prstGeom prst="bentConnector3">
+            <a:avLst/>
+          </a:prstGeom>
+          <a:ln w="19050">
+            <a:solidFill>
+              <a:srgbClr val="7030A0"/>
+            </a:solidFill>
+            <a:headEnd type="none" w="med" len="med"/>
+            <a:tailEnd type="arrow" w="med" len="med"/>
+          </a:ln>
+          <a:effectLst/>
+        </p:spPr>
+        <p:style>
+          <a:lnRef idx="1">
+            <a:schemeClr val="accent2"/>
+          </a:lnRef>
+          <a:fillRef idx="2">
+            <a:schemeClr val="accent2"/>
+          </a:fillRef>
+          <a:effectRef idx="1">
+            <a:schemeClr val="accent2"/>
+          </a:effectRef>
+          <a:fontRef idx="minor">
+            <a:schemeClr val="dk1"/>
+          </a:fontRef>
+        </p:style>
+      </p:cxnSp>
+      <p:sp>
+        <p:nvSpPr>
+          <p:cNvPr id="72" name="Rectangle 8"/>
+          <p:cNvSpPr/>
+          <p:nvPr/>
+        </p:nvSpPr>
+        <p:spPr>
+          <a:xfrm>
+            <a:off x="4486258" y="3429001"/>
+            <a:ext cx="1156969" cy="346760"/>
+          </a:xfrm>
+          <a:prstGeom prst="rect">
+            <a:avLst/>
+          </a:prstGeom>
+          <a:ln w="19050">
+            <a:solidFill>
+              <a:srgbClr val="7030A0"/>
+            </a:solidFill>
+          </a:ln>
+          <a:effectLst/>
+        </p:spPr>
+        <p:style>
+          <a:lnRef idx="1">
+            <a:schemeClr val="accent4"/>
+          </a:lnRef>
+          <a:fillRef idx="2">
+            <a:schemeClr val="accent4"/>
+          </a:fillRef>
+          <a:effectRef idx="1">
+            <a:schemeClr val="accent4"/>
+          </a:effectRef>
+          <a:fontRef idx="minor">
+            <a:schemeClr val="dk1"/>
+          </a:fontRef>
+        </p:style>
+        <p:txBody>
+          <a:bodyPr rtlCol="0" anchor="ctr"/>
+          <a:lstStyle/>
+          <a:p>
+            <a:pPr algn="ctr"/>
+            <a:r>
+              <a:rPr lang="en-US" sz="1050" dirty="0" smtClean="0">
+                <a:solidFill>
+                  <a:srgbClr val="7030A0"/>
+                </a:solidFill>
+              </a:rPr>
+              <a:t>&lt;&lt;interface&gt;&gt;</a:t>
+            </a:r>
+            <a:br>
+              <a:rPr lang="en-US" sz="1050" dirty="0" smtClean="0">
+                <a:solidFill>
+                  <a:srgbClr val="7030A0"/>
+                </a:solidFill>
+              </a:rPr>
+            </a:br>
+            <a:r>
+              <a:rPr lang="en-US" sz="1050" dirty="0" smtClean="0">
+                <a:solidFill>
+                  <a:srgbClr val="7030A0"/>
+                </a:solidFill>
+              </a:rPr>
+              <a:t>ReadOnlyTask</a:t>
+            </a:r>
+            <a:endParaRPr lang="en-SG" sz="1050" dirty="0">
+              <a:solidFill>
+                <a:srgbClr val="7030A0"/>
+              </a:solidFill>
+            </a:endParaRPr>
+          </a:p>
+        </p:txBody>
+      </p:sp>
+      <p:sp>
+        <p:nvSpPr>
+          <p:cNvPr id="76" name="Rectangle 8"/>
+          <p:cNvSpPr/>
+          <p:nvPr/>
+        </p:nvSpPr>
+        <p:spPr>
+          <a:xfrm>
+            <a:off x="7712396" y="2564238"/>
+            <a:ext cx="822003" cy="285783"/>
+          </a:xfrm>
+          <a:prstGeom prst="rect">
+            <a:avLst/>
+          </a:prstGeom>
+          <a:ln w="19050">
+            <a:solidFill>
+              <a:srgbClr val="7030A0"/>
+            </a:solidFill>
+          </a:ln>
+          <a:effectLst/>
+        </p:spPr>
+        <p:style>
+          <a:lnRef idx="1">
+            <a:schemeClr val="accent4"/>
+          </a:lnRef>
+          <a:fillRef idx="2">
+            <a:schemeClr val="accent4"/>
+          </a:fillRef>
+          <a:effectRef idx="1">
+            <a:schemeClr val="accent4"/>
+          </a:effectRef>
+          <a:fontRef idx="minor">
+            <a:schemeClr val="dk1"/>
+          </a:fontRef>
+        </p:style>
+        <p:txBody>
+          <a:bodyPr rtlCol="0" anchor="ctr"/>
+          <a:lstStyle/>
+          <a:p>
+            <a:pPr algn="ctr"/>
+            <a:r>
+              <a:rPr lang="en-SG" sz="1050" dirty="0" smtClean="0">
+                <a:solidFill>
+                  <a:srgbClr val="7030A0"/>
+                </a:solidFill>
+              </a:rPr>
+              <a:t>Description</a:t>
+            </a:r>
+            <a:endParaRPr lang="en-SG" sz="1050" dirty="0">
+              <a:solidFill>
+                <a:srgbClr val="7030A0"/>
+              </a:solidFill>
+            </a:endParaRPr>
+          </a:p>
+        </p:txBody>
+      </p:sp>
+      <p:sp>
+        <p:nvSpPr>
+          <p:cNvPr id="78" name="Flowchart: Decision 96"/>
+          <p:cNvSpPr/>
+          <p:nvPr/>
+        </p:nvSpPr>
+        <p:spPr>
+          <a:xfrm>
+            <a:off x="7041947" y="2948201"/>
+            <a:ext cx="236048" cy="173380"/>
+          </a:xfrm>
+          <a:prstGeom prst="flowChartDecision">
+            <a:avLst/>
+          </a:prstGeom>
+          <a:solidFill>
+            <a:srgbClr val="7030A0"/>
+          </a:solidFill>
+          <a:ln w="19050">
+            <a:solidFill>
+              <a:srgbClr val="7030A0"/>
+            </a:solidFill>
+          </a:ln>
+          <a:effectLst/>
+        </p:spPr>
+        <p:style>
+          <a:lnRef idx="1">
+            <a:schemeClr val="accent6"/>
+          </a:lnRef>
+          <a:fillRef idx="2">
+            <a:schemeClr val="accent6"/>
+          </a:fillRef>
+          <a:effectRef idx="1">
+            <a:schemeClr val="accent6"/>
+          </a:effectRef>
+          <a:fontRef idx="minor">
+            <a:schemeClr val="dk1"/>
+          </a:fontRef>
+        </p:style>
+        <p:txBody>
+          <a:bodyPr rtlCol="0" anchor="ctr"/>
+          <a:lstStyle/>
+          <a:p>
+            <a:pPr algn="ctr"/>
+            <a:endParaRPr lang="en-US" sz="1050" dirty="0"/>
+          </a:p>
+        </p:txBody>
+      </p:sp>
+      <p:cxnSp>
+        <p:nvCxnSpPr>
+          <p:cNvPr id="79" name="Elbow Connector 78"/>
+          <p:cNvCxnSpPr>
+            <a:stCxn id="78" idx="3"/>
+            <a:endCxn id="76" idx="1"/>
+          </p:cNvCxnSpPr>
+          <p:nvPr/>
+        </p:nvCxnSpPr>
+        <p:spPr>
+          <a:xfrm flipV="1">
+            <a:off x="7277995" y="2707130"/>
+            <a:ext cx="434401" cy="327761"/>
+          </a:xfrm>
+          <a:prstGeom prst="bentConnector3">
+            <a:avLst/>
+          </a:prstGeom>
+          <a:ln w="19050">
+            <a:solidFill>
+              <a:srgbClr val="7030A0"/>
+            </a:solidFill>
+            <a:headEnd type="none" w="med" len="med"/>
+            <a:tailEnd type="arrow" w="med" len="med"/>
+          </a:ln>
+          <a:effectLst/>
+        </p:spPr>
+        <p:style>
+          <a:lnRef idx="1">
+            <a:schemeClr val="accent2"/>
+          </a:lnRef>
+          <a:fillRef idx="2">
+            <a:schemeClr val="accent2"/>
+          </a:fillRef>
+          <a:effectRef idx="1">
+            <a:schemeClr val="accent2"/>
+          </a:effectRef>
+          <a:fontRef idx="minor">
+            <a:schemeClr val="dk1"/>
+          </a:fontRef>
+        </p:style>
+      </p:cxnSp>
+      <p:sp>
+        <p:nvSpPr>
+          <p:cNvPr id="80" name="Rectangle 8"/>
+          <p:cNvSpPr/>
+          <p:nvPr/>
+        </p:nvSpPr>
+        <p:spPr>
+          <a:xfrm>
+            <a:off x="7712397" y="2887216"/>
+            <a:ext cx="822002" cy="285783"/>
+          </a:xfrm>
+          <a:prstGeom prst="rect">
+            <a:avLst/>
+          </a:prstGeom>
+          <a:ln w="19050">
+            <a:solidFill>
+              <a:srgbClr val="7030A0"/>
+            </a:solidFill>
+          </a:ln>
+          <a:effectLst/>
+        </p:spPr>
+        <p:style>
+          <a:lnRef idx="1">
+            <a:schemeClr val="accent4"/>
+          </a:lnRef>
+          <a:fillRef idx="2">
+            <a:schemeClr val="accent4"/>
+          </a:fillRef>
+          <a:effectRef idx="1">
+            <a:schemeClr val="accent4"/>
+          </a:effectRef>
+          <a:fontRef idx="minor">
+            <a:schemeClr val="dk1"/>
+          </a:fontRef>
+        </p:style>
+        <p:txBody>
+          <a:bodyPr rtlCol="0" anchor="ctr"/>
+          <a:lstStyle/>
+          <a:p>
+            <a:pPr algn="ctr"/>
+            <a:r>
+              <a:rPr lang="en-SG" sz="1050" dirty="0" smtClean="0">
+                <a:solidFill>
+                  <a:srgbClr val="7030A0"/>
+                </a:solidFill>
+              </a:rPr>
+              <a:t>TaskDate</a:t>
+            </a:r>
+            <a:endParaRPr lang="en-SG" sz="1050" dirty="0">
+              <a:solidFill>
+                <a:srgbClr val="7030A0"/>
+              </a:solidFill>
+            </a:endParaRPr>
+          </a:p>
+        </p:txBody>
+      </p:sp>
+      <p:cxnSp>
+        <p:nvCxnSpPr>
+          <p:cNvPr id="81" name="Elbow Connector 80"/>
+          <p:cNvCxnSpPr>
+            <a:stCxn id="78" idx="3"/>
+            <a:endCxn id="80" idx="1"/>
+          </p:cNvCxnSpPr>
+          <p:nvPr/>
+        </p:nvCxnSpPr>
+        <p:spPr>
+          <a:xfrm flipV="1">
+            <a:off x="7277995" y="3030108"/>
+            <a:ext cx="434402" cy="4783"/>
+          </a:xfrm>
+          <a:prstGeom prst="bentConnector3">
+            <a:avLst/>
+          </a:prstGeom>
+          <a:ln w="19050">
+            <a:solidFill>
+              <a:srgbClr val="7030A0"/>
+            </a:solidFill>
+            <a:headEnd type="none" w="med" len="med"/>
+            <a:tailEnd type="arrow" w="med" len="med"/>
+          </a:ln>
+          <a:effectLst/>
+        </p:spPr>
+        <p:style>
+          <a:lnRef idx="1">
+            <a:schemeClr val="accent2"/>
+          </a:lnRef>
+          <a:fillRef idx="2">
+            <a:schemeClr val="accent2"/>
+          </a:fillRef>
+          <a:effectRef idx="1">
+            <a:schemeClr val="accent2"/>
+          </a:effectRef>
+          <a:fontRef idx="minor">
+            <a:schemeClr val="dk1"/>
+          </a:fontRef>
+        </p:style>
+      </p:cxnSp>
+      <p:sp>
+        <p:nvSpPr>
+          <p:cNvPr id="83" name="Rectangle 8"/>
+          <p:cNvSpPr/>
+          <p:nvPr/>
+        </p:nvSpPr>
+        <p:spPr>
+          <a:xfrm>
+            <a:off x="7712397" y="3210194"/>
+            <a:ext cx="822002" cy="285783"/>
+          </a:xfrm>
+          <a:prstGeom prst="rect">
+            <a:avLst/>
+          </a:prstGeom>
+          <a:ln w="19050">
+            <a:solidFill>
+              <a:srgbClr val="7030A0"/>
+            </a:solidFill>
+          </a:ln>
+          <a:effectLst/>
+        </p:spPr>
+        <p:style>
+          <a:lnRef idx="1">
+            <a:schemeClr val="accent4"/>
+          </a:lnRef>
+          <a:fillRef idx="2">
+            <a:schemeClr val="accent4"/>
+          </a:fillRef>
+          <a:effectRef idx="1">
+            <a:schemeClr val="accent4"/>
+          </a:effectRef>
+          <a:fontRef idx="minor">
+            <a:schemeClr val="dk1"/>
+          </a:fontRef>
+        </p:style>
+        <p:txBody>
+          <a:bodyPr rtlCol="0" anchor="ctr"/>
+          <a:lstStyle/>
+          <a:p>
+            <a:pPr algn="ctr"/>
+            <a:r>
+              <a:rPr lang="en-US" sz="1050" dirty="0" smtClean="0">
+                <a:solidFill>
+                  <a:srgbClr val="7030A0"/>
+                </a:solidFill>
+              </a:rPr>
+              <a:t>TaskTime</a:t>
+            </a:r>
+            <a:endParaRPr lang="en-SG" sz="1050" dirty="0">
+              <a:solidFill>
+                <a:srgbClr val="7030A0"/>
+              </a:solidFill>
+            </a:endParaRPr>
+          </a:p>
+        </p:txBody>
+      </p:sp>
+      <p:cxnSp>
+        <p:nvCxnSpPr>
+          <p:cNvPr id="84" name="Elbow Connector 83"/>
+          <p:cNvCxnSpPr>
+            <a:stCxn id="78" idx="3"/>
+            <a:endCxn id="83" idx="1"/>
+          </p:cNvCxnSpPr>
+          <p:nvPr/>
+        </p:nvCxnSpPr>
+        <p:spPr>
+          <a:xfrm>
+            <a:off x="7277995" y="3034891"/>
+            <a:ext cx="434402" cy="318195"/>
+          </a:xfrm>
+          <a:prstGeom prst="bentConnector3">
+            <a:avLst/>
+          </a:prstGeom>
+          <a:ln w="19050">
+            <a:solidFill>
+              <a:srgbClr val="7030A0"/>
+            </a:solidFill>
+            <a:headEnd type="none" w="med" len="med"/>
+            <a:tailEnd type="arrow" w="med" len="med"/>
+          </a:ln>
+          <a:effectLst/>
+        </p:spPr>
+        <p:style>
+          <a:lnRef idx="1">
+            <a:schemeClr val="accent2"/>
+          </a:lnRef>
+          <a:fillRef idx="2">
+            <a:schemeClr val="accent2"/>
+          </a:fillRef>
+          <a:effectRef idx="1">
+            <a:schemeClr val="accent2"/>
+          </a:effectRef>
+          <a:fontRef idx="minor">
+            <a:schemeClr val="dk1"/>
+          </a:fontRef>
+        </p:style>
+      </p:cxnSp>
+      <p:sp>
+        <p:nvSpPr>
+          <p:cNvPr id="85" name="Rectangle 8"/>
+          <p:cNvSpPr/>
+          <p:nvPr/>
+        </p:nvSpPr>
+        <p:spPr>
+          <a:xfrm>
+            <a:off x="7712397" y="3533171"/>
+            <a:ext cx="822002" cy="285783"/>
+          </a:xfrm>
+          <a:prstGeom prst="rect">
+            <a:avLst/>
+          </a:prstGeom>
+          <a:ln w="19050">
+            <a:solidFill>
+              <a:srgbClr val="7030A0"/>
+            </a:solidFill>
+          </a:ln>
+          <a:effectLst/>
+        </p:spPr>
+        <p:style>
+          <a:lnRef idx="1">
+            <a:schemeClr val="accent4"/>
+          </a:lnRef>
+          <a:fillRef idx="2">
+            <a:schemeClr val="accent4"/>
+          </a:fillRef>
+          <a:effectRef idx="1">
+            <a:schemeClr val="accent4"/>
+          </a:effectRef>
+          <a:fontRef idx="minor">
+            <a:schemeClr val="dk1"/>
+          </a:fontRef>
+        </p:style>
+        <p:txBody>
+          <a:bodyPr rtlCol="0" anchor="ctr"/>
+          <a:lstStyle/>
+          <a:p>
+            <a:pPr algn="ctr"/>
+            <a:r>
+              <a:rPr lang="en-US" sz="1050" dirty="0" smtClean="0">
+                <a:solidFill>
+                  <a:srgbClr val="7030A0"/>
+                </a:solidFill>
+              </a:rPr>
+              <a:t>TaskPriority</a:t>
+            </a:r>
+            <a:endParaRPr lang="en-SG" sz="1050" dirty="0">
+              <a:solidFill>
+                <a:srgbClr val="7030A0"/>
+              </a:solidFill>
+            </a:endParaRPr>
+          </a:p>
+        </p:txBody>
+      </p:sp>
+      <p:cxnSp>
+        <p:nvCxnSpPr>
+          <p:cNvPr id="86" name="Elbow Connector 85"/>
+          <p:cNvCxnSpPr>
+            <a:stCxn id="78" idx="3"/>
+            <a:endCxn id="85" idx="1"/>
+          </p:cNvCxnSpPr>
+          <p:nvPr/>
+        </p:nvCxnSpPr>
+        <p:spPr>
+          <a:xfrm>
+            <a:off x="7277995" y="3034891"/>
+            <a:ext cx="434402" cy="641172"/>
+          </a:xfrm>
+          <a:prstGeom prst="bentConnector3">
+            <a:avLst/>
+          </a:prstGeom>
+          <a:ln w="19050">
+            <a:solidFill>
+              <a:srgbClr val="7030A0"/>
+            </a:solidFill>
+            <a:headEnd type="none" w="med" len="med"/>
+            <a:tailEnd type="arrow" w="med" len="med"/>
+          </a:ln>
+          <a:effectLst/>
+        </p:spPr>
+        <p:style>
+          <a:lnRef idx="1">
+            <a:schemeClr val="accent2"/>
+          </a:lnRef>
+          <a:fillRef idx="2">
+            <a:schemeClr val="accent2"/>
+          </a:fillRef>
+          <a:effectRef idx="1">
+            <a:schemeClr val="accent2"/>
+          </a:effectRef>
+          <a:fontRef idx="minor">
+            <a:schemeClr val="dk1"/>
+          </a:fontRef>
+        </p:style>
+      </p:cxnSp>
       <p:cxnSp>
         <p:nvCxnSpPr>
           <p:cNvPr id="97" name="Elbow Connector 63"/>
           <p:cNvCxnSpPr>
             <a:stCxn id="99" idx="3"/>
-            <a:endCxn id="50" idx="1"/>
           </p:cNvCxnSpPr>
           <p:nvPr/>
         </p:nvCxnSpPr>
         <p:spPr>
-          <a:xfrm flipV="1">
-            <a:off x="4398041" y="3331820"/>
-            <a:ext cx="223324" cy="1"/>
+          <a:xfrm rot="16200000" flipH="1">
+            <a:off x="3279321" y="2485431"/>
+            <a:ext cx="293825" cy="1"/>
           </a:xfrm>
           <a:prstGeom prst="bentConnector3">
             <a:avLst>
@@ -15960,9 +17197,7 @@
           </a:prstGeom>
           <a:ln w="19050">
             <a:solidFill>
-              <a:schemeClr val="accent6">
-                <a:lumMod val="75000"/>
-              </a:schemeClr>
+              <a:srgbClr val="7030A0"/>
             </a:solidFill>
             <a:prstDash val="sysDot"/>
             <a:headEnd type="none" w="med" len="med"/>
@@ -15992,36 +17227,29 @@
           <p:nvPr/>
         </p:nvSpPr>
         <p:spPr>
-          <a:xfrm rot="5400000" flipV="1">
-            <a:off x="4175027" y="3244059"/>
+          <a:xfrm rot="10800000" flipV="1">
+            <a:off x="3290981" y="2162997"/>
             <a:ext cx="270504" cy="175523"/>
           </a:xfrm>
           <a:prstGeom prst="triangle">
             <a:avLst/>
           </a:prstGeom>
-          <a:solidFill>
-            <a:schemeClr val="accent6">
-              <a:lumMod val="75000"/>
-            </a:schemeClr>
-          </a:solidFill>
-          <a:ln w="19050">
-            <a:solidFill>
-              <a:schemeClr val="accent6">
-                <a:lumMod val="75000"/>
-              </a:schemeClr>
-            </a:solidFill>
-          </a:ln>
-          <a:effectLst/>
-        </p:spPr>
-        <p:style>
-          <a:lnRef idx="1">
-            <a:schemeClr val="accent2"/>
-          </a:lnRef>
-          <a:fillRef idx="2">
-            <a:schemeClr val="accent2"/>
-          </a:fillRef>
-          <a:effectRef idx="1">
-            <a:schemeClr val="accent2"/>
+          <a:ln w="19050">
+            <a:solidFill>
+              <a:srgbClr val="7030A0"/>
+            </a:solidFill>
+          </a:ln>
+          <a:effectLst/>
+        </p:spPr>
+        <p:style>
+          <a:lnRef idx="1">
+            <a:schemeClr val="accent4"/>
+          </a:lnRef>
+          <a:fillRef idx="2">
+            <a:schemeClr val="accent4"/>
+          </a:fillRef>
+          <a:effectRef idx="1">
+            <a:schemeClr val="accent4"/>
           </a:effectRef>
           <a:fontRef idx="minor">
             <a:schemeClr val="dk1"/>
@@ -16032,9 +17260,198 @@
           <a:lstStyle/>
           <a:p>
             <a:pPr algn="ctr"/>
-            <a:endParaRPr lang="en-SG" sz="1050">
+            <a:endParaRPr lang="en-SG" sz="1050" b="1" dirty="0">
               <a:solidFill>
-                <a:schemeClr val="bg1"/>
+                <a:srgbClr val="92D050"/>
+              </a:solidFill>
+            </a:endParaRPr>
+          </a:p>
+        </p:txBody>
+      </p:sp>
+      <p:sp>
+        <p:nvSpPr>
+          <p:cNvPr id="100" name="Rectangle 8"/>
+          <p:cNvSpPr/>
+          <p:nvPr/>
+        </p:nvSpPr>
+        <p:spPr>
+          <a:xfrm>
+            <a:off x="2660303" y="1806470"/>
+            <a:ext cx="1539926" cy="346760"/>
+          </a:xfrm>
+          <a:prstGeom prst="rect">
+            <a:avLst/>
+          </a:prstGeom>
+          <a:ln w="19050">
+            <a:solidFill>
+              <a:srgbClr val="7030A0"/>
+            </a:solidFill>
+          </a:ln>
+          <a:effectLst/>
+        </p:spPr>
+        <p:style>
+          <a:lnRef idx="1">
+            <a:schemeClr val="accent4"/>
+          </a:lnRef>
+          <a:fillRef idx="2">
+            <a:schemeClr val="accent4"/>
+          </a:fillRef>
+          <a:effectRef idx="1">
+            <a:schemeClr val="accent4"/>
+          </a:effectRef>
+          <a:fontRef idx="minor">
+            <a:schemeClr val="dk1"/>
+          </a:fontRef>
+        </p:style>
+        <p:txBody>
+          <a:bodyPr rtlCol="0" anchor="ctr"/>
+          <a:lstStyle/>
+          <a:p>
+            <a:pPr algn="ctr"/>
+            <a:r>
+              <a:rPr lang="en-US" sz="1050" dirty="0" smtClean="0">
+                <a:solidFill>
+                  <a:srgbClr val="7030A0"/>
+                </a:solidFill>
+              </a:rPr>
+              <a:t>&lt;&lt;interface&gt;&gt;</a:t>
+            </a:r>
+            <a:br>
+              <a:rPr lang="en-US" sz="1050" dirty="0" smtClean="0">
+                <a:solidFill>
+                  <a:srgbClr val="7030A0"/>
+                </a:solidFill>
+              </a:rPr>
+            </a:br>
+            <a:r>
+              <a:rPr lang="en-US" sz="1050" dirty="0" smtClean="0">
+                <a:solidFill>
+                  <a:srgbClr val="7030A0"/>
+                </a:solidFill>
+              </a:rPr>
+              <a:t>ReadOnlyTaskManager</a:t>
+            </a:r>
+            <a:endParaRPr lang="en-SG" sz="1050" dirty="0">
+              <a:solidFill>
+                <a:srgbClr val="7030A0"/>
+              </a:solidFill>
+            </a:endParaRPr>
+          </a:p>
+        </p:txBody>
+      </p:sp>
+      <p:sp>
+        <p:nvSpPr>
+          <p:cNvPr id="114" name="TextBox 113"/>
+          <p:cNvSpPr txBox="1"/>
+          <p:nvPr/>
+        </p:nvSpPr>
+        <p:spPr>
+          <a:xfrm rot="16200000">
+            <a:off x="6050466" y="3583110"/>
+            <a:ext cx="881018" cy="261610"/>
+          </a:xfrm>
+          <a:prstGeom prst="rect">
+            <a:avLst/>
+          </a:prstGeom>
+          <a:noFill/>
+        </p:spPr>
+        <p:txBody>
+          <a:bodyPr wrap="square" rtlCol="0">
+            <a:spAutoFit/>
+          </a:bodyPr>
+          <a:lstStyle/>
+          <a:p>
+            <a:pPr algn="r"/>
+            <a:r>
+              <a:rPr lang="en-US" sz="1100" dirty="0" smtClean="0">
+                <a:solidFill>
+                  <a:srgbClr val="7030A0"/>
+                </a:solidFill>
+              </a:rPr>
+              <a:t>filtered list</a:t>
+            </a:r>
+            <a:endParaRPr lang="en-SG" sz="1100" dirty="0">
+              <a:solidFill>
+                <a:srgbClr val="7030A0"/>
+              </a:solidFill>
+            </a:endParaRPr>
+          </a:p>
+        </p:txBody>
+      </p:sp>
+      <p:sp>
+        <p:nvSpPr>
+          <p:cNvPr id="122" name="Rectangle 8"/>
+          <p:cNvSpPr/>
+          <p:nvPr/>
+        </p:nvSpPr>
+        <p:spPr>
+          <a:xfrm>
+            <a:off x="2057400" y="4239491"/>
+            <a:ext cx="1775949" cy="346760"/>
+          </a:xfrm>
+          <a:prstGeom prst="rect">
+            <a:avLst/>
+          </a:prstGeom>
+          <a:ln w="19050">
+            <a:solidFill>
+              <a:srgbClr val="7030A0"/>
+            </a:solidFill>
+          </a:ln>
+          <a:effectLst/>
+        </p:spPr>
+        <p:style>
+          <a:lnRef idx="1">
+            <a:schemeClr val="accent4"/>
+          </a:lnRef>
+          <a:fillRef idx="2">
+            <a:schemeClr val="accent4"/>
+          </a:fillRef>
+          <a:effectRef idx="1">
+            <a:schemeClr val="accent4"/>
+          </a:effectRef>
+          <a:fontRef idx="minor">
+            <a:schemeClr val="dk1"/>
+          </a:fontRef>
+        </p:style>
+        <p:txBody>
+          <a:bodyPr rtlCol="0" anchor="ctr"/>
+          <a:lstStyle/>
+          <a:p>
+            <a:pPr algn="ctr"/>
+            <a:r>
+              <a:rPr lang="en-US" sz="1050" dirty="0" smtClean="0">
+                <a:solidFill>
+                  <a:srgbClr val="7030A0"/>
+                </a:solidFill>
+              </a:rPr>
+              <a:t>&lt;&lt;interface&gt;&gt;</a:t>
+            </a:r>
+            <a:r>
+              <a:rPr lang="en-US" sz="1050" dirty="0">
+                <a:solidFill>
+                  <a:srgbClr val="7030A0"/>
+                </a:solidFill>
+              </a:rPr>
+              <a:t/>
+            </a:r>
+            <a:br>
+              <a:rPr lang="en-US" sz="1050" dirty="0">
+                <a:solidFill>
+                  <a:srgbClr val="7030A0"/>
+                </a:solidFill>
+              </a:rPr>
+            </a:br>
+            <a:r>
+              <a:rPr lang="en-US" sz="1050" dirty="0" smtClean="0">
+                <a:solidFill>
+                  <a:srgbClr val="7030A0"/>
+                </a:solidFill>
+              </a:rPr>
+              <a:t>UnmodifiableObservableList</a:t>
+            </a:r>
+            <a:endParaRPr lang="en-SG" sz="1050" dirty="0">
+              <a:solidFill>
+                <a:srgbClr val="7030A0"/>
               </a:solidFill>
             </a:endParaRPr>
           </a:p>
@@ -16044,26 +17461,22 @@
         <p:nvCxnSpPr>
           <p:cNvPr id="124" name="Elbow Connector 122"/>
           <p:cNvCxnSpPr>
-            <a:stCxn id="50" idx="3"/>
-            <a:endCxn id="66" idx="1"/>
+            <a:stCxn id="119" idx="1"/>
+            <a:endCxn id="122" idx="1"/>
           </p:cNvCxnSpPr>
           <p:nvPr/>
         </p:nvCxnSpPr>
         <p:spPr>
-          <a:xfrm>
-            <a:off x="5791200" y="3331820"/>
-            <a:ext cx="228600" cy="1970"/>
-          </a:xfrm>
-          <a:prstGeom prst="bentConnector3">
-            <a:avLst>
-              <a:gd name="adj1" fmla="val 50000"/>
-            </a:avLst>
-          </a:prstGeom>
-          <a:ln w="19050">
-            <a:solidFill>
-              <a:schemeClr val="accent6">
-                <a:lumMod val="75000"/>
-              </a:schemeClr>
+          <a:xfrm rot="16200000" flipH="1">
+            <a:off x="1364475" y="3719945"/>
+            <a:ext cx="831471" cy="554380"/>
+          </a:xfrm>
+          <a:prstGeom prst="bentConnector2">
+            <a:avLst/>
+          </a:prstGeom>
+          <a:ln w="19050">
+            <a:solidFill>
+              <a:srgbClr val="7030A0"/>
             </a:solidFill>
             <a:prstDash val="sysDot"/>
             <a:headEnd type="none" w="med" len="med"/>
@@ -16086,287 +17499,25 @@
           </a:fontRef>
         </p:style>
       </p:cxnSp>
-      <p:sp>
-        <p:nvSpPr>
-          <p:cNvPr id="50" name="Rectangle 8"/>
-          <p:cNvSpPr/>
-          <p:nvPr/>
-        </p:nvSpPr>
-        <p:spPr>
-          <a:xfrm>
-            <a:off x="4621365" y="3158440"/>
-            <a:ext cx="1169835" cy="346760"/>
-          </a:xfrm>
-          <a:prstGeom prst="rect">
-            <a:avLst/>
-          </a:prstGeom>
-          <a:ln w="19050"/>
-          <a:effectLst/>
-        </p:spPr>
-        <p:style>
-          <a:lnRef idx="1">
-            <a:schemeClr val="accent6"/>
-          </a:lnRef>
-          <a:fillRef idx="2">
-            <a:schemeClr val="accent6"/>
-          </a:fillRef>
-          <a:effectRef idx="1">
-            <a:schemeClr val="accent6"/>
-          </a:effectRef>
-          <a:fontRef idx="minor">
-            <a:schemeClr val="dk1"/>
-          </a:fontRef>
-        </p:style>
-        <p:txBody>
-          <a:bodyPr rtlCol="0" anchor="ctr"/>
-          <a:lstStyle/>
-          <a:p>
-            <a:pPr algn="ctr"/>
-            <a:r>
-              <a:rPr lang="en-US" sz="1050" b="1" dirty="0" err="1" smtClean="0">
-                <a:solidFill>
-                  <a:schemeClr val="accent6">
-                    <a:lumMod val="75000"/>
-                  </a:schemeClr>
-                </a:solidFill>
-              </a:rPr>
-              <a:t>XmlAddressBook</a:t>
-            </a:r>
-            <a:r>
-              <a:rPr lang="en-US" sz="1050" b="1" dirty="0" smtClean="0">
-                <a:solidFill>
-                  <a:schemeClr val="accent6">
-                    <a:lumMod val="75000"/>
-                  </a:schemeClr>
-                </a:solidFill>
-              </a:rPr>
-              <a:t/>
-            </a:r>
-            <a:br>
-              <a:rPr lang="en-US" sz="1050" b="1" dirty="0" smtClean="0">
-                <a:solidFill>
-                  <a:schemeClr val="accent6">
-                    <a:lumMod val="75000"/>
-                  </a:schemeClr>
-                </a:solidFill>
-              </a:rPr>
-            </a:br>
-            <a:r>
-              <a:rPr lang="en-US" sz="1050" b="1" dirty="0" smtClean="0">
-                <a:solidFill>
-                  <a:schemeClr val="accent6">
-                    <a:lumMod val="75000"/>
-                  </a:schemeClr>
-                </a:solidFill>
-              </a:rPr>
-              <a:t>Storage</a:t>
-            </a:r>
-            <a:endParaRPr lang="en-SG" sz="1050" b="1" dirty="0">
-              <a:solidFill>
-                <a:schemeClr val="accent6">
-                  <a:lumMod val="75000"/>
-                </a:schemeClr>
-              </a:solidFill>
-            </a:endParaRPr>
-          </a:p>
-        </p:txBody>
-      </p:sp>
-      <p:sp>
-        <p:nvSpPr>
-          <p:cNvPr id="52" name="Rectangle 8"/>
-          <p:cNvSpPr/>
-          <p:nvPr/>
-        </p:nvSpPr>
-        <p:spPr>
-          <a:xfrm>
-            <a:off x="2873943" y="2558040"/>
-            <a:ext cx="1323049" cy="346760"/>
-          </a:xfrm>
-          <a:prstGeom prst="rect">
-            <a:avLst/>
-          </a:prstGeom>
-          <a:solidFill>
-            <a:schemeClr val="accent6">
-              <a:lumMod val="75000"/>
-            </a:schemeClr>
-          </a:solidFill>
-          <a:ln w="19050">
-            <a:solidFill>
-              <a:schemeClr val="accent6">
-                <a:lumMod val="75000"/>
-              </a:schemeClr>
-            </a:solidFill>
-          </a:ln>
-          <a:effectLst/>
-        </p:spPr>
-        <p:style>
-          <a:lnRef idx="1">
-            <a:schemeClr val="accent2"/>
-          </a:lnRef>
-          <a:fillRef idx="2">
-            <a:schemeClr val="accent2"/>
-          </a:fillRef>
-          <a:effectRef idx="1">
-            <a:schemeClr val="accent2"/>
-          </a:effectRef>
-          <a:fontRef idx="minor">
-            <a:schemeClr val="dk1"/>
-          </a:fontRef>
-        </p:style>
-        <p:txBody>
-          <a:bodyPr rtlCol="0" anchor="ctr"/>
-          <a:lstStyle/>
-          <a:p>
-            <a:pPr algn="ctr"/>
-            <a:r>
-              <a:rPr lang="en-US" sz="1050" dirty="0" smtClean="0">
-                <a:solidFill>
-                  <a:schemeClr val="bg1"/>
-                </a:solidFill>
-              </a:rPr>
-              <a:t>&lt;&lt;interface&gt;&gt;</a:t>
-            </a:r>
-            <a:br>
-              <a:rPr lang="en-US" sz="1050" dirty="0" smtClean="0">
-                <a:solidFill>
-                  <a:schemeClr val="bg1"/>
-                </a:solidFill>
-              </a:rPr>
-            </a:br>
-            <a:r>
-              <a:rPr lang="en-US" sz="1050" dirty="0" err="1" smtClean="0">
-                <a:solidFill>
-                  <a:schemeClr val="bg1"/>
-                </a:solidFill>
-              </a:rPr>
-              <a:t>UserPrefsStorage</a:t>
-            </a:r>
-            <a:endParaRPr lang="en-SG" sz="1050" dirty="0">
-              <a:solidFill>
-                <a:schemeClr val="bg1"/>
-              </a:solidFill>
-            </a:endParaRPr>
-          </a:p>
-        </p:txBody>
-      </p:sp>
       <p:cxnSp>
         <p:nvCxnSpPr>
-          <p:cNvPr id="54" name="Straight Arrow Connector 53"/>
-          <p:cNvCxnSpPr>
-            <a:stCxn id="56" idx="3"/>
-            <a:endCxn id="52" idx="1"/>
-          </p:cNvCxnSpPr>
+          <p:cNvPr id="52" name="Elbow Connector 63"/>
+          <p:cNvCxnSpPr/>
           <p:nvPr/>
         </p:nvCxnSpPr>
         <p:spPr>
-          <a:xfrm>
-            <a:off x="2653133" y="2726136"/>
-            <a:ext cx="220810" cy="5284"/>
-          </a:xfrm>
-          <a:prstGeom prst="straightConnector1">
-            <a:avLst/>
-          </a:prstGeom>
-          <a:ln w="19050">
-            <a:solidFill>
-              <a:schemeClr val="accent6">
-                <a:lumMod val="75000"/>
-              </a:schemeClr>
-            </a:solidFill>
-            <a:headEnd type="none" w="med" len="med"/>
-            <a:tailEnd type="arrow" w="med" len="med"/>
-          </a:ln>
-          <a:effectLst/>
-        </p:spPr>
-        <p:style>
-          <a:lnRef idx="1">
-            <a:schemeClr val="accent2"/>
-          </a:lnRef>
-          <a:fillRef idx="2">
-            <a:schemeClr val="accent2"/>
-          </a:fillRef>
-          <a:effectRef idx="1">
-            <a:schemeClr val="accent2"/>
-          </a:effectRef>
-          <a:fontRef idx="minor">
-            <a:schemeClr val="dk1"/>
-          </a:fontRef>
-        </p:style>
-      </p:cxnSp>
-      <p:sp>
-        <p:nvSpPr>
-          <p:cNvPr id="56" name="Flowchart: Decision 96"/>
-          <p:cNvSpPr/>
-          <p:nvPr/>
-        </p:nvSpPr>
-        <p:spPr>
-          <a:xfrm>
-            <a:off x="2417085" y="2639446"/>
-            <a:ext cx="236048" cy="173380"/>
-          </a:xfrm>
-          <a:prstGeom prst="flowChartDecision">
-            <a:avLst/>
-          </a:prstGeom>
-          <a:noFill/>
-          <a:ln w="19050">
-            <a:solidFill>
-              <a:schemeClr val="accent6">
-                <a:lumMod val="75000"/>
-              </a:schemeClr>
-            </a:solidFill>
-          </a:ln>
-          <a:effectLst/>
-        </p:spPr>
-        <p:style>
-          <a:lnRef idx="1">
-            <a:schemeClr val="accent2"/>
-          </a:lnRef>
-          <a:fillRef idx="2">
-            <a:schemeClr val="accent2"/>
-          </a:fillRef>
-          <a:effectRef idx="1">
-            <a:schemeClr val="accent2"/>
-          </a:effectRef>
-          <a:fontRef idx="minor">
-            <a:schemeClr val="dk1"/>
-          </a:fontRef>
-        </p:style>
-        <p:txBody>
-          <a:bodyPr rtlCol="0" anchor="ctr"/>
-          <a:lstStyle/>
-          <a:p>
-            <a:pPr algn="ctr"/>
-            <a:endParaRPr lang="en-US" sz="1050">
-              <a:solidFill>
-                <a:schemeClr val="bg1"/>
-              </a:solidFill>
-            </a:endParaRPr>
-          </a:p>
-        </p:txBody>
-      </p:sp>
-      <p:cxnSp>
-        <p:nvCxnSpPr>
-          <p:cNvPr id="60" name="Elbow Connector 63"/>
-          <p:cNvCxnSpPr>
-            <a:stCxn id="61" idx="3"/>
-            <a:endCxn id="65" idx="1"/>
-          </p:cNvCxnSpPr>
-          <p:nvPr/>
-        </p:nvCxnSpPr>
-        <p:spPr>
           <a:xfrm flipV="1">
-            <a:off x="4394804" y="2731420"/>
-            <a:ext cx="223324" cy="1"/>
+            <a:off x="6019799" y="3097392"/>
+            <a:ext cx="290769" cy="48378"/>
           </a:xfrm>
           <a:prstGeom prst="bentConnector3">
             <a:avLst>
-              <a:gd name="adj1" fmla="val 50000"/>
+              <a:gd name="adj1" fmla="val -774"/>
             </a:avLst>
           </a:prstGeom>
           <a:ln w="19050">
             <a:solidFill>
-              <a:schemeClr val="accent6">
-                <a:lumMod val="75000"/>
-              </a:schemeClr>
+              <a:srgbClr val="7030A0"/>
             </a:solidFill>
             <a:prstDash val="sysDot"/>
             <a:headEnd type="none" w="med" len="med"/>
@@ -16389,43 +17540,72 @@
           </a:fontRef>
         </p:style>
       </p:cxnSp>
-      <p:sp>
-        <p:nvSpPr>
-          <p:cNvPr id="61" name="Isosceles Triangle 102"/>
+      <p:cxnSp>
+        <p:nvCxnSpPr>
+          <p:cNvPr id="35" name="Straight Arrow Connector 34"/>
+          <p:cNvCxnSpPr/>
+          <p:nvPr/>
+        </p:nvCxnSpPr>
+        <p:spPr>
+          <a:xfrm flipV="1">
+            <a:off x="6400800" y="3204826"/>
+            <a:ext cx="0" cy="757574"/>
+          </a:xfrm>
+          <a:prstGeom prst="straightConnector1">
+            <a:avLst/>
+          </a:prstGeom>
+          <a:ln w="19050">
+            <a:solidFill>
+              <a:srgbClr val="7030A0"/>
+            </a:solidFill>
+            <a:tailEnd type="arrow"/>
+          </a:ln>
+        </p:spPr>
+        <p:style>
+          <a:lnRef idx="1">
+            <a:schemeClr val="accent4"/>
+          </a:lnRef>
+          <a:fillRef idx="0">
+            <a:schemeClr val="accent4"/>
+          </a:fillRef>
+          <a:effectRef idx="0">
+            <a:schemeClr val="accent4"/>
+          </a:effectRef>
+          <a:fontRef idx="minor">
+            <a:schemeClr val="tx1"/>
+          </a:fontRef>
+        </p:style>
+      </p:cxnSp>
+      <p:sp>
+        <p:nvSpPr>
+          <p:cNvPr id="82" name="Rectangle 8"/>
           <p:cNvSpPr/>
           <p:nvPr/>
         </p:nvSpPr>
         <p:spPr>
-          <a:xfrm rot="5400000" flipV="1">
-            <a:off x="4171790" y="2643659"/>
-            <a:ext cx="270504" cy="175523"/>
-          </a:xfrm>
-          <a:prstGeom prst="triangle">
-            <a:avLst/>
-          </a:prstGeom>
-          <a:solidFill>
-            <a:schemeClr val="accent6">
-              <a:lumMod val="75000"/>
-            </a:schemeClr>
-          </a:solidFill>
-          <a:ln w="19050">
-            <a:solidFill>
-              <a:schemeClr val="accent6">
-                <a:lumMod val="75000"/>
-              </a:schemeClr>
-            </a:solidFill>
-          </a:ln>
-          <a:effectLst/>
-        </p:spPr>
-        <p:style>
-          <a:lnRef idx="1">
-            <a:schemeClr val="accent2"/>
-          </a:lnRef>
-          <a:fillRef idx="2">
-            <a:schemeClr val="accent2"/>
-          </a:fillRef>
-          <a:effectRef idx="1">
-            <a:schemeClr val="accent2"/>
+          <a:xfrm>
+            <a:off x="7712397" y="3868641"/>
+            <a:ext cx="822002" cy="285783"/>
+          </a:xfrm>
+          <a:prstGeom prst="rect">
+            <a:avLst/>
+          </a:prstGeom>
+          <a:ln w="19050">
+            <a:solidFill>
+              <a:srgbClr val="7030A0"/>
+            </a:solidFill>
+          </a:ln>
+          <a:effectLst/>
+        </p:spPr>
+        <p:style>
+          <a:lnRef idx="1">
+            <a:schemeClr val="accent4"/>
+          </a:lnRef>
+          <a:fillRef idx="2">
+            <a:schemeClr val="accent4"/>
+          </a:fillRef>
+          <a:effectRef idx="1">
+            <a:schemeClr val="accent4"/>
           </a:effectRef>
           <a:fontRef idx="minor">
             <a:schemeClr val="dk1"/>
@@ -16436,51 +17616,92 @@
           <a:lstStyle/>
           <a:p>
             <a:pPr algn="ctr"/>
-            <a:endParaRPr lang="en-SG" sz="1050">
+            <a:r>
+              <a:rPr lang="en-US" sz="1050" dirty="0" smtClean="0">
+                <a:solidFill>
+                  <a:srgbClr val="7030A0"/>
+                </a:solidFill>
+              </a:rPr>
+              <a:t>TaskStatus</a:t>
+            </a:r>
+            <a:endParaRPr lang="en-SG" sz="1050" dirty="0">
               <a:solidFill>
-                <a:schemeClr val="bg1"/>
+                <a:srgbClr val="7030A0"/>
               </a:solidFill>
             </a:endParaRPr>
           </a:p>
         </p:txBody>
       </p:sp>
-      <p:sp>
-        <p:nvSpPr>
-          <p:cNvPr id="65" name="Rectangle 8"/>
+      <p:cxnSp>
+        <p:nvCxnSpPr>
+          <p:cNvPr id="87" name="Elbow Connector 86"/>
+          <p:cNvCxnSpPr/>
+          <p:nvPr/>
+        </p:nvCxnSpPr>
+        <p:spPr>
+          <a:xfrm rot="16200000" flipH="1">
+            <a:off x="7403354" y="3702488"/>
+            <a:ext cx="400884" cy="217200"/>
+          </a:xfrm>
+          <a:prstGeom prst="bentConnector3">
+            <a:avLst>
+              <a:gd name="adj1" fmla="val 99896"/>
+            </a:avLst>
+          </a:prstGeom>
+          <a:ln w="19050">
+            <a:solidFill>
+              <a:srgbClr val="7030A0"/>
+            </a:solidFill>
+            <a:headEnd type="none" w="med" len="med"/>
+            <a:tailEnd type="arrow" w="med" len="med"/>
+          </a:ln>
+          <a:effectLst/>
+        </p:spPr>
+        <p:style>
+          <a:lnRef idx="1">
+            <a:schemeClr val="accent2"/>
+          </a:lnRef>
+          <a:fillRef idx="2">
+            <a:schemeClr val="accent2"/>
+          </a:fillRef>
+          <a:effectRef idx="1">
+            <a:schemeClr val="accent2"/>
+          </a:effectRef>
+          <a:fontRef idx="minor">
+            <a:schemeClr val="dk1"/>
+          </a:fontRef>
+        </p:style>
+      </p:cxnSp>
+      <p:sp>
+        <p:nvSpPr>
+          <p:cNvPr id="93" name="Isosceles Triangle 102"/>
           <p:cNvSpPr/>
           <p:nvPr/>
         </p:nvSpPr>
         <p:spPr>
-          <a:xfrm>
-            <a:off x="4618128" y="2558040"/>
-            <a:ext cx="1093635" cy="346760"/>
-          </a:xfrm>
-          <a:prstGeom prst="rect">
-            <a:avLst/>
-          </a:prstGeom>
-          <a:solidFill>
-            <a:schemeClr val="accent6">
-              <a:lumMod val="75000"/>
-            </a:schemeClr>
-          </a:solidFill>
-          <a:ln w="19050">
-            <a:solidFill>
-              <a:schemeClr val="accent6">
-                <a:lumMod val="75000"/>
-              </a:schemeClr>
-            </a:solidFill>
-          </a:ln>
-          <a:effectLst/>
-        </p:spPr>
-        <p:style>
-          <a:lnRef idx="1">
-            <a:schemeClr val="accent2"/>
-          </a:lnRef>
-          <a:fillRef idx="2">
-            <a:schemeClr val="accent2"/>
-          </a:fillRef>
-          <a:effectRef idx="1">
-            <a:schemeClr val="accent2"/>
+          <a:xfrm rot="10800000" flipV="1">
+            <a:off x="6550797" y="3212305"/>
+            <a:ext cx="270504" cy="175523"/>
+          </a:xfrm>
+          <a:prstGeom prst="triangle">
+            <a:avLst/>
+          </a:prstGeom>
+          <a:ln w="19050">
+            <a:solidFill>
+              <a:srgbClr val="7030A0"/>
+            </a:solidFill>
+          </a:ln>
+          <a:effectLst/>
+        </p:spPr>
+        <p:style>
+          <a:lnRef idx="1">
+            <a:schemeClr val="accent4"/>
+          </a:lnRef>
+          <a:fillRef idx="2">
+            <a:schemeClr val="accent4"/>
+          </a:fillRef>
+          <a:effectRef idx="1">
+            <a:schemeClr val="accent4"/>
           </a:effectRef>
           <a:fontRef idx="minor">
             <a:schemeClr val="dk1"/>
@@ -16491,328 +17712,252 @@
           <a:lstStyle/>
           <a:p>
             <a:pPr algn="ctr"/>
-            <a:r>
-              <a:rPr lang="en-US" sz="1050" dirty="0" err="1" smtClean="0">
+            <a:endParaRPr lang="en-SG" sz="1050" b="1" dirty="0">
+              <a:solidFill>
+                <a:srgbClr val="92D050"/>
+              </a:solidFill>
+            </a:endParaRPr>
+          </a:p>
+        </p:txBody>
+      </p:sp>
+      <p:sp>
+        <p:nvSpPr>
+          <p:cNvPr id="94" name="Isosceles Triangle 102"/>
+          <p:cNvSpPr/>
+          <p:nvPr/>
+        </p:nvSpPr>
+        <p:spPr>
+          <a:xfrm rot="10800000" flipV="1">
+            <a:off x="6849438" y="3214686"/>
+            <a:ext cx="270504" cy="175523"/>
+          </a:xfrm>
+          <a:prstGeom prst="triangle">
+            <a:avLst/>
+          </a:prstGeom>
+          <a:ln w="19050">
+            <a:solidFill>
+              <a:srgbClr val="7030A0"/>
+            </a:solidFill>
+          </a:ln>
+          <a:effectLst/>
+        </p:spPr>
+        <p:style>
+          <a:lnRef idx="1">
+            <a:schemeClr val="accent4"/>
+          </a:lnRef>
+          <a:fillRef idx="2">
+            <a:schemeClr val="accent4"/>
+          </a:fillRef>
+          <a:effectRef idx="1">
+            <a:schemeClr val="accent4"/>
+          </a:effectRef>
+          <a:fontRef idx="minor">
+            <a:schemeClr val="dk1"/>
+          </a:fontRef>
+        </p:style>
+        <p:txBody>
+          <a:bodyPr rtlCol="0" anchor="ctr"/>
+          <a:lstStyle/>
+          <a:p>
+            <a:pPr algn="ctr"/>
+            <a:endParaRPr lang="en-SG" sz="1050" b="1" dirty="0">
+              <a:solidFill>
+                <a:srgbClr val="92D050"/>
+              </a:solidFill>
+            </a:endParaRPr>
+          </a:p>
+        </p:txBody>
+      </p:sp>
+      <p:cxnSp>
+        <p:nvCxnSpPr>
+          <p:cNvPr id="95" name="Straight Arrow Connector 94"/>
+          <p:cNvCxnSpPr/>
+          <p:nvPr/>
+        </p:nvCxnSpPr>
+        <p:spPr>
+          <a:xfrm flipV="1">
+            <a:off x="6688933" y="3396850"/>
+            <a:ext cx="0" cy="873128"/>
+          </a:xfrm>
+          <a:prstGeom prst="straightConnector1">
+            <a:avLst/>
+          </a:prstGeom>
+          <a:ln w="19050">
+            <a:solidFill>
+              <a:srgbClr val="7030A0"/>
+            </a:solidFill>
+            <a:headEnd type="none" w="med" len="med"/>
+            <a:tailEnd type="none" w="med" len="med"/>
+          </a:ln>
+        </p:spPr>
+        <p:style>
+          <a:lnRef idx="1">
+            <a:schemeClr val="accent4"/>
+          </a:lnRef>
+          <a:fillRef idx="0">
+            <a:schemeClr val="accent4"/>
+          </a:fillRef>
+          <a:effectRef idx="0">
+            <a:schemeClr val="accent4"/>
+          </a:effectRef>
+          <a:fontRef idx="minor">
+            <a:schemeClr val="tx1"/>
+          </a:fontRef>
+        </p:style>
+      </p:cxnSp>
+      <p:cxnSp>
+        <p:nvCxnSpPr>
+          <p:cNvPr id="96" name="Straight Arrow Connector 95"/>
+          <p:cNvCxnSpPr/>
+          <p:nvPr/>
+        </p:nvCxnSpPr>
+        <p:spPr>
+          <a:xfrm flipV="1">
+            <a:off x="6984690" y="3387828"/>
+            <a:ext cx="0" cy="882150"/>
+          </a:xfrm>
+          <a:prstGeom prst="straightConnector1">
+            <a:avLst/>
+          </a:prstGeom>
+          <a:ln w="19050">
+            <a:solidFill>
+              <a:srgbClr val="7030A0"/>
+            </a:solidFill>
+            <a:headEnd type="none" w="med" len="med"/>
+            <a:tailEnd type="none" w="med" len="med"/>
+          </a:ln>
+        </p:spPr>
+        <p:style>
+          <a:lnRef idx="1">
+            <a:schemeClr val="accent4"/>
+          </a:lnRef>
+          <a:fillRef idx="0">
+            <a:schemeClr val="accent4"/>
+          </a:fillRef>
+          <a:effectRef idx="0">
+            <a:schemeClr val="accent4"/>
+          </a:effectRef>
+          <a:fontRef idx="minor">
+            <a:schemeClr val="tx1"/>
+          </a:fontRef>
+        </p:style>
+      </p:cxnSp>
+      <p:sp>
+        <p:nvSpPr>
+          <p:cNvPr id="98" name="Rectangle 8"/>
+          <p:cNvSpPr/>
+          <p:nvPr/>
+        </p:nvSpPr>
+        <p:spPr>
+          <a:xfrm>
+            <a:off x="5927400" y="4269978"/>
+            <a:ext cx="939801" cy="285783"/>
+          </a:xfrm>
+          <a:prstGeom prst="rect">
+            <a:avLst/>
+          </a:prstGeom>
+          <a:ln w="19050">
+            <a:solidFill>
+              <a:srgbClr val="7030A0"/>
+            </a:solidFill>
+          </a:ln>
+          <a:effectLst/>
+        </p:spPr>
+        <p:style>
+          <a:lnRef idx="1">
+            <a:schemeClr val="accent4"/>
+          </a:lnRef>
+          <a:fillRef idx="2">
+            <a:schemeClr val="accent4"/>
+          </a:fillRef>
+          <a:effectRef idx="1">
+            <a:schemeClr val="accent4"/>
+          </a:effectRef>
+          <a:fontRef idx="minor">
+            <a:schemeClr val="dk1"/>
+          </a:fontRef>
+        </p:style>
+        <p:txBody>
+          <a:bodyPr rtlCol="0" anchor="ctr"/>
+          <a:lstStyle/>
+          <a:p>
+            <a:pPr algn="ctr"/>
+            <a:r>
+              <a:rPr lang="en-US" sz="1050" dirty="0" smtClean="0">
                 <a:solidFill>
-                  <a:schemeClr val="bg1"/>
+                  <a:srgbClr val="7030A0"/>
                 </a:solidFill>
               </a:rPr>
-              <a:t>JsonUserPrefs</a:t>
-            </a:r>
+              <a:t>FloatingTask</a:t>
+            </a:r>
+            <a:endParaRPr lang="en-SG" sz="1050" dirty="0">
+              <a:solidFill>
+                <a:srgbClr val="7030A0"/>
+              </a:solidFill>
+            </a:endParaRPr>
+          </a:p>
+        </p:txBody>
+      </p:sp>
+      <p:sp>
+        <p:nvSpPr>
+          <p:cNvPr id="101" name="Rectangle 8"/>
+          <p:cNvSpPr/>
+          <p:nvPr/>
+        </p:nvSpPr>
+        <p:spPr>
+          <a:xfrm>
+            <a:off x="6934200" y="4269979"/>
+            <a:ext cx="914400" cy="285783"/>
+          </a:xfrm>
+          <a:prstGeom prst="rect">
+            <a:avLst/>
+          </a:prstGeom>
+          <a:ln w="19050">
+            <a:solidFill>
+              <a:srgbClr val="7030A0"/>
+            </a:solidFill>
+          </a:ln>
+          <a:effectLst/>
+        </p:spPr>
+        <p:style>
+          <a:lnRef idx="1">
+            <a:schemeClr val="accent4"/>
+          </a:lnRef>
+          <a:fillRef idx="2">
+            <a:schemeClr val="accent4"/>
+          </a:fillRef>
+          <a:effectRef idx="1">
+            <a:schemeClr val="accent4"/>
+          </a:effectRef>
+          <a:fontRef idx="minor">
+            <a:schemeClr val="dk1"/>
+          </a:fontRef>
+        </p:style>
+        <p:txBody>
+          <a:bodyPr rtlCol="0" anchor="ctr"/>
+          <a:lstStyle/>
+          <a:p>
+            <a:pPr algn="ctr"/>
             <a:r>
               <a:rPr lang="en-US" sz="1050" dirty="0" smtClean="0">
                 <a:solidFill>
-                  <a:schemeClr val="bg1"/>
+                  <a:srgbClr val="7030A0"/>
                 </a:solidFill>
               </a:rPr>
-              <a:t/>
-            </a:r>
-            <a:br>
-              <a:rPr lang="en-US" sz="1050" dirty="0" smtClean="0">
-                <a:solidFill>
-                  <a:schemeClr val="bg1"/>
-                </a:solidFill>
-              </a:rPr>
-            </a:br>
-            <a:r>
-              <a:rPr lang="en-US" sz="1050" dirty="0" smtClean="0">
-                <a:solidFill>
-                  <a:schemeClr val="bg1"/>
-                </a:solidFill>
-              </a:rPr>
-              <a:t>Storage</a:t>
+              <a:t>EventTask</a:t>
             </a:r>
             <a:endParaRPr lang="en-SG" sz="1050" dirty="0">
               <a:solidFill>
-                <a:schemeClr val="bg1"/>
+                <a:srgbClr val="7030A0"/>
               </a:solidFill>
             </a:endParaRPr>
           </a:p>
         </p:txBody>
       </p:sp>
-      <p:sp>
-        <p:nvSpPr>
-          <p:cNvPr id="66" name="Rectangle 8"/>
-          <p:cNvSpPr/>
-          <p:nvPr/>
-        </p:nvSpPr>
-        <p:spPr>
-          <a:xfrm>
-            <a:off x="6019800" y="3160410"/>
-            <a:ext cx="1200707" cy="346760"/>
-          </a:xfrm>
-          <a:prstGeom prst="rect">
-            <a:avLst/>
-          </a:prstGeom>
-          <a:ln w="19050"/>
-          <a:effectLst/>
-        </p:spPr>
-        <p:style>
-          <a:lnRef idx="1">
-            <a:schemeClr val="accent6"/>
-          </a:lnRef>
-          <a:fillRef idx="2">
-            <a:schemeClr val="accent6"/>
-          </a:fillRef>
-          <a:effectRef idx="1">
-            <a:schemeClr val="accent6"/>
-          </a:effectRef>
-          <a:fontRef idx="minor">
-            <a:schemeClr val="dk1"/>
-          </a:fontRef>
-        </p:style>
-        <p:txBody>
-          <a:bodyPr rtlCol="0" anchor="ctr"/>
-          <a:lstStyle/>
-          <a:p>
-            <a:pPr algn="ctr"/>
-            <a:r>
-              <a:rPr lang="en-US" sz="1050" b="1" dirty="0" err="1" smtClean="0">
-                <a:solidFill>
-                  <a:schemeClr val="accent6">
-                    <a:lumMod val="75000"/>
-                  </a:schemeClr>
-                </a:solidFill>
-              </a:rPr>
-              <a:t>XmlSerializable</a:t>
-            </a:r>
-            <a:r>
-              <a:rPr lang="en-US" sz="1050" b="1" dirty="0" smtClean="0">
-                <a:solidFill>
-                  <a:schemeClr val="accent6">
-                    <a:lumMod val="75000"/>
-                  </a:schemeClr>
-                </a:solidFill>
-              </a:rPr>
-              <a:t/>
-            </a:r>
-            <a:br>
-              <a:rPr lang="en-US" sz="1050" b="1" dirty="0" smtClean="0">
-                <a:solidFill>
-                  <a:schemeClr val="accent6">
-                    <a:lumMod val="75000"/>
-                  </a:schemeClr>
-                </a:solidFill>
-              </a:rPr>
-            </a:br>
-            <a:r>
-              <a:rPr lang="en-US" sz="1050" b="1" dirty="0" err="1" smtClean="0">
-                <a:solidFill>
-                  <a:schemeClr val="accent6">
-                    <a:lumMod val="75000"/>
-                  </a:schemeClr>
-                </a:solidFill>
-              </a:rPr>
-              <a:t>AddressBook</a:t>
-            </a:r>
-            <a:endParaRPr lang="en-SG" sz="1050" b="1" dirty="0">
-              <a:solidFill>
-                <a:schemeClr val="accent6">
-                  <a:lumMod val="75000"/>
-                </a:schemeClr>
-              </a:solidFill>
-            </a:endParaRPr>
-          </a:p>
-        </p:txBody>
-      </p:sp>
-      <p:cxnSp>
-        <p:nvCxnSpPr>
-          <p:cNvPr id="70" name="Elbow Connector 122"/>
-          <p:cNvCxnSpPr>
-            <a:stCxn id="74" idx="0"/>
-            <a:endCxn id="73" idx="2"/>
-          </p:cNvCxnSpPr>
-          <p:nvPr/>
-        </p:nvCxnSpPr>
-        <p:spPr>
-          <a:xfrm rot="5400000" flipH="1" flipV="1">
-            <a:off x="8077993" y="2992020"/>
-            <a:ext cx="335208" cy="12700"/>
-          </a:xfrm>
-          <a:prstGeom prst="bentConnector3">
-            <a:avLst>
-              <a:gd name="adj1" fmla="val 50000"/>
-            </a:avLst>
-          </a:prstGeom>
-          <a:ln w="19050">
-            <a:prstDash val="sysDot"/>
-            <a:headEnd type="none" w="med" len="med"/>
-            <a:tailEnd type="arrow" w="med" len="med"/>
-          </a:ln>
-          <a:effectLst/>
-        </p:spPr>
-        <p:style>
-          <a:lnRef idx="1">
-            <a:schemeClr val="accent6"/>
-          </a:lnRef>
-          <a:fillRef idx="2">
-            <a:schemeClr val="accent6"/>
-          </a:fillRef>
-          <a:effectRef idx="1">
-            <a:schemeClr val="accent6"/>
-          </a:effectRef>
-          <a:fontRef idx="minor">
-            <a:schemeClr val="dk1"/>
-          </a:fontRef>
-        </p:style>
-      </p:cxnSp>
-      <p:sp>
-        <p:nvSpPr>
-          <p:cNvPr id="73" name="Rectangle 8"/>
-          <p:cNvSpPr/>
-          <p:nvPr/>
-        </p:nvSpPr>
-        <p:spPr>
-          <a:xfrm>
-            <a:off x="7615738" y="2477656"/>
-            <a:ext cx="1259718" cy="346760"/>
-          </a:xfrm>
-          <a:prstGeom prst="rect">
-            <a:avLst/>
-          </a:prstGeom>
-          <a:ln w="19050"/>
-          <a:effectLst/>
-        </p:spPr>
-        <p:style>
-          <a:lnRef idx="1">
-            <a:schemeClr val="accent6"/>
-          </a:lnRef>
-          <a:fillRef idx="2">
-            <a:schemeClr val="accent6"/>
-          </a:fillRef>
-          <a:effectRef idx="1">
-            <a:schemeClr val="accent6"/>
-          </a:effectRef>
-          <a:fontRef idx="minor">
-            <a:schemeClr val="dk1"/>
-          </a:fontRef>
-        </p:style>
-        <p:txBody>
-          <a:bodyPr rtlCol="0" anchor="ctr"/>
-          <a:lstStyle/>
-          <a:p>
-            <a:pPr algn="ctr"/>
-            <a:r>
-              <a:rPr lang="en-US" sz="1050" b="1" dirty="0" err="1" smtClean="0">
-                <a:solidFill>
-                  <a:schemeClr val="accent6">
-                    <a:lumMod val="75000"/>
-                  </a:schemeClr>
-                </a:solidFill>
-              </a:rPr>
-              <a:t>XmlAdaptedTag</a:t>
-            </a:r>
-            <a:endParaRPr lang="en-SG" sz="1050" b="1" dirty="0">
-              <a:solidFill>
-                <a:schemeClr val="accent6">
-                  <a:lumMod val="75000"/>
-                </a:schemeClr>
-              </a:solidFill>
-            </a:endParaRPr>
-          </a:p>
-        </p:txBody>
-      </p:sp>
-      <p:sp>
-        <p:nvSpPr>
-          <p:cNvPr id="74" name="Rectangle 8"/>
-          <p:cNvSpPr/>
-          <p:nvPr/>
-        </p:nvSpPr>
-        <p:spPr>
-          <a:xfrm>
-            <a:off x="7615738" y="3159624"/>
-            <a:ext cx="1259718" cy="346760"/>
-          </a:xfrm>
-          <a:prstGeom prst="rect">
-            <a:avLst/>
-          </a:prstGeom>
-          <a:ln w="19050"/>
-          <a:effectLst/>
-        </p:spPr>
-        <p:style>
-          <a:lnRef idx="1">
-            <a:schemeClr val="accent6"/>
-          </a:lnRef>
-          <a:fillRef idx="2">
-            <a:schemeClr val="accent6"/>
-          </a:fillRef>
-          <a:effectRef idx="1">
-            <a:schemeClr val="accent6"/>
-          </a:effectRef>
-          <a:fontRef idx="minor">
-            <a:schemeClr val="dk1"/>
-          </a:fontRef>
-        </p:style>
-        <p:txBody>
-          <a:bodyPr rtlCol="0" anchor="ctr"/>
-          <a:lstStyle/>
-          <a:p>
-            <a:pPr algn="ctr"/>
-            <a:r>
-              <a:rPr lang="en-US" sz="1050" b="1" dirty="0" err="1" smtClean="0">
-                <a:solidFill>
-                  <a:schemeClr val="accent6">
-                    <a:lumMod val="75000"/>
-                  </a:schemeClr>
-                </a:solidFill>
-              </a:rPr>
-              <a:t>XmlAdaptedPerson</a:t>
-            </a:r>
-            <a:endParaRPr lang="en-SG" sz="1050" b="1" dirty="0">
-              <a:solidFill>
-                <a:schemeClr val="accent6">
-                  <a:lumMod val="75000"/>
-                </a:schemeClr>
-              </a:solidFill>
-            </a:endParaRPr>
-          </a:p>
-        </p:txBody>
-      </p:sp>
-      <p:cxnSp>
-        <p:nvCxnSpPr>
-          <p:cNvPr id="77" name="Elbow Connector 122"/>
-          <p:cNvCxnSpPr>
-            <a:stCxn id="66" idx="3"/>
-            <a:endCxn id="74" idx="1"/>
-          </p:cNvCxnSpPr>
-          <p:nvPr/>
-        </p:nvCxnSpPr>
-        <p:spPr>
-          <a:xfrm flipV="1">
-            <a:off x="7220507" y="3333004"/>
-            <a:ext cx="395231" cy="786"/>
-          </a:xfrm>
-          <a:prstGeom prst="bentConnector3">
-            <a:avLst>
-              <a:gd name="adj1" fmla="val 50000"/>
-            </a:avLst>
-          </a:prstGeom>
-          <a:ln w="19050">
-            <a:prstDash val="sysDot"/>
-            <a:headEnd type="none" w="med" len="med"/>
-            <a:tailEnd type="arrow" w="med" len="med"/>
-          </a:ln>
-          <a:effectLst/>
-        </p:spPr>
-        <p:style>
-          <a:lnRef idx="1">
-            <a:schemeClr val="accent6"/>
-          </a:lnRef>
-          <a:fillRef idx="2">
-            <a:schemeClr val="accent6"/>
-          </a:fillRef>
-          <a:effectRef idx="1">
-            <a:schemeClr val="accent6"/>
-          </a:effectRef>
-          <a:fontRef idx="minor">
-            <a:schemeClr val="dk1"/>
-          </a:fontRef>
-        </p:style>
-      </p:cxnSp>
     </p:spTree>
     <p:extLst>
       <p:ext uri="{BB962C8B-B14F-4D97-AF65-F5344CB8AC3E}">
-        <p14:creationId xmlns:p14="http://schemas.microsoft.com/office/powerpoint/2010/main" val="1478832369"/>
+        <p14:creationId xmlns:p14="http://schemas.microsoft.com/office/powerpoint/2010/main" val="2396968029"/>
       </p:ext>
     </p:extLst>
   </p:cSld>
@@ -16846,16 +17991,1408 @@
           <a:chExt cx="0" cy="0"/>
         </a:xfrm>
       </p:grpSpPr>
+      <p:sp>
+        <p:nvSpPr>
+          <p:cNvPr id="118" name="Rectangle 65"/>
+          <p:cNvSpPr/>
+          <p:nvPr/>
+        </p:nvSpPr>
+        <p:spPr>
+          <a:xfrm>
+            <a:off x="1119865" y="2086382"/>
+            <a:ext cx="7871735" cy="1723618"/>
+          </a:xfrm>
+          <a:prstGeom prst="roundRect">
+            <a:avLst>
+              <a:gd name="adj" fmla="val 3484"/>
+            </a:avLst>
+          </a:prstGeom>
+          <a:solidFill>
+            <a:schemeClr val="accent6">
+              <a:lumMod val="20000"/>
+              <a:lumOff val="80000"/>
+            </a:schemeClr>
+          </a:solidFill>
+          <a:ln w="19050">
+            <a:noFill/>
+          </a:ln>
+          <a:effectLst/>
+        </p:spPr>
+        <p:style>
+          <a:lnRef idx="1">
+            <a:schemeClr val="accent2"/>
+          </a:lnRef>
+          <a:fillRef idx="2">
+            <a:schemeClr val="accent2"/>
+          </a:fillRef>
+          <a:effectRef idx="1">
+            <a:schemeClr val="accent2"/>
+          </a:effectRef>
+          <a:fontRef idx="minor">
+            <a:schemeClr val="dk1"/>
+          </a:fontRef>
+        </p:style>
+        <p:txBody>
+          <a:bodyPr rtlCol="0" anchor="t"/>
+          <a:lstStyle/>
+          <a:p>
+            <a:r>
+              <a:rPr lang="en-US" sz="1200" b="1" dirty="0" smtClean="0">
+                <a:solidFill>
+                  <a:schemeClr val="accent6">
+                    <a:lumMod val="75000"/>
+                  </a:schemeClr>
+                </a:solidFill>
+              </a:rPr>
+              <a:t>Storage</a:t>
+            </a:r>
+            <a:endParaRPr lang="en-SG" sz="1200" b="1" dirty="0">
+              <a:solidFill>
+                <a:schemeClr val="accent6">
+                  <a:lumMod val="75000"/>
+                </a:schemeClr>
+              </a:solidFill>
+            </a:endParaRPr>
+          </a:p>
+        </p:txBody>
+      </p:sp>
+      <p:sp>
+        <p:nvSpPr>
+          <p:cNvPr id="2" name="Rectangle 8"/>
+          <p:cNvSpPr/>
+          <p:nvPr/>
+        </p:nvSpPr>
+        <p:spPr>
+          <a:xfrm>
+            <a:off x="2877180" y="3158440"/>
+            <a:ext cx="1323049" cy="346760"/>
+          </a:xfrm>
+          <a:prstGeom prst="rect">
+            <a:avLst/>
+          </a:prstGeom>
+          <a:solidFill>
+            <a:schemeClr val="accent6">
+              <a:lumMod val="75000"/>
+            </a:schemeClr>
+          </a:solidFill>
+          <a:ln w="19050">
+            <a:solidFill>
+              <a:schemeClr val="accent6">
+                <a:lumMod val="75000"/>
+              </a:schemeClr>
+            </a:solidFill>
+          </a:ln>
+          <a:effectLst/>
+        </p:spPr>
+        <p:style>
+          <a:lnRef idx="1">
+            <a:schemeClr val="accent2"/>
+          </a:lnRef>
+          <a:fillRef idx="2">
+            <a:schemeClr val="accent2"/>
+          </a:fillRef>
+          <a:effectRef idx="1">
+            <a:schemeClr val="accent2"/>
+          </a:effectRef>
+          <a:fontRef idx="minor">
+            <a:schemeClr val="dk1"/>
+          </a:fontRef>
+        </p:style>
+        <p:txBody>
+          <a:bodyPr rtlCol="0" anchor="ctr"/>
+          <a:lstStyle/>
+          <a:p>
+            <a:pPr algn="ctr"/>
+            <a:r>
+              <a:rPr lang="en-US" sz="1000" dirty="0" smtClean="0">
+                <a:solidFill>
+                  <a:schemeClr val="bg1"/>
+                </a:solidFill>
+              </a:rPr>
+              <a:t>&lt;&lt;interface&gt;&gt;</a:t>
+            </a:r>
+            <a:br>
+              <a:rPr lang="en-US" sz="1000" dirty="0" smtClean="0">
+                <a:solidFill>
+                  <a:schemeClr val="bg1"/>
+                </a:solidFill>
+              </a:rPr>
+            </a:br>
+            <a:r>
+              <a:rPr lang="en-US" sz="1000" dirty="0" err="1" smtClean="0">
+                <a:solidFill>
+                  <a:schemeClr val="bg1"/>
+                </a:solidFill>
+              </a:rPr>
+              <a:t>TaskManagerStorage</a:t>
+            </a:r>
+            <a:endParaRPr lang="en-SG" sz="1000" dirty="0">
+              <a:solidFill>
+                <a:schemeClr val="bg1"/>
+              </a:solidFill>
+            </a:endParaRPr>
+          </a:p>
+        </p:txBody>
+      </p:sp>
+      <p:sp>
+        <p:nvSpPr>
+          <p:cNvPr id="9" name="Rectangle 62"/>
+          <p:cNvSpPr/>
+          <p:nvPr/>
+        </p:nvSpPr>
+        <p:spPr>
+          <a:xfrm rot="16200000">
+            <a:off x="1683963" y="2868687"/>
+            <a:ext cx="1093635" cy="346760"/>
+          </a:xfrm>
+          <a:prstGeom prst="rect">
+            <a:avLst/>
+          </a:prstGeom>
+          <a:solidFill>
+            <a:schemeClr val="accent6">
+              <a:lumMod val="75000"/>
+            </a:schemeClr>
+          </a:solidFill>
+          <a:ln w="19050">
+            <a:solidFill>
+              <a:schemeClr val="accent6">
+                <a:lumMod val="75000"/>
+              </a:schemeClr>
+            </a:solidFill>
+          </a:ln>
+          <a:effectLst/>
+        </p:spPr>
+        <p:style>
+          <a:lnRef idx="1">
+            <a:schemeClr val="accent2"/>
+          </a:lnRef>
+          <a:fillRef idx="2">
+            <a:schemeClr val="accent2"/>
+          </a:fillRef>
+          <a:effectRef idx="1">
+            <a:schemeClr val="accent2"/>
+          </a:effectRef>
+          <a:fontRef idx="minor">
+            <a:schemeClr val="dk1"/>
+          </a:fontRef>
+        </p:style>
+        <p:txBody>
+          <a:bodyPr rtlCol="0" anchor="ctr"/>
+          <a:lstStyle/>
+          <a:p>
+            <a:pPr algn="ctr"/>
+            <a:r>
+              <a:rPr lang="en-US" sz="1050" dirty="0" err="1" smtClean="0">
+                <a:solidFill>
+                  <a:schemeClr val="bg1"/>
+                </a:solidFill>
+              </a:rPr>
+              <a:t>StorageManager</a:t>
+            </a:r>
+            <a:endParaRPr lang="en-SG" sz="1050" dirty="0">
+              <a:solidFill>
+                <a:schemeClr val="bg1"/>
+              </a:solidFill>
+            </a:endParaRPr>
+          </a:p>
+        </p:txBody>
+      </p:sp>
+      <p:sp>
+        <p:nvSpPr>
+          <p:cNvPr id="119" name="Rectangle 62"/>
+          <p:cNvSpPr/>
+          <p:nvPr/>
+        </p:nvSpPr>
+        <p:spPr>
+          <a:xfrm rot="16200000">
+            <a:off x="956202" y="2861202"/>
+            <a:ext cx="1093635" cy="346760"/>
+          </a:xfrm>
+          <a:prstGeom prst="rect">
+            <a:avLst/>
+          </a:prstGeom>
+          <a:solidFill>
+            <a:schemeClr val="accent6">
+              <a:lumMod val="75000"/>
+            </a:schemeClr>
+          </a:solidFill>
+          <a:ln w="19050">
+            <a:solidFill>
+              <a:schemeClr val="accent6">
+                <a:lumMod val="75000"/>
+              </a:schemeClr>
+            </a:solidFill>
+          </a:ln>
+          <a:effectLst/>
+        </p:spPr>
+        <p:style>
+          <a:lnRef idx="1">
+            <a:schemeClr val="accent2"/>
+          </a:lnRef>
+          <a:fillRef idx="2">
+            <a:schemeClr val="accent2"/>
+          </a:fillRef>
+          <a:effectRef idx="1">
+            <a:schemeClr val="accent2"/>
+          </a:effectRef>
+          <a:fontRef idx="minor">
+            <a:schemeClr val="dk1"/>
+          </a:fontRef>
+        </p:style>
+        <p:txBody>
+          <a:bodyPr rtlCol="0" anchor="ctr"/>
+          <a:lstStyle/>
+          <a:p>
+            <a:pPr algn="ctr"/>
+            <a:r>
+              <a:rPr lang="en-US" sz="1050" dirty="0">
+                <a:solidFill>
+                  <a:schemeClr val="bg1"/>
+                </a:solidFill>
+              </a:rPr>
+              <a:t>&lt;&lt;interface&gt;&gt;</a:t>
+            </a:r>
+          </a:p>
+          <a:p>
+            <a:pPr algn="ctr"/>
+            <a:r>
+              <a:rPr lang="en-US" sz="1050" dirty="0" smtClean="0">
+                <a:solidFill>
+                  <a:schemeClr val="bg1"/>
+                </a:solidFill>
+              </a:rPr>
+              <a:t>Storage</a:t>
+            </a:r>
+            <a:endParaRPr lang="en-SG" sz="1050" dirty="0">
+              <a:solidFill>
+                <a:schemeClr val="bg1"/>
+              </a:solidFill>
+            </a:endParaRPr>
+          </a:p>
+        </p:txBody>
+      </p:sp>
+      <p:sp>
+        <p:nvSpPr>
+          <p:cNvPr id="120" name="Isosceles Triangle 102"/>
+          <p:cNvSpPr/>
+          <p:nvPr/>
+        </p:nvSpPr>
+        <p:spPr>
+          <a:xfrm rot="16200000">
+            <a:off x="1626910" y="2952291"/>
+            <a:ext cx="270504" cy="175523"/>
+          </a:xfrm>
+          <a:prstGeom prst="triangle">
+            <a:avLst/>
+          </a:prstGeom>
+          <a:solidFill>
+            <a:schemeClr val="accent6">
+              <a:lumMod val="75000"/>
+            </a:schemeClr>
+          </a:solidFill>
+          <a:ln w="19050">
+            <a:solidFill>
+              <a:schemeClr val="accent6">
+                <a:lumMod val="75000"/>
+              </a:schemeClr>
+            </a:solidFill>
+          </a:ln>
+          <a:effectLst/>
+        </p:spPr>
+        <p:style>
+          <a:lnRef idx="1">
+            <a:schemeClr val="accent2"/>
+          </a:lnRef>
+          <a:fillRef idx="2">
+            <a:schemeClr val="accent2"/>
+          </a:fillRef>
+          <a:effectRef idx="1">
+            <a:schemeClr val="accent2"/>
+          </a:effectRef>
+          <a:fontRef idx="minor">
+            <a:schemeClr val="dk1"/>
+          </a:fontRef>
+        </p:style>
+        <p:txBody>
+          <a:bodyPr rtlCol="0" anchor="ctr"/>
+          <a:lstStyle/>
+          <a:p>
+            <a:pPr algn="ctr"/>
+            <a:endParaRPr lang="en-SG" sz="1050">
+              <a:solidFill>
+                <a:schemeClr val="bg1"/>
+              </a:solidFill>
+            </a:endParaRPr>
+          </a:p>
+        </p:txBody>
+      </p:sp>
+      <p:cxnSp>
+        <p:nvCxnSpPr>
+          <p:cNvPr id="58" name="Straight Arrow Connector 57"/>
+          <p:cNvCxnSpPr>
+            <a:stCxn id="42" idx="3"/>
+            <a:endCxn id="2" idx="1"/>
+          </p:cNvCxnSpPr>
+          <p:nvPr/>
+        </p:nvCxnSpPr>
+        <p:spPr>
+          <a:xfrm>
+            <a:off x="2656370" y="3326536"/>
+            <a:ext cx="220810" cy="5284"/>
+          </a:xfrm>
+          <a:prstGeom prst="straightConnector1">
+            <a:avLst/>
+          </a:prstGeom>
+          <a:ln w="19050">
+            <a:solidFill>
+              <a:schemeClr val="accent6">
+                <a:lumMod val="75000"/>
+              </a:schemeClr>
+            </a:solidFill>
+            <a:headEnd type="none" w="med" len="med"/>
+            <a:tailEnd type="arrow" w="med" len="med"/>
+          </a:ln>
+          <a:effectLst/>
+        </p:spPr>
+        <p:style>
+          <a:lnRef idx="1">
+            <a:schemeClr val="accent2"/>
+          </a:lnRef>
+          <a:fillRef idx="2">
+            <a:schemeClr val="accent2"/>
+          </a:fillRef>
+          <a:effectRef idx="1">
+            <a:schemeClr val="accent2"/>
+          </a:effectRef>
+          <a:fontRef idx="minor">
+            <a:schemeClr val="dk1"/>
+          </a:fontRef>
+        </p:style>
+      </p:cxnSp>
+      <p:cxnSp>
+        <p:nvCxnSpPr>
+          <p:cNvPr id="75" name="Elbow Connector 122"/>
+          <p:cNvCxnSpPr/>
+          <p:nvPr/>
+        </p:nvCxnSpPr>
+        <p:spPr>
+          <a:xfrm>
+            <a:off x="910091" y="3040053"/>
+            <a:ext cx="419548" cy="2860"/>
+          </a:xfrm>
+          <a:prstGeom prst="bentConnector3">
+            <a:avLst>
+              <a:gd name="adj1" fmla="val 50000"/>
+            </a:avLst>
+          </a:prstGeom>
+          <a:ln w="19050">
+            <a:solidFill>
+              <a:schemeClr val="bg1">
+                <a:lumMod val="75000"/>
+              </a:schemeClr>
+            </a:solidFill>
+            <a:prstDash val="sysDot"/>
+            <a:headEnd type="none" w="med" len="med"/>
+            <a:tailEnd type="arrow" w="med" len="med"/>
+          </a:ln>
+          <a:effectLst/>
+        </p:spPr>
+        <p:style>
+          <a:lnRef idx="1">
+            <a:schemeClr val="accent2"/>
+          </a:lnRef>
+          <a:fillRef idx="2">
+            <a:schemeClr val="accent2"/>
+          </a:fillRef>
+          <a:effectRef idx="1">
+            <a:schemeClr val="accent2"/>
+          </a:effectRef>
+          <a:fontRef idx="minor">
+            <a:schemeClr val="dk1"/>
+          </a:fontRef>
+        </p:style>
+      </p:cxnSp>
+      <p:cxnSp>
+        <p:nvCxnSpPr>
+          <p:cNvPr id="21" name="Straight Connector 20"/>
+          <p:cNvCxnSpPr>
+            <a:stCxn id="120" idx="3"/>
+          </p:cNvCxnSpPr>
+          <p:nvPr/>
+        </p:nvCxnSpPr>
+        <p:spPr>
+          <a:xfrm flipV="1">
+            <a:off x="1849924" y="3040052"/>
+            <a:ext cx="216105" cy="1"/>
+          </a:xfrm>
+          <a:prstGeom prst="line">
+            <a:avLst/>
+          </a:prstGeom>
+          <a:ln w="19050">
+            <a:solidFill>
+              <a:schemeClr val="accent6">
+                <a:lumMod val="75000"/>
+              </a:schemeClr>
+            </a:solidFill>
+            <a:prstDash val="sysDot"/>
+            <a:headEnd type="none" w="med" len="med"/>
+            <a:tailEnd type="none" w="med" len="med"/>
+          </a:ln>
+          <a:effectLst/>
+        </p:spPr>
+        <p:style>
+          <a:lnRef idx="1">
+            <a:schemeClr val="accent2"/>
+          </a:lnRef>
+          <a:fillRef idx="2">
+            <a:schemeClr val="accent2"/>
+          </a:fillRef>
+          <a:effectRef idx="1">
+            <a:schemeClr val="accent2"/>
+          </a:effectRef>
+          <a:fontRef idx="minor">
+            <a:schemeClr val="dk1"/>
+          </a:fontRef>
+        </p:style>
+      </p:cxnSp>
+      <p:sp>
+        <p:nvSpPr>
+          <p:cNvPr id="42" name="Flowchart: Decision 96"/>
+          <p:cNvSpPr/>
+          <p:nvPr/>
+        </p:nvSpPr>
+        <p:spPr>
+          <a:xfrm>
+            <a:off x="2420322" y="3239846"/>
+            <a:ext cx="236048" cy="173380"/>
+          </a:xfrm>
+          <a:prstGeom prst="flowChartDecision">
+            <a:avLst/>
+          </a:prstGeom>
+          <a:noFill/>
+          <a:ln w="19050">
+            <a:solidFill>
+              <a:schemeClr val="accent6">
+                <a:lumMod val="75000"/>
+              </a:schemeClr>
+            </a:solidFill>
+          </a:ln>
+          <a:effectLst/>
+        </p:spPr>
+        <p:style>
+          <a:lnRef idx="1">
+            <a:schemeClr val="accent2"/>
+          </a:lnRef>
+          <a:fillRef idx="2">
+            <a:schemeClr val="accent2"/>
+          </a:fillRef>
+          <a:effectRef idx="1">
+            <a:schemeClr val="accent2"/>
+          </a:effectRef>
+          <a:fontRef idx="minor">
+            <a:schemeClr val="dk1"/>
+          </a:fontRef>
+        </p:style>
+        <p:txBody>
+          <a:bodyPr rtlCol="0" anchor="ctr"/>
+          <a:lstStyle/>
+          <a:p>
+            <a:pPr algn="ctr"/>
+            <a:endParaRPr lang="en-US" sz="1050">
+              <a:solidFill>
+                <a:schemeClr val="bg1"/>
+              </a:solidFill>
+            </a:endParaRPr>
+          </a:p>
+        </p:txBody>
+      </p:sp>
+      <p:cxnSp>
+        <p:nvCxnSpPr>
+          <p:cNvPr id="97" name="Elbow Connector 63"/>
+          <p:cNvCxnSpPr>
+            <a:stCxn id="99" idx="3"/>
+            <a:endCxn id="50" idx="1"/>
+          </p:cNvCxnSpPr>
+          <p:nvPr/>
+        </p:nvCxnSpPr>
+        <p:spPr>
+          <a:xfrm flipV="1">
+            <a:off x="4398041" y="3331820"/>
+            <a:ext cx="223324" cy="1"/>
+          </a:xfrm>
+          <a:prstGeom prst="bentConnector3">
+            <a:avLst>
+              <a:gd name="adj1" fmla="val 50000"/>
+            </a:avLst>
+          </a:prstGeom>
+          <a:ln w="19050">
+            <a:solidFill>
+              <a:schemeClr val="accent6">
+                <a:lumMod val="75000"/>
+              </a:schemeClr>
+            </a:solidFill>
+            <a:prstDash val="sysDot"/>
+            <a:headEnd type="none" w="med" len="med"/>
+            <a:tailEnd type="none" w="med" len="med"/>
+          </a:ln>
+          <a:effectLst/>
+        </p:spPr>
+        <p:style>
+          <a:lnRef idx="1">
+            <a:schemeClr val="accent2"/>
+          </a:lnRef>
+          <a:fillRef idx="2">
+            <a:schemeClr val="accent2"/>
+          </a:fillRef>
+          <a:effectRef idx="1">
+            <a:schemeClr val="accent2"/>
+          </a:effectRef>
+          <a:fontRef idx="minor">
+            <a:schemeClr val="dk1"/>
+          </a:fontRef>
+        </p:style>
+      </p:cxnSp>
+      <p:sp>
+        <p:nvSpPr>
+          <p:cNvPr id="99" name="Isosceles Triangle 102"/>
+          <p:cNvSpPr/>
+          <p:nvPr/>
+        </p:nvSpPr>
+        <p:spPr>
+          <a:xfrm rot="5400000" flipV="1">
+            <a:off x="4175027" y="3244059"/>
+            <a:ext cx="270504" cy="175523"/>
+          </a:xfrm>
+          <a:prstGeom prst="triangle">
+            <a:avLst/>
+          </a:prstGeom>
+          <a:solidFill>
+            <a:schemeClr val="accent6">
+              <a:lumMod val="75000"/>
+            </a:schemeClr>
+          </a:solidFill>
+          <a:ln w="19050">
+            <a:solidFill>
+              <a:schemeClr val="accent6">
+                <a:lumMod val="75000"/>
+              </a:schemeClr>
+            </a:solidFill>
+          </a:ln>
+          <a:effectLst/>
+        </p:spPr>
+        <p:style>
+          <a:lnRef idx="1">
+            <a:schemeClr val="accent2"/>
+          </a:lnRef>
+          <a:fillRef idx="2">
+            <a:schemeClr val="accent2"/>
+          </a:fillRef>
+          <a:effectRef idx="1">
+            <a:schemeClr val="accent2"/>
+          </a:effectRef>
+          <a:fontRef idx="minor">
+            <a:schemeClr val="dk1"/>
+          </a:fontRef>
+        </p:style>
+        <p:txBody>
+          <a:bodyPr rtlCol="0" anchor="ctr"/>
+          <a:lstStyle/>
+          <a:p>
+            <a:pPr algn="ctr"/>
+            <a:endParaRPr lang="en-SG" sz="1050">
+              <a:solidFill>
+                <a:schemeClr val="bg1"/>
+              </a:solidFill>
+            </a:endParaRPr>
+          </a:p>
+        </p:txBody>
+      </p:sp>
+      <p:cxnSp>
+        <p:nvCxnSpPr>
+          <p:cNvPr id="124" name="Elbow Connector 122"/>
+          <p:cNvCxnSpPr>
+            <a:stCxn id="50" idx="3"/>
+            <a:endCxn id="66" idx="1"/>
+          </p:cNvCxnSpPr>
+          <p:nvPr/>
+        </p:nvCxnSpPr>
+        <p:spPr>
+          <a:xfrm>
+            <a:off x="5791200" y="3331820"/>
+            <a:ext cx="228600" cy="1970"/>
+          </a:xfrm>
+          <a:prstGeom prst="bentConnector3">
+            <a:avLst>
+              <a:gd name="adj1" fmla="val 50000"/>
+            </a:avLst>
+          </a:prstGeom>
+          <a:ln w="19050">
+            <a:solidFill>
+              <a:schemeClr val="accent6">
+                <a:lumMod val="75000"/>
+              </a:schemeClr>
+            </a:solidFill>
+            <a:prstDash val="sysDot"/>
+            <a:headEnd type="none" w="med" len="med"/>
+            <a:tailEnd type="arrow" w="med" len="med"/>
+          </a:ln>
+          <a:effectLst/>
+        </p:spPr>
+        <p:style>
+          <a:lnRef idx="1">
+            <a:schemeClr val="accent2"/>
+          </a:lnRef>
+          <a:fillRef idx="2">
+            <a:schemeClr val="accent2"/>
+          </a:fillRef>
+          <a:effectRef idx="1">
+            <a:schemeClr val="accent2"/>
+          </a:effectRef>
+          <a:fontRef idx="minor">
+            <a:schemeClr val="dk1"/>
+          </a:fontRef>
+        </p:style>
+      </p:cxnSp>
+      <p:sp>
+        <p:nvSpPr>
+          <p:cNvPr id="50" name="Rectangle 8"/>
+          <p:cNvSpPr/>
+          <p:nvPr/>
+        </p:nvSpPr>
+        <p:spPr>
+          <a:xfrm>
+            <a:off x="4621365" y="3158440"/>
+            <a:ext cx="1169835" cy="346760"/>
+          </a:xfrm>
+          <a:prstGeom prst="rect">
+            <a:avLst/>
+          </a:prstGeom>
+          <a:ln w="19050"/>
+          <a:effectLst/>
+        </p:spPr>
+        <p:style>
+          <a:lnRef idx="1">
+            <a:schemeClr val="accent6"/>
+          </a:lnRef>
+          <a:fillRef idx="2">
+            <a:schemeClr val="accent6"/>
+          </a:fillRef>
+          <a:effectRef idx="1">
+            <a:schemeClr val="accent6"/>
+          </a:effectRef>
+          <a:fontRef idx="minor">
+            <a:schemeClr val="dk1"/>
+          </a:fontRef>
+        </p:style>
+        <p:txBody>
+          <a:bodyPr rtlCol="0" anchor="ctr"/>
+          <a:lstStyle/>
+          <a:p>
+            <a:pPr algn="ctr"/>
+            <a:r>
+              <a:rPr lang="en-US" sz="1050" b="1" dirty="0" err="1" smtClean="0">
+                <a:solidFill>
+                  <a:schemeClr val="accent6">
+                    <a:lumMod val="75000"/>
+                  </a:schemeClr>
+                </a:solidFill>
+              </a:rPr>
+              <a:t>XmlTaskManager</a:t>
+            </a:r>
+            <a:r>
+              <a:rPr lang="en-US" sz="1050" b="1" dirty="0" smtClean="0">
+                <a:solidFill>
+                  <a:schemeClr val="accent6">
+                    <a:lumMod val="75000"/>
+                  </a:schemeClr>
+                </a:solidFill>
+              </a:rPr>
+              <a:t/>
+            </a:r>
+            <a:br>
+              <a:rPr lang="en-US" sz="1050" b="1" dirty="0" smtClean="0">
+                <a:solidFill>
+                  <a:schemeClr val="accent6">
+                    <a:lumMod val="75000"/>
+                  </a:schemeClr>
+                </a:solidFill>
+              </a:rPr>
+            </a:br>
+            <a:r>
+              <a:rPr lang="en-US" sz="1050" b="1" dirty="0" smtClean="0">
+                <a:solidFill>
+                  <a:schemeClr val="accent6">
+                    <a:lumMod val="75000"/>
+                  </a:schemeClr>
+                </a:solidFill>
+              </a:rPr>
+              <a:t>Storage</a:t>
+            </a:r>
+            <a:endParaRPr lang="en-SG" sz="1050" b="1" dirty="0">
+              <a:solidFill>
+                <a:schemeClr val="accent6">
+                  <a:lumMod val="75000"/>
+                </a:schemeClr>
+              </a:solidFill>
+            </a:endParaRPr>
+          </a:p>
+        </p:txBody>
+      </p:sp>
+      <p:sp>
+        <p:nvSpPr>
+          <p:cNvPr id="52" name="Rectangle 8"/>
+          <p:cNvSpPr/>
+          <p:nvPr/>
+        </p:nvSpPr>
+        <p:spPr>
+          <a:xfrm>
+            <a:off x="2873943" y="2558040"/>
+            <a:ext cx="1323049" cy="346760"/>
+          </a:xfrm>
+          <a:prstGeom prst="rect">
+            <a:avLst/>
+          </a:prstGeom>
+          <a:solidFill>
+            <a:schemeClr val="accent6">
+              <a:lumMod val="75000"/>
+            </a:schemeClr>
+          </a:solidFill>
+          <a:ln w="19050">
+            <a:solidFill>
+              <a:schemeClr val="accent6">
+                <a:lumMod val="75000"/>
+              </a:schemeClr>
+            </a:solidFill>
+          </a:ln>
+          <a:effectLst/>
+        </p:spPr>
+        <p:style>
+          <a:lnRef idx="1">
+            <a:schemeClr val="accent2"/>
+          </a:lnRef>
+          <a:fillRef idx="2">
+            <a:schemeClr val="accent2"/>
+          </a:fillRef>
+          <a:effectRef idx="1">
+            <a:schemeClr val="accent2"/>
+          </a:effectRef>
+          <a:fontRef idx="minor">
+            <a:schemeClr val="dk1"/>
+          </a:fontRef>
+        </p:style>
+        <p:txBody>
+          <a:bodyPr rtlCol="0" anchor="ctr"/>
+          <a:lstStyle/>
+          <a:p>
+            <a:pPr algn="ctr"/>
+            <a:r>
+              <a:rPr lang="en-US" sz="1050" dirty="0" smtClean="0">
+                <a:solidFill>
+                  <a:schemeClr val="bg1"/>
+                </a:solidFill>
+              </a:rPr>
+              <a:t>&lt;&lt;interface&gt;&gt;</a:t>
+            </a:r>
+            <a:br>
+              <a:rPr lang="en-US" sz="1050" dirty="0" smtClean="0">
+                <a:solidFill>
+                  <a:schemeClr val="bg1"/>
+                </a:solidFill>
+              </a:rPr>
+            </a:br>
+            <a:r>
+              <a:rPr lang="en-US" sz="1050" dirty="0" err="1" smtClean="0">
+                <a:solidFill>
+                  <a:schemeClr val="bg1"/>
+                </a:solidFill>
+              </a:rPr>
+              <a:t>UserPrefsStorage</a:t>
+            </a:r>
+            <a:endParaRPr lang="en-SG" sz="1050" dirty="0">
+              <a:solidFill>
+                <a:schemeClr val="bg1"/>
+              </a:solidFill>
+            </a:endParaRPr>
+          </a:p>
+        </p:txBody>
+      </p:sp>
+      <p:cxnSp>
+        <p:nvCxnSpPr>
+          <p:cNvPr id="54" name="Straight Arrow Connector 53"/>
+          <p:cNvCxnSpPr>
+            <a:stCxn id="56" idx="3"/>
+            <a:endCxn id="52" idx="1"/>
+          </p:cNvCxnSpPr>
+          <p:nvPr/>
+        </p:nvCxnSpPr>
+        <p:spPr>
+          <a:xfrm>
+            <a:off x="2653133" y="2726136"/>
+            <a:ext cx="220810" cy="5284"/>
+          </a:xfrm>
+          <a:prstGeom prst="straightConnector1">
+            <a:avLst/>
+          </a:prstGeom>
+          <a:ln w="19050">
+            <a:solidFill>
+              <a:schemeClr val="accent6">
+                <a:lumMod val="75000"/>
+              </a:schemeClr>
+            </a:solidFill>
+            <a:headEnd type="none" w="med" len="med"/>
+            <a:tailEnd type="arrow" w="med" len="med"/>
+          </a:ln>
+          <a:effectLst/>
+        </p:spPr>
+        <p:style>
+          <a:lnRef idx="1">
+            <a:schemeClr val="accent2"/>
+          </a:lnRef>
+          <a:fillRef idx="2">
+            <a:schemeClr val="accent2"/>
+          </a:fillRef>
+          <a:effectRef idx="1">
+            <a:schemeClr val="accent2"/>
+          </a:effectRef>
+          <a:fontRef idx="minor">
+            <a:schemeClr val="dk1"/>
+          </a:fontRef>
+        </p:style>
+      </p:cxnSp>
+      <p:sp>
+        <p:nvSpPr>
+          <p:cNvPr id="56" name="Flowchart: Decision 96"/>
+          <p:cNvSpPr/>
+          <p:nvPr/>
+        </p:nvSpPr>
+        <p:spPr>
+          <a:xfrm>
+            <a:off x="2417085" y="2639446"/>
+            <a:ext cx="236048" cy="173380"/>
+          </a:xfrm>
+          <a:prstGeom prst="flowChartDecision">
+            <a:avLst/>
+          </a:prstGeom>
+          <a:noFill/>
+          <a:ln w="19050">
+            <a:solidFill>
+              <a:schemeClr val="accent6">
+                <a:lumMod val="75000"/>
+              </a:schemeClr>
+            </a:solidFill>
+          </a:ln>
+          <a:effectLst/>
+        </p:spPr>
+        <p:style>
+          <a:lnRef idx="1">
+            <a:schemeClr val="accent2"/>
+          </a:lnRef>
+          <a:fillRef idx="2">
+            <a:schemeClr val="accent2"/>
+          </a:fillRef>
+          <a:effectRef idx="1">
+            <a:schemeClr val="accent2"/>
+          </a:effectRef>
+          <a:fontRef idx="minor">
+            <a:schemeClr val="dk1"/>
+          </a:fontRef>
+        </p:style>
+        <p:txBody>
+          <a:bodyPr rtlCol="0" anchor="ctr"/>
+          <a:lstStyle/>
+          <a:p>
+            <a:pPr algn="ctr"/>
+            <a:endParaRPr lang="en-US" sz="1050">
+              <a:solidFill>
+                <a:schemeClr val="bg1"/>
+              </a:solidFill>
+            </a:endParaRPr>
+          </a:p>
+        </p:txBody>
+      </p:sp>
+      <p:cxnSp>
+        <p:nvCxnSpPr>
+          <p:cNvPr id="60" name="Elbow Connector 63"/>
+          <p:cNvCxnSpPr>
+            <a:stCxn id="61" idx="3"/>
+            <a:endCxn id="65" idx="1"/>
+          </p:cNvCxnSpPr>
+          <p:nvPr/>
+        </p:nvCxnSpPr>
+        <p:spPr>
+          <a:xfrm flipV="1">
+            <a:off x="4394804" y="2731420"/>
+            <a:ext cx="223324" cy="1"/>
+          </a:xfrm>
+          <a:prstGeom prst="bentConnector3">
+            <a:avLst>
+              <a:gd name="adj1" fmla="val 50000"/>
+            </a:avLst>
+          </a:prstGeom>
+          <a:ln w="19050">
+            <a:solidFill>
+              <a:schemeClr val="accent6">
+                <a:lumMod val="75000"/>
+              </a:schemeClr>
+            </a:solidFill>
+            <a:prstDash val="sysDot"/>
+            <a:headEnd type="none" w="med" len="med"/>
+            <a:tailEnd type="none" w="med" len="med"/>
+          </a:ln>
+          <a:effectLst/>
+        </p:spPr>
+        <p:style>
+          <a:lnRef idx="1">
+            <a:schemeClr val="accent2"/>
+          </a:lnRef>
+          <a:fillRef idx="2">
+            <a:schemeClr val="accent2"/>
+          </a:fillRef>
+          <a:effectRef idx="1">
+            <a:schemeClr val="accent2"/>
+          </a:effectRef>
+          <a:fontRef idx="minor">
+            <a:schemeClr val="dk1"/>
+          </a:fontRef>
+        </p:style>
+      </p:cxnSp>
+      <p:sp>
+        <p:nvSpPr>
+          <p:cNvPr id="61" name="Isosceles Triangle 102"/>
+          <p:cNvSpPr/>
+          <p:nvPr/>
+        </p:nvSpPr>
+        <p:spPr>
+          <a:xfrm rot="5400000" flipV="1">
+            <a:off x="4171790" y="2643659"/>
+            <a:ext cx="270504" cy="175523"/>
+          </a:xfrm>
+          <a:prstGeom prst="triangle">
+            <a:avLst/>
+          </a:prstGeom>
+          <a:solidFill>
+            <a:schemeClr val="accent6">
+              <a:lumMod val="75000"/>
+            </a:schemeClr>
+          </a:solidFill>
+          <a:ln w="19050">
+            <a:solidFill>
+              <a:schemeClr val="accent6">
+                <a:lumMod val="75000"/>
+              </a:schemeClr>
+            </a:solidFill>
+          </a:ln>
+          <a:effectLst/>
+        </p:spPr>
+        <p:style>
+          <a:lnRef idx="1">
+            <a:schemeClr val="accent2"/>
+          </a:lnRef>
+          <a:fillRef idx="2">
+            <a:schemeClr val="accent2"/>
+          </a:fillRef>
+          <a:effectRef idx="1">
+            <a:schemeClr val="accent2"/>
+          </a:effectRef>
+          <a:fontRef idx="minor">
+            <a:schemeClr val="dk1"/>
+          </a:fontRef>
+        </p:style>
+        <p:txBody>
+          <a:bodyPr rtlCol="0" anchor="ctr"/>
+          <a:lstStyle/>
+          <a:p>
+            <a:pPr algn="ctr"/>
+            <a:endParaRPr lang="en-SG" sz="1050">
+              <a:solidFill>
+                <a:schemeClr val="bg1"/>
+              </a:solidFill>
+            </a:endParaRPr>
+          </a:p>
+        </p:txBody>
+      </p:sp>
+      <p:sp>
+        <p:nvSpPr>
+          <p:cNvPr id="65" name="Rectangle 8"/>
+          <p:cNvSpPr/>
+          <p:nvPr/>
+        </p:nvSpPr>
+        <p:spPr>
+          <a:xfrm>
+            <a:off x="4618128" y="2558040"/>
+            <a:ext cx="1093635" cy="346760"/>
+          </a:xfrm>
+          <a:prstGeom prst="rect">
+            <a:avLst/>
+          </a:prstGeom>
+          <a:solidFill>
+            <a:schemeClr val="accent6">
+              <a:lumMod val="75000"/>
+            </a:schemeClr>
+          </a:solidFill>
+          <a:ln w="19050">
+            <a:solidFill>
+              <a:schemeClr val="accent6">
+                <a:lumMod val="75000"/>
+              </a:schemeClr>
+            </a:solidFill>
+          </a:ln>
+          <a:effectLst/>
+        </p:spPr>
+        <p:style>
+          <a:lnRef idx="1">
+            <a:schemeClr val="accent2"/>
+          </a:lnRef>
+          <a:fillRef idx="2">
+            <a:schemeClr val="accent2"/>
+          </a:fillRef>
+          <a:effectRef idx="1">
+            <a:schemeClr val="accent2"/>
+          </a:effectRef>
+          <a:fontRef idx="minor">
+            <a:schemeClr val="dk1"/>
+          </a:fontRef>
+        </p:style>
+        <p:txBody>
+          <a:bodyPr rtlCol="0" anchor="ctr"/>
+          <a:lstStyle/>
+          <a:p>
+            <a:pPr algn="ctr"/>
+            <a:r>
+              <a:rPr lang="en-US" sz="1050" dirty="0" err="1" smtClean="0">
+                <a:solidFill>
+                  <a:schemeClr val="bg1"/>
+                </a:solidFill>
+              </a:rPr>
+              <a:t>JsonUserPrefs</a:t>
+            </a:r>
+            <a:r>
+              <a:rPr lang="en-US" sz="1050" dirty="0" smtClean="0">
+                <a:solidFill>
+                  <a:schemeClr val="bg1"/>
+                </a:solidFill>
+              </a:rPr>
+              <a:t/>
+            </a:r>
+            <a:br>
+              <a:rPr lang="en-US" sz="1050" dirty="0" smtClean="0">
+                <a:solidFill>
+                  <a:schemeClr val="bg1"/>
+                </a:solidFill>
+              </a:rPr>
+            </a:br>
+            <a:r>
+              <a:rPr lang="en-US" sz="1050" dirty="0" smtClean="0">
+                <a:solidFill>
+                  <a:schemeClr val="bg1"/>
+                </a:solidFill>
+              </a:rPr>
+              <a:t>Storage</a:t>
+            </a:r>
+            <a:endParaRPr lang="en-SG" sz="1050" dirty="0">
+              <a:solidFill>
+                <a:schemeClr val="bg1"/>
+              </a:solidFill>
+            </a:endParaRPr>
+          </a:p>
+        </p:txBody>
+      </p:sp>
+      <p:sp>
+        <p:nvSpPr>
+          <p:cNvPr id="66" name="Rectangle 8"/>
+          <p:cNvSpPr/>
+          <p:nvPr/>
+        </p:nvSpPr>
+        <p:spPr>
+          <a:xfrm>
+            <a:off x="6019800" y="3160410"/>
+            <a:ext cx="1200707" cy="346760"/>
+          </a:xfrm>
+          <a:prstGeom prst="rect">
+            <a:avLst/>
+          </a:prstGeom>
+          <a:ln w="19050"/>
+          <a:effectLst/>
+        </p:spPr>
+        <p:style>
+          <a:lnRef idx="1">
+            <a:schemeClr val="accent6"/>
+          </a:lnRef>
+          <a:fillRef idx="2">
+            <a:schemeClr val="accent6"/>
+          </a:fillRef>
+          <a:effectRef idx="1">
+            <a:schemeClr val="accent6"/>
+          </a:effectRef>
+          <a:fontRef idx="minor">
+            <a:schemeClr val="dk1"/>
+          </a:fontRef>
+        </p:style>
+        <p:txBody>
+          <a:bodyPr rtlCol="0" anchor="ctr"/>
+          <a:lstStyle/>
+          <a:p>
+            <a:pPr algn="ctr"/>
+            <a:r>
+              <a:rPr lang="en-US" sz="1050" b="1" dirty="0" err="1" smtClean="0">
+                <a:solidFill>
+                  <a:schemeClr val="accent6">
+                    <a:lumMod val="75000"/>
+                  </a:schemeClr>
+                </a:solidFill>
+              </a:rPr>
+              <a:t>XmlSerializable</a:t>
+            </a:r>
+            <a:r>
+              <a:rPr lang="en-US" sz="1050" b="1" dirty="0" smtClean="0">
+                <a:solidFill>
+                  <a:schemeClr val="accent6">
+                    <a:lumMod val="75000"/>
+                  </a:schemeClr>
+                </a:solidFill>
+              </a:rPr>
+              <a:t/>
+            </a:r>
+            <a:br>
+              <a:rPr lang="en-US" sz="1050" b="1" dirty="0" smtClean="0">
+                <a:solidFill>
+                  <a:schemeClr val="accent6">
+                    <a:lumMod val="75000"/>
+                  </a:schemeClr>
+                </a:solidFill>
+              </a:rPr>
+            </a:br>
+            <a:r>
+              <a:rPr lang="en-US" sz="1050" b="1" dirty="0" smtClean="0">
+                <a:solidFill>
+                  <a:schemeClr val="accent6">
+                    <a:lumMod val="75000"/>
+                  </a:schemeClr>
+                </a:solidFill>
+              </a:rPr>
+              <a:t>TaskManager</a:t>
+            </a:r>
+            <a:endParaRPr lang="en-SG" sz="1050" b="1" dirty="0">
+              <a:solidFill>
+                <a:schemeClr val="accent6">
+                  <a:lumMod val="75000"/>
+                </a:schemeClr>
+              </a:solidFill>
+            </a:endParaRPr>
+          </a:p>
+        </p:txBody>
+      </p:sp>
+      <p:cxnSp>
+        <p:nvCxnSpPr>
+          <p:cNvPr id="70" name="Elbow Connector 122"/>
+          <p:cNvCxnSpPr>
+            <a:stCxn id="74" idx="0"/>
+            <a:endCxn id="73" idx="2"/>
+          </p:cNvCxnSpPr>
+          <p:nvPr/>
+        </p:nvCxnSpPr>
+        <p:spPr>
+          <a:xfrm rot="5400000" flipH="1" flipV="1">
+            <a:off x="8077993" y="2992020"/>
+            <a:ext cx="335208" cy="12700"/>
+          </a:xfrm>
+          <a:prstGeom prst="bentConnector3">
+            <a:avLst>
+              <a:gd name="adj1" fmla="val 50000"/>
+            </a:avLst>
+          </a:prstGeom>
+          <a:ln w="19050">
+            <a:prstDash val="sysDot"/>
+            <a:headEnd type="none" w="med" len="med"/>
+            <a:tailEnd type="arrow" w="med" len="med"/>
+          </a:ln>
+          <a:effectLst/>
+        </p:spPr>
+        <p:style>
+          <a:lnRef idx="1">
+            <a:schemeClr val="accent6"/>
+          </a:lnRef>
+          <a:fillRef idx="2">
+            <a:schemeClr val="accent6"/>
+          </a:fillRef>
+          <a:effectRef idx="1">
+            <a:schemeClr val="accent6"/>
+          </a:effectRef>
+          <a:fontRef idx="minor">
+            <a:schemeClr val="dk1"/>
+          </a:fontRef>
+        </p:style>
+      </p:cxnSp>
+      <p:sp>
+        <p:nvSpPr>
+          <p:cNvPr id="73" name="Rectangle 8"/>
+          <p:cNvSpPr/>
+          <p:nvPr/>
+        </p:nvSpPr>
+        <p:spPr>
+          <a:xfrm>
+            <a:off x="7615738" y="2477656"/>
+            <a:ext cx="1259718" cy="346760"/>
+          </a:xfrm>
+          <a:prstGeom prst="rect">
+            <a:avLst/>
+          </a:prstGeom>
+          <a:ln w="19050"/>
+          <a:effectLst/>
+        </p:spPr>
+        <p:style>
+          <a:lnRef idx="1">
+            <a:schemeClr val="accent6"/>
+          </a:lnRef>
+          <a:fillRef idx="2">
+            <a:schemeClr val="accent6"/>
+          </a:fillRef>
+          <a:effectRef idx="1">
+            <a:schemeClr val="accent6"/>
+          </a:effectRef>
+          <a:fontRef idx="minor">
+            <a:schemeClr val="dk1"/>
+          </a:fontRef>
+        </p:style>
+        <p:txBody>
+          <a:bodyPr rtlCol="0" anchor="ctr"/>
+          <a:lstStyle/>
+          <a:p>
+            <a:pPr algn="ctr"/>
+            <a:r>
+              <a:rPr lang="en-US" sz="1050" b="1" dirty="0" err="1" smtClean="0">
+                <a:solidFill>
+                  <a:schemeClr val="accent6">
+                    <a:lumMod val="75000"/>
+                  </a:schemeClr>
+                </a:solidFill>
+              </a:rPr>
+              <a:t>XmlAdaptedTag</a:t>
+            </a:r>
+            <a:endParaRPr lang="en-SG" sz="1050" b="1" dirty="0">
+              <a:solidFill>
+                <a:schemeClr val="accent6">
+                  <a:lumMod val="75000"/>
+                </a:schemeClr>
+              </a:solidFill>
+            </a:endParaRPr>
+          </a:p>
+        </p:txBody>
+      </p:sp>
+      <p:sp>
+        <p:nvSpPr>
+          <p:cNvPr id="74" name="Rectangle 8"/>
+          <p:cNvSpPr/>
+          <p:nvPr/>
+        </p:nvSpPr>
+        <p:spPr>
+          <a:xfrm>
+            <a:off x="7615738" y="3159624"/>
+            <a:ext cx="1259718" cy="346760"/>
+          </a:xfrm>
+          <a:prstGeom prst="rect">
+            <a:avLst/>
+          </a:prstGeom>
+          <a:ln w="19050"/>
+          <a:effectLst/>
+        </p:spPr>
+        <p:style>
+          <a:lnRef idx="1">
+            <a:schemeClr val="accent6"/>
+          </a:lnRef>
+          <a:fillRef idx="2">
+            <a:schemeClr val="accent6"/>
+          </a:fillRef>
+          <a:effectRef idx="1">
+            <a:schemeClr val="accent6"/>
+          </a:effectRef>
+          <a:fontRef idx="minor">
+            <a:schemeClr val="dk1"/>
+          </a:fontRef>
+        </p:style>
+        <p:txBody>
+          <a:bodyPr rtlCol="0" anchor="ctr"/>
+          <a:lstStyle/>
+          <a:p>
+            <a:pPr algn="ctr"/>
+            <a:r>
+              <a:rPr lang="en-US" sz="1050" b="1" dirty="0" err="1" smtClean="0">
+                <a:solidFill>
+                  <a:schemeClr val="accent6">
+                    <a:lumMod val="75000"/>
+                  </a:schemeClr>
+                </a:solidFill>
+              </a:rPr>
+              <a:t>XmlAdaptedTask</a:t>
+            </a:r>
+            <a:endParaRPr lang="en-SG" sz="1050" b="1" dirty="0">
+              <a:solidFill>
+                <a:schemeClr val="accent6">
+                  <a:lumMod val="75000"/>
+                </a:schemeClr>
+              </a:solidFill>
+            </a:endParaRPr>
+          </a:p>
+        </p:txBody>
+      </p:sp>
+      <p:cxnSp>
+        <p:nvCxnSpPr>
+          <p:cNvPr id="77" name="Elbow Connector 122"/>
+          <p:cNvCxnSpPr>
+            <a:stCxn id="66" idx="3"/>
+            <a:endCxn id="74" idx="1"/>
+          </p:cNvCxnSpPr>
+          <p:nvPr/>
+        </p:nvCxnSpPr>
+        <p:spPr>
+          <a:xfrm flipV="1">
+            <a:off x="7220507" y="3333004"/>
+            <a:ext cx="395231" cy="786"/>
+          </a:xfrm>
+          <a:prstGeom prst="bentConnector3">
+            <a:avLst>
+              <a:gd name="adj1" fmla="val 50000"/>
+            </a:avLst>
+          </a:prstGeom>
+          <a:ln w="19050">
+            <a:prstDash val="sysDot"/>
+            <a:headEnd type="none" w="med" len="med"/>
+            <a:tailEnd type="arrow" w="med" len="med"/>
+          </a:ln>
+          <a:effectLst/>
+        </p:spPr>
+        <p:style>
+          <a:lnRef idx="1">
+            <a:schemeClr val="accent6"/>
+          </a:lnRef>
+          <a:fillRef idx="2">
+            <a:schemeClr val="accent6"/>
+          </a:fillRef>
+          <a:effectRef idx="1">
+            <a:schemeClr val="accent6"/>
+          </a:effectRef>
+          <a:fontRef idx="minor">
+            <a:schemeClr val="dk1"/>
+          </a:fontRef>
+        </p:style>
+      </p:cxnSp>
     </p:spTree>
     <p:extLst>
       <p:ext uri="{BB962C8B-B14F-4D97-AF65-F5344CB8AC3E}">
-        <p14:creationId xmlns:p14="http://schemas.microsoft.com/office/powerpoint/2010/main" val="2978036214"/>
+        <p14:creationId xmlns:p14="http://schemas.microsoft.com/office/powerpoint/2010/main" val="1478832369"/>
       </p:ext>
     </p:extLst>
   </p:cSld>
   <p:clrMapOvr>
     <a:masterClrMapping/>
   </p:clrMapOvr>
+  <p:timing>
+    <p:tnLst>
+      <p:par>
+        <p:cTn id="1" dur="indefinite" restart="never" nodeType="tmRoot"/>
+      </p:par>
+    </p:tnLst>
+  </p:timing>
 </p:sld>
 </file>
 
